--- a/5_Midterm_Presentation.pptx
+++ b/5_Midterm_Presentation.pptx
@@ -2,7 +2,7 @@
 <file path=ppt/presentation.xml><?xml version="1.0" encoding="utf-8"?>
 <p:presentation xmlns:a="http://schemas.openxmlformats.org/drawingml/2006/main" xmlns:r="http://schemas.openxmlformats.org/officeDocument/2006/relationships" xmlns:p="http://schemas.openxmlformats.org/presentationml/2006/main" saveSubsetFonts="1">
   <p:sldMasterIdLst>
-    <p:sldMasterId id="2147483648" r:id="rId1"/>
+    <p:sldMasterId id="2147483732" r:id="rId1"/>
   </p:sldMasterIdLst>
   <p:notesMasterIdLst>
     <p:notesMasterId r:id="rId14"/>
@@ -25,9 +25,9 @@
   <p:notesSz cx="6858000" cy="9144000"/>
   <p:defaultTextStyle>
     <a:defPPr>
-      <a:defRPr lang="tr-TR"/>
+      <a:defRPr lang="en-US"/>
     </a:defPPr>
-    <a:lvl1pPr marL="0" algn="l" defTabSz="914400" rtl="0" eaLnBrk="1" latinLnBrk="0" hangingPunct="1">
+    <a:lvl1pPr marL="0" algn="l" defTabSz="457200" rtl="0" eaLnBrk="1" latinLnBrk="0" hangingPunct="1">
       <a:defRPr sz="1800" kern="1200">
         <a:solidFill>
           <a:schemeClr val="tx1"/>
@@ -37,7 +37,7 @@
         <a:cs typeface="+mn-cs"/>
       </a:defRPr>
     </a:lvl1pPr>
-    <a:lvl2pPr marL="457200" algn="l" defTabSz="914400" rtl="0" eaLnBrk="1" latinLnBrk="0" hangingPunct="1">
+    <a:lvl2pPr marL="457200" algn="l" defTabSz="457200" rtl="0" eaLnBrk="1" latinLnBrk="0" hangingPunct="1">
       <a:defRPr sz="1800" kern="1200">
         <a:solidFill>
           <a:schemeClr val="tx1"/>
@@ -47,7 +47,7 @@
         <a:cs typeface="+mn-cs"/>
       </a:defRPr>
     </a:lvl2pPr>
-    <a:lvl3pPr marL="914400" algn="l" defTabSz="914400" rtl="0" eaLnBrk="1" latinLnBrk="0" hangingPunct="1">
+    <a:lvl3pPr marL="914400" algn="l" defTabSz="457200" rtl="0" eaLnBrk="1" latinLnBrk="0" hangingPunct="1">
       <a:defRPr sz="1800" kern="1200">
         <a:solidFill>
           <a:schemeClr val="tx1"/>
@@ -57,7 +57,7 @@
         <a:cs typeface="+mn-cs"/>
       </a:defRPr>
     </a:lvl3pPr>
-    <a:lvl4pPr marL="1371600" algn="l" defTabSz="914400" rtl="0" eaLnBrk="1" latinLnBrk="0" hangingPunct="1">
+    <a:lvl4pPr marL="1371600" algn="l" defTabSz="457200" rtl="0" eaLnBrk="1" latinLnBrk="0" hangingPunct="1">
       <a:defRPr sz="1800" kern="1200">
         <a:solidFill>
           <a:schemeClr val="tx1"/>
@@ -67,7 +67,7 @@
         <a:cs typeface="+mn-cs"/>
       </a:defRPr>
     </a:lvl4pPr>
-    <a:lvl5pPr marL="1828800" algn="l" defTabSz="914400" rtl="0" eaLnBrk="1" latinLnBrk="0" hangingPunct="1">
+    <a:lvl5pPr marL="1828800" algn="l" defTabSz="457200" rtl="0" eaLnBrk="1" latinLnBrk="0" hangingPunct="1">
       <a:defRPr sz="1800" kern="1200">
         <a:solidFill>
           <a:schemeClr val="tx1"/>
@@ -77,7 +77,7 @@
         <a:cs typeface="+mn-cs"/>
       </a:defRPr>
     </a:lvl5pPr>
-    <a:lvl6pPr marL="2286000" algn="l" defTabSz="914400" rtl="0" eaLnBrk="1" latinLnBrk="0" hangingPunct="1">
+    <a:lvl6pPr marL="2286000" algn="l" defTabSz="457200" rtl="0" eaLnBrk="1" latinLnBrk="0" hangingPunct="1">
       <a:defRPr sz="1800" kern="1200">
         <a:solidFill>
           <a:schemeClr val="tx1"/>
@@ -87,7 +87,7 @@
         <a:cs typeface="+mn-cs"/>
       </a:defRPr>
     </a:lvl6pPr>
-    <a:lvl7pPr marL="2743200" algn="l" defTabSz="914400" rtl="0" eaLnBrk="1" latinLnBrk="0" hangingPunct="1">
+    <a:lvl7pPr marL="2743200" algn="l" defTabSz="457200" rtl="0" eaLnBrk="1" latinLnBrk="0" hangingPunct="1">
       <a:defRPr sz="1800" kern="1200">
         <a:solidFill>
           <a:schemeClr val="tx1"/>
@@ -97,7 +97,7 @@
         <a:cs typeface="+mn-cs"/>
       </a:defRPr>
     </a:lvl7pPr>
-    <a:lvl8pPr marL="3200400" algn="l" defTabSz="914400" rtl="0" eaLnBrk="1" latinLnBrk="0" hangingPunct="1">
+    <a:lvl8pPr marL="3200400" algn="l" defTabSz="457200" rtl="0" eaLnBrk="1" latinLnBrk="0" hangingPunct="1">
       <a:defRPr sz="1800" kern="1200">
         <a:solidFill>
           <a:schemeClr val="tx1"/>
@@ -107,7 +107,7 @@
         <a:cs typeface="+mn-cs"/>
       </a:defRPr>
     </a:lvl8pPr>
-    <a:lvl9pPr marL="3657600" algn="l" defTabSz="914400" rtl="0" eaLnBrk="1" latinLnBrk="0" hangingPunct="1">
+    <a:lvl9pPr marL="3657600" algn="l" defTabSz="457200" rtl="0" eaLnBrk="1" latinLnBrk="0" hangingPunct="1">
       <a:defRPr sz="1800" kern="1200">
         <a:solidFill>
           <a:schemeClr val="tx1"/>
@@ -304,35 +304,35 @@
           <a:p>
             <a:pPr lvl="0"/>
             <a:r>
-              <a:rPr lang="en-US" smtClean="0"/>
+              <a:rPr lang="en-US"/>
               <a:t>Click to edit Master text styles</a:t>
             </a:r>
           </a:p>
           <a:p>
             <a:pPr lvl="1"/>
             <a:r>
-              <a:rPr lang="en-US" smtClean="0"/>
+              <a:rPr lang="en-US"/>
               <a:t>Second level</a:t>
             </a:r>
           </a:p>
           <a:p>
             <a:pPr lvl="2"/>
             <a:r>
-              <a:rPr lang="en-US" smtClean="0"/>
+              <a:rPr lang="en-US"/>
               <a:t>Third level</a:t>
             </a:r>
           </a:p>
           <a:p>
             <a:pPr lvl="3"/>
             <a:r>
-              <a:rPr lang="en-US" smtClean="0"/>
+              <a:rPr lang="en-US"/>
               <a:t>Fourth level</a:t>
             </a:r>
           </a:p>
           <a:p>
             <a:pPr lvl="4"/>
             <a:r>
-              <a:rPr lang="en-US" smtClean="0"/>
+              <a:rPr lang="en-US"/>
               <a:t>Fifth level</a:t>
             </a:r>
           </a:p>
@@ -575,7 +575,111 @@
       </p:grpSpPr>
       <p:sp>
         <p:nvSpPr>
-          <p:cNvPr id="1048581" name="Title 1"/>
+          <p:cNvPr id="11" name="Freeform 6"/>
+          <p:cNvSpPr/>
+          <p:nvPr/>
+        </p:nvSpPr>
+        <p:spPr bwMode="auto">
+          <a:xfrm>
+            <a:off x="0" y="-3175"/>
+            <a:ext cx="12192000" cy="5203825"/>
+          </a:xfrm>
+          <a:custGeom>
+            <a:avLst/>
+            <a:gdLst/>
+            <a:ahLst/>
+            <a:cxnLst/>
+            <a:rect l="0" t="0" r="r" b="b"/>
+            <a:pathLst>
+              <a:path w="5760" h="3278">
+                <a:moveTo>
+                  <a:pt x="5760" y="0"/>
+                </a:moveTo>
+                <a:lnTo>
+                  <a:pt x="0" y="0"/>
+                </a:lnTo>
+                <a:lnTo>
+                  <a:pt x="0" y="3090"/>
+                </a:lnTo>
+                <a:lnTo>
+                  <a:pt x="943" y="3090"/>
+                </a:lnTo>
+                <a:lnTo>
+                  <a:pt x="1123" y="3270"/>
+                </a:lnTo>
+                <a:lnTo>
+                  <a:pt x="1123" y="3270"/>
+                </a:lnTo>
+                <a:lnTo>
+                  <a:pt x="1127" y="3272"/>
+                </a:lnTo>
+                <a:lnTo>
+                  <a:pt x="1133" y="3275"/>
+                </a:lnTo>
+                <a:lnTo>
+                  <a:pt x="1139" y="3278"/>
+                </a:lnTo>
+                <a:lnTo>
+                  <a:pt x="1144" y="3278"/>
+                </a:lnTo>
+                <a:lnTo>
+                  <a:pt x="1150" y="3278"/>
+                </a:lnTo>
+                <a:lnTo>
+                  <a:pt x="1155" y="3275"/>
+                </a:lnTo>
+                <a:lnTo>
+                  <a:pt x="1161" y="3272"/>
+                </a:lnTo>
+                <a:lnTo>
+                  <a:pt x="1165" y="3270"/>
+                </a:lnTo>
+                <a:lnTo>
+                  <a:pt x="1345" y="3090"/>
+                </a:lnTo>
+                <a:lnTo>
+                  <a:pt x="5760" y="3090"/>
+                </a:lnTo>
+                <a:lnTo>
+                  <a:pt x="5760" y="0"/>
+                </a:lnTo>
+                <a:close/>
+              </a:path>
+            </a:pathLst>
+          </a:custGeom>
+          <a:ln/>
+          <a:effectLst/>
+          <a:extLst>
+            <a:ext uri="{91240B29-F687-4f45-9708-019B960494DF}">
+              <a14:hiddenLine xmlns="" xmlns:a14="http://schemas.microsoft.com/office/drawing/2010/main" w="9525">
+                <a:solidFill>
+                  <a:srgbClr val="000000"/>
+                </a:solidFill>
+                <a:round/>
+                <a:headEnd/>
+                <a:tailEnd/>
+              </a14:hiddenLine>
+            </a:ext>
+          </a:extLst>
+        </p:spPr>
+        <p:style>
+          <a:lnRef idx="1">
+            <a:schemeClr val="accent1"/>
+          </a:lnRef>
+          <a:fillRef idx="3">
+            <a:schemeClr val="accent1"/>
+          </a:fillRef>
+          <a:effectRef idx="2">
+            <a:schemeClr val="accent1"/>
+          </a:effectRef>
+          <a:fontRef idx="minor">
+            <a:schemeClr val="lt1"/>
+          </a:fontRef>
+        </p:style>
+      </p:sp>
+      <p:sp>
+        <p:nvSpPr>
+          <p:cNvPr id="2" name="Title 1"/>
           <p:cNvSpPr>
             <a:spLocks noGrp="1"/>
           </p:cNvSpPr>
@@ -585,29 +689,29 @@
         </p:nvSpPr>
         <p:spPr>
           <a:xfrm>
-            <a:off x="1524000" y="1122363"/>
-            <a:ext cx="9144000" cy="2387600"/>
+            <a:off x="810001" y="1449147"/>
+            <a:ext cx="10572000" cy="2971051"/>
           </a:xfrm>
         </p:spPr>
         <p:txBody>
-          <a:bodyPr anchor="b"/>
+          <a:bodyPr/>
           <a:lstStyle>
-            <a:lvl1pPr algn="ctr">
-              <a:defRPr sz="6000"/>
+            <a:lvl1pPr>
+              <a:defRPr sz="5400"/>
             </a:lvl1pPr>
           </a:lstStyle>
           <a:p>
             <a:r>
-              <a:rPr lang="en-US" smtClean="0"/>
+              <a:rPr lang="en-US"/>
               <a:t>Click to edit Master title style</a:t>
             </a:r>
-            <a:endParaRPr lang="tr-TR"/>
-          </a:p>
-        </p:txBody>
-      </p:sp>
-      <p:sp>
-        <p:nvSpPr>
-          <p:cNvPr id="1048582" name="Subtitle 2"/>
+            <a:endParaRPr lang="en-US" dirty="0"/>
+          </a:p>
+        </p:txBody>
+      </p:sp>
+      <p:sp>
+        <p:nvSpPr>
+          <p:cNvPr id="3" name="Subtitle 2"/>
           <p:cNvSpPr>
             <a:spLocks noGrp="1"/>
           </p:cNvSpPr>
@@ -617,62 +721,114 @@
         </p:nvSpPr>
         <p:spPr>
           <a:xfrm>
-            <a:off x="1524000" y="3602038"/>
-            <a:ext cx="9144000" cy="1655762"/>
+            <a:off x="810001" y="5280847"/>
+            <a:ext cx="10572000" cy="434974"/>
           </a:xfrm>
         </p:spPr>
         <p:txBody>
-          <a:bodyPr/>
+          <a:bodyPr anchor="t"/>
           <a:lstStyle>
-            <a:lvl1pPr marL="0" indent="0" algn="ctr">
-              <a:buNone/>
-              <a:defRPr sz="2400"/>
+            <a:lvl1pPr marL="0" indent="0" algn="l">
+              <a:buNone/>
+              <a:defRPr>
+                <a:solidFill>
+                  <a:schemeClr val="tx1"/>
+                </a:solidFill>
+              </a:defRPr>
             </a:lvl1pPr>
             <a:lvl2pPr marL="457200" indent="0" algn="ctr">
               <a:buNone/>
-              <a:defRPr sz="2000"/>
+              <a:defRPr>
+                <a:solidFill>
+                  <a:schemeClr val="tx1">
+                    <a:tint val="75000"/>
+                  </a:schemeClr>
+                </a:solidFill>
+              </a:defRPr>
             </a:lvl2pPr>
             <a:lvl3pPr marL="914400" indent="0" algn="ctr">
               <a:buNone/>
-              <a:defRPr sz="1800"/>
+              <a:defRPr>
+                <a:solidFill>
+                  <a:schemeClr val="tx1">
+                    <a:tint val="75000"/>
+                  </a:schemeClr>
+                </a:solidFill>
+              </a:defRPr>
             </a:lvl3pPr>
             <a:lvl4pPr marL="1371600" indent="0" algn="ctr">
               <a:buNone/>
-              <a:defRPr sz="1600"/>
+              <a:defRPr>
+                <a:solidFill>
+                  <a:schemeClr val="tx1">
+                    <a:tint val="75000"/>
+                  </a:schemeClr>
+                </a:solidFill>
+              </a:defRPr>
             </a:lvl4pPr>
             <a:lvl5pPr marL="1828800" indent="0" algn="ctr">
               <a:buNone/>
-              <a:defRPr sz="1600"/>
+              <a:defRPr>
+                <a:solidFill>
+                  <a:schemeClr val="tx1">
+                    <a:tint val="75000"/>
+                  </a:schemeClr>
+                </a:solidFill>
+              </a:defRPr>
             </a:lvl5pPr>
             <a:lvl6pPr marL="2286000" indent="0" algn="ctr">
               <a:buNone/>
-              <a:defRPr sz="1600"/>
+              <a:defRPr>
+                <a:solidFill>
+                  <a:schemeClr val="tx1">
+                    <a:tint val="75000"/>
+                  </a:schemeClr>
+                </a:solidFill>
+              </a:defRPr>
             </a:lvl6pPr>
             <a:lvl7pPr marL="2743200" indent="0" algn="ctr">
               <a:buNone/>
-              <a:defRPr sz="1600"/>
+              <a:defRPr>
+                <a:solidFill>
+                  <a:schemeClr val="tx1">
+                    <a:tint val="75000"/>
+                  </a:schemeClr>
+                </a:solidFill>
+              </a:defRPr>
             </a:lvl7pPr>
             <a:lvl8pPr marL="3200400" indent="0" algn="ctr">
               <a:buNone/>
-              <a:defRPr sz="1600"/>
+              <a:defRPr>
+                <a:solidFill>
+                  <a:schemeClr val="tx1">
+                    <a:tint val="75000"/>
+                  </a:schemeClr>
+                </a:solidFill>
+              </a:defRPr>
             </a:lvl8pPr>
             <a:lvl9pPr marL="3657600" indent="0" algn="ctr">
               <a:buNone/>
-              <a:defRPr sz="1600"/>
+              <a:defRPr>
+                <a:solidFill>
+                  <a:schemeClr val="tx1">
+                    <a:tint val="75000"/>
+                  </a:schemeClr>
+                </a:solidFill>
+              </a:defRPr>
             </a:lvl9pPr>
           </a:lstStyle>
           <a:p>
             <a:r>
-              <a:rPr lang="en-US" smtClean="0"/>
+              <a:rPr lang="en-US"/>
               <a:t>Click to edit Master subtitle style</a:t>
             </a:r>
-            <a:endParaRPr lang="tr-TR"/>
-          </a:p>
-        </p:txBody>
-      </p:sp>
-      <p:sp>
-        <p:nvSpPr>
-          <p:cNvPr id="1048583" name="Date Placeholder 3"/>
+            <a:endParaRPr lang="en-US" dirty="0"/>
+          </a:p>
+        </p:txBody>
+      </p:sp>
+      <p:sp>
+        <p:nvSpPr>
+          <p:cNvPr id="4" name="Date Placeholder 3"/>
           <p:cNvSpPr>
             <a:spLocks noGrp="1"/>
           </p:cNvSpPr>
@@ -687,7 +843,7 @@
           <a:p>
             <a:fld id="{1DE4C539-8B9A-42F0-A20B-3B28733C0C95}" type="datetimeFigureOut">
               <a:rPr lang="tr-TR" smtClean="0"/>
-              <a:t>23.11.2020</a:t>
+              <a:t>24.11.2020</a:t>
             </a:fld>
             <a:endParaRPr lang="tr-TR"/>
           </a:p>
@@ -695,7 +851,7 @@
       </p:sp>
       <p:sp>
         <p:nvSpPr>
-          <p:cNvPr id="1048584" name="Footer Placeholder 4"/>
+          <p:cNvPr id="5" name="Footer Placeholder 4"/>
           <p:cNvSpPr>
             <a:spLocks noGrp="1"/>
           </p:cNvSpPr>
@@ -714,7 +870,7 @@
       </p:sp>
       <p:sp>
         <p:nvSpPr>
-          <p:cNvPr id="1048585" name="Slide Number Placeholder 5"/>
+          <p:cNvPr id="6" name="Slide Number Placeholder 5"/>
           <p:cNvSpPr>
             <a:spLocks noGrp="1"/>
           </p:cNvSpPr>
@@ -736,6 +892,11 @@
         </p:txBody>
       </p:sp>
     </p:spTree>
+    <p:extLst>
+      <p:ext uri="{BB962C8B-B14F-4D97-AF65-F5344CB8AC3E}">
+        <p14:creationId xmlns:p14="http://schemas.microsoft.com/office/powerpoint/2010/main" val="118132841"/>
+      </p:ext>
+    </p:extLst>
   </p:cSld>
   <p:clrMapOvr>
     <a:masterClrMapping/>
@@ -744,6 +905,1181 @@
 </file>
 
 <file path=ppt/slideLayouts/slideLayout10.xml><?xml version="1.0" encoding="utf-8"?>
+<p:sldLayout xmlns:a="http://schemas.openxmlformats.org/drawingml/2006/main" xmlns:r="http://schemas.openxmlformats.org/officeDocument/2006/relationships" xmlns:p="http://schemas.openxmlformats.org/presentationml/2006/main" preserve="1">
+  <p:cSld name="Panoramic Picture with Caption">
+    <p:spTree>
+      <p:nvGrpSpPr>
+        <p:cNvPr id="1" name=""/>
+        <p:cNvGrpSpPr/>
+        <p:nvPr/>
+      </p:nvGrpSpPr>
+      <p:grpSpPr>
+        <a:xfrm>
+          <a:off x="0" y="0"/>
+          <a:ext cx="0" cy="0"/>
+          <a:chOff x="0" y="0"/>
+          <a:chExt cx="0" cy="0"/>
+        </a:xfrm>
+      </p:grpSpPr>
+      <p:sp>
+        <p:nvSpPr>
+          <p:cNvPr id="2" name="Title 1"/>
+          <p:cNvSpPr>
+            <a:spLocks noGrp="1"/>
+          </p:cNvSpPr>
+          <p:nvPr>
+            <p:ph type="title"/>
+          </p:nvPr>
+        </p:nvSpPr>
+        <p:spPr>
+          <a:xfrm>
+            <a:off x="810000" y="4800600"/>
+            <a:ext cx="10561418" cy="566738"/>
+          </a:xfrm>
+        </p:spPr>
+        <p:txBody>
+          <a:bodyPr anchor="b">
+            <a:normAutofit/>
+          </a:bodyPr>
+          <a:lstStyle>
+            <a:lvl1pPr algn="l">
+              <a:defRPr sz="2400" b="0"/>
+            </a:lvl1pPr>
+          </a:lstStyle>
+          <a:p>
+            <a:r>
+              <a:rPr lang="en-US"/>
+              <a:t>Click to edit Master title style</a:t>
+            </a:r>
+            <a:endParaRPr lang="en-US" dirty="0"/>
+          </a:p>
+        </p:txBody>
+      </p:sp>
+      <p:sp>
+        <p:nvSpPr>
+          <p:cNvPr id="15" name="Picture Placeholder 14"/>
+          <p:cNvSpPr>
+            <a:spLocks noGrp="1" noChangeAspect="1"/>
+          </p:cNvSpPr>
+          <p:nvPr>
+            <p:ph type="pic" sz="quarter" idx="13"/>
+          </p:nvPr>
+        </p:nvSpPr>
+        <p:spPr bwMode="auto">
+          <a:xfrm>
+            <a:off x="0" y="0"/>
+            <a:ext cx="12192000" cy="4800600"/>
+          </a:xfrm>
+          <a:custGeom>
+            <a:avLst/>
+            <a:gdLst/>
+            <a:ahLst/>
+            <a:cxnLst/>
+            <a:rect l="0" t="0" r="r" b="b"/>
+            <a:pathLst>
+              <a:path w="5760" h="3289">
+                <a:moveTo>
+                  <a:pt x="5760" y="0"/>
+                </a:moveTo>
+                <a:lnTo>
+                  <a:pt x="0" y="0"/>
+                </a:lnTo>
+                <a:lnTo>
+                  <a:pt x="0" y="3100"/>
+                </a:lnTo>
+                <a:lnTo>
+                  <a:pt x="943" y="3100"/>
+                </a:lnTo>
+                <a:lnTo>
+                  <a:pt x="1123" y="3281"/>
+                </a:lnTo>
+                <a:lnTo>
+                  <a:pt x="1123" y="3281"/>
+                </a:lnTo>
+                <a:lnTo>
+                  <a:pt x="1127" y="3283"/>
+                </a:lnTo>
+                <a:lnTo>
+                  <a:pt x="1133" y="3286"/>
+                </a:lnTo>
+                <a:lnTo>
+                  <a:pt x="1139" y="3289"/>
+                </a:lnTo>
+                <a:lnTo>
+                  <a:pt x="1144" y="3289"/>
+                </a:lnTo>
+                <a:lnTo>
+                  <a:pt x="1150" y="3289"/>
+                </a:lnTo>
+                <a:lnTo>
+                  <a:pt x="1155" y="3286"/>
+                </a:lnTo>
+                <a:lnTo>
+                  <a:pt x="1161" y="3283"/>
+                </a:lnTo>
+                <a:lnTo>
+                  <a:pt x="1165" y="3281"/>
+                </a:lnTo>
+                <a:lnTo>
+                  <a:pt x="1345" y="3100"/>
+                </a:lnTo>
+                <a:lnTo>
+                  <a:pt x="5760" y="3100"/>
+                </a:lnTo>
+                <a:lnTo>
+                  <a:pt x="5760" y="0"/>
+                </a:lnTo>
+                <a:close/>
+              </a:path>
+            </a:pathLst>
+          </a:custGeom>
+          <a:noFill/>
+          <a:ln>
+            <a:solidFill>
+              <a:schemeClr val="tx2"/>
+            </a:solidFill>
+          </a:ln>
+        </p:spPr>
+        <p:style>
+          <a:lnRef idx="1">
+            <a:schemeClr val="accent1"/>
+          </a:lnRef>
+          <a:fillRef idx="3">
+            <a:schemeClr val="accent1"/>
+          </a:fillRef>
+          <a:effectRef idx="2">
+            <a:schemeClr val="accent1"/>
+          </a:effectRef>
+          <a:fontRef idx="minor">
+            <a:schemeClr val="lt1"/>
+          </a:fontRef>
+        </p:style>
+        <p:txBody>
+          <a:bodyPr wrap="square" numCol="1" anchor="t" anchorCtr="0" compatLnSpc="1">
+            <a:prstTxWarp prst="textNoShape">
+              <a:avLst/>
+            </a:prstTxWarp>
+            <a:normAutofit/>
+          </a:bodyPr>
+          <a:lstStyle>
+            <a:lvl1pPr marL="0" indent="0" algn="ctr">
+              <a:buFontTx/>
+              <a:buNone/>
+              <a:defRPr sz="1600"/>
+            </a:lvl1pPr>
+          </a:lstStyle>
+          <a:p>
+            <a:r>
+              <a:rPr lang="en-US"/>
+              <a:t>Click icon to add picture</a:t>
+            </a:r>
+            <a:endParaRPr lang="en-US" dirty="0"/>
+          </a:p>
+        </p:txBody>
+      </p:sp>
+      <p:sp>
+        <p:nvSpPr>
+          <p:cNvPr id="4" name="Text Placeholder 3"/>
+          <p:cNvSpPr>
+            <a:spLocks noGrp="1"/>
+          </p:cNvSpPr>
+          <p:nvPr>
+            <p:ph type="body" sz="half" idx="2"/>
+          </p:nvPr>
+        </p:nvSpPr>
+        <p:spPr>
+          <a:xfrm>
+            <a:off x="810000" y="5367338"/>
+            <a:ext cx="10561418" cy="493712"/>
+          </a:xfrm>
+        </p:spPr>
+        <p:txBody>
+          <a:bodyPr>
+            <a:normAutofit/>
+          </a:bodyPr>
+          <a:lstStyle>
+            <a:lvl1pPr marL="0" indent="0">
+              <a:buNone/>
+              <a:defRPr sz="1200"/>
+            </a:lvl1pPr>
+            <a:lvl2pPr marL="457200" indent="0">
+              <a:buNone/>
+              <a:defRPr sz="1200"/>
+            </a:lvl2pPr>
+            <a:lvl3pPr marL="914400" indent="0">
+              <a:buNone/>
+              <a:defRPr sz="1000"/>
+            </a:lvl3pPr>
+            <a:lvl4pPr marL="1371600" indent="0">
+              <a:buNone/>
+              <a:defRPr sz="900"/>
+            </a:lvl4pPr>
+            <a:lvl5pPr marL="1828800" indent="0">
+              <a:buNone/>
+              <a:defRPr sz="900"/>
+            </a:lvl5pPr>
+            <a:lvl6pPr marL="2286000" indent="0">
+              <a:buNone/>
+              <a:defRPr sz="900"/>
+            </a:lvl6pPr>
+            <a:lvl7pPr marL="2743200" indent="0">
+              <a:buNone/>
+              <a:defRPr sz="900"/>
+            </a:lvl7pPr>
+            <a:lvl8pPr marL="3200400" indent="0">
+              <a:buNone/>
+              <a:defRPr sz="900"/>
+            </a:lvl8pPr>
+            <a:lvl9pPr marL="3657600" indent="0">
+              <a:buNone/>
+              <a:defRPr sz="900"/>
+            </a:lvl9pPr>
+          </a:lstStyle>
+          <a:p>
+            <a:pPr lvl="0"/>
+            <a:r>
+              <a:rPr lang="en-US"/>
+              <a:t>Click to edit Master text styles</a:t>
+            </a:r>
+          </a:p>
+        </p:txBody>
+      </p:sp>
+      <p:sp>
+        <p:nvSpPr>
+          <p:cNvPr id="5" name="Date Placeholder 4"/>
+          <p:cNvSpPr>
+            <a:spLocks noGrp="1"/>
+          </p:cNvSpPr>
+          <p:nvPr>
+            <p:ph type="dt" sz="half" idx="10"/>
+          </p:nvPr>
+        </p:nvSpPr>
+        <p:spPr/>
+        <p:txBody>
+          <a:bodyPr/>
+          <a:lstStyle/>
+          <a:p>
+            <a:fld id="{1DE4C539-8B9A-42F0-A20B-3B28733C0C95}" type="datetimeFigureOut">
+              <a:rPr lang="tr-TR" smtClean="0"/>
+              <a:t>24.11.2020</a:t>
+            </a:fld>
+            <a:endParaRPr lang="tr-TR"/>
+          </a:p>
+        </p:txBody>
+      </p:sp>
+      <p:sp>
+        <p:nvSpPr>
+          <p:cNvPr id="6" name="Footer Placeholder 5"/>
+          <p:cNvSpPr>
+            <a:spLocks noGrp="1"/>
+          </p:cNvSpPr>
+          <p:nvPr>
+            <p:ph type="ftr" sz="quarter" idx="11"/>
+          </p:nvPr>
+        </p:nvSpPr>
+        <p:spPr/>
+        <p:txBody>
+          <a:bodyPr/>
+          <a:lstStyle/>
+          <a:p>
+            <a:endParaRPr lang="tr-TR"/>
+          </a:p>
+        </p:txBody>
+      </p:sp>
+      <p:sp>
+        <p:nvSpPr>
+          <p:cNvPr id="7" name="Slide Number Placeholder 6"/>
+          <p:cNvSpPr>
+            <a:spLocks noGrp="1"/>
+          </p:cNvSpPr>
+          <p:nvPr>
+            <p:ph type="sldNum" sz="quarter" idx="12"/>
+          </p:nvPr>
+        </p:nvSpPr>
+        <p:spPr/>
+        <p:txBody>
+          <a:bodyPr/>
+          <a:lstStyle/>
+          <a:p>
+            <a:fld id="{306F73AE-A787-4C13-AD07-D31D3124295F}" type="slidenum">
+              <a:rPr lang="tr-TR" smtClean="0"/>
+              <a:t>‹#›</a:t>
+            </a:fld>
+            <a:endParaRPr lang="tr-TR"/>
+          </a:p>
+        </p:txBody>
+      </p:sp>
+    </p:spTree>
+    <p:extLst>
+      <p:ext uri="{BB962C8B-B14F-4D97-AF65-F5344CB8AC3E}">
+        <p14:creationId xmlns:p14="http://schemas.microsoft.com/office/powerpoint/2010/main" val="2802037910"/>
+      </p:ext>
+    </p:extLst>
+  </p:cSld>
+  <p:clrMapOvr>
+    <a:masterClrMapping/>
+  </p:clrMapOvr>
+</p:sldLayout>
+</file>
+
+<file path=ppt/slideLayouts/slideLayout11.xml><?xml version="1.0" encoding="utf-8"?>
+<p:sldLayout xmlns:a="http://schemas.openxmlformats.org/drawingml/2006/main" xmlns:r="http://schemas.openxmlformats.org/officeDocument/2006/relationships" xmlns:p="http://schemas.openxmlformats.org/presentationml/2006/main" preserve="1">
+  <p:cSld name="Quote with Caption">
+    <p:spTree>
+      <p:nvGrpSpPr>
+        <p:cNvPr id="1" name=""/>
+        <p:cNvGrpSpPr/>
+        <p:nvPr/>
+      </p:nvGrpSpPr>
+      <p:grpSpPr>
+        <a:xfrm>
+          <a:off x="0" y="0"/>
+          <a:ext cx="0" cy="0"/>
+          <a:chOff x="0" y="0"/>
+          <a:chExt cx="0" cy="0"/>
+        </a:xfrm>
+      </p:grpSpPr>
+      <p:sp>
+        <p:nvSpPr>
+          <p:cNvPr id="8" name="Freeform 6"/>
+          <p:cNvSpPr>
+            <a:spLocks noChangeAspect="1"/>
+          </p:cNvSpPr>
+          <p:nvPr/>
+        </p:nvSpPr>
+        <p:spPr bwMode="auto">
+          <a:xfrm>
+            <a:off x="631697" y="1081456"/>
+            <a:ext cx="6332416" cy="3239188"/>
+          </a:xfrm>
+          <a:custGeom>
+            <a:avLst/>
+            <a:gdLst/>
+            <a:ahLst/>
+            <a:cxnLst/>
+            <a:rect l="0" t="0" r="r" b="b"/>
+            <a:pathLst>
+              <a:path w="3384" h="2308">
+                <a:moveTo>
+                  <a:pt x="3340" y="0"/>
+                </a:moveTo>
+                <a:lnTo>
+                  <a:pt x="44" y="0"/>
+                </a:lnTo>
+                <a:lnTo>
+                  <a:pt x="44" y="0"/>
+                </a:lnTo>
+                <a:lnTo>
+                  <a:pt x="34" y="0"/>
+                </a:lnTo>
+                <a:lnTo>
+                  <a:pt x="26" y="4"/>
+                </a:lnTo>
+                <a:lnTo>
+                  <a:pt x="20" y="8"/>
+                </a:lnTo>
+                <a:lnTo>
+                  <a:pt x="12" y="12"/>
+                </a:lnTo>
+                <a:lnTo>
+                  <a:pt x="8" y="20"/>
+                </a:lnTo>
+                <a:lnTo>
+                  <a:pt x="4" y="26"/>
+                </a:lnTo>
+                <a:lnTo>
+                  <a:pt x="0" y="34"/>
+                </a:lnTo>
+                <a:lnTo>
+                  <a:pt x="0" y="44"/>
+                </a:lnTo>
+                <a:lnTo>
+                  <a:pt x="0" y="2076"/>
+                </a:lnTo>
+                <a:lnTo>
+                  <a:pt x="0" y="2076"/>
+                </a:lnTo>
+                <a:lnTo>
+                  <a:pt x="0" y="2086"/>
+                </a:lnTo>
+                <a:lnTo>
+                  <a:pt x="4" y="2094"/>
+                </a:lnTo>
+                <a:lnTo>
+                  <a:pt x="8" y="2100"/>
+                </a:lnTo>
+                <a:lnTo>
+                  <a:pt x="12" y="2108"/>
+                </a:lnTo>
+                <a:lnTo>
+                  <a:pt x="20" y="2112"/>
+                </a:lnTo>
+                <a:lnTo>
+                  <a:pt x="26" y="2116"/>
+                </a:lnTo>
+                <a:lnTo>
+                  <a:pt x="34" y="2120"/>
+                </a:lnTo>
+                <a:lnTo>
+                  <a:pt x="44" y="2120"/>
+                </a:lnTo>
+                <a:lnTo>
+                  <a:pt x="474" y="2120"/>
+                </a:lnTo>
+                <a:lnTo>
+                  <a:pt x="650" y="2296"/>
+                </a:lnTo>
+                <a:lnTo>
+                  <a:pt x="650" y="2296"/>
+                </a:lnTo>
+                <a:lnTo>
+                  <a:pt x="656" y="2300"/>
+                </a:lnTo>
+                <a:lnTo>
+                  <a:pt x="664" y="2304"/>
+                </a:lnTo>
+                <a:lnTo>
+                  <a:pt x="672" y="2308"/>
+                </a:lnTo>
+                <a:lnTo>
+                  <a:pt x="680" y="2308"/>
+                </a:lnTo>
+                <a:lnTo>
+                  <a:pt x="688" y="2308"/>
+                </a:lnTo>
+                <a:lnTo>
+                  <a:pt x="696" y="2304"/>
+                </a:lnTo>
+                <a:lnTo>
+                  <a:pt x="704" y="2300"/>
+                </a:lnTo>
+                <a:lnTo>
+                  <a:pt x="710" y="2296"/>
+                </a:lnTo>
+                <a:lnTo>
+                  <a:pt x="886" y="2120"/>
+                </a:lnTo>
+                <a:lnTo>
+                  <a:pt x="3340" y="2120"/>
+                </a:lnTo>
+                <a:lnTo>
+                  <a:pt x="3340" y="2120"/>
+                </a:lnTo>
+                <a:lnTo>
+                  <a:pt x="3350" y="2120"/>
+                </a:lnTo>
+                <a:lnTo>
+                  <a:pt x="3358" y="2116"/>
+                </a:lnTo>
+                <a:lnTo>
+                  <a:pt x="3364" y="2112"/>
+                </a:lnTo>
+                <a:lnTo>
+                  <a:pt x="3372" y="2108"/>
+                </a:lnTo>
+                <a:lnTo>
+                  <a:pt x="3376" y="2100"/>
+                </a:lnTo>
+                <a:lnTo>
+                  <a:pt x="3380" y="2094"/>
+                </a:lnTo>
+                <a:lnTo>
+                  <a:pt x="3384" y="2086"/>
+                </a:lnTo>
+                <a:lnTo>
+                  <a:pt x="3384" y="2076"/>
+                </a:lnTo>
+                <a:lnTo>
+                  <a:pt x="3384" y="44"/>
+                </a:lnTo>
+                <a:lnTo>
+                  <a:pt x="3384" y="44"/>
+                </a:lnTo>
+                <a:lnTo>
+                  <a:pt x="3384" y="34"/>
+                </a:lnTo>
+                <a:lnTo>
+                  <a:pt x="3380" y="26"/>
+                </a:lnTo>
+                <a:lnTo>
+                  <a:pt x="3376" y="20"/>
+                </a:lnTo>
+                <a:lnTo>
+                  <a:pt x="3372" y="12"/>
+                </a:lnTo>
+                <a:lnTo>
+                  <a:pt x="3364" y="8"/>
+                </a:lnTo>
+                <a:lnTo>
+                  <a:pt x="3358" y="4"/>
+                </a:lnTo>
+                <a:lnTo>
+                  <a:pt x="3350" y="0"/>
+                </a:lnTo>
+                <a:lnTo>
+                  <a:pt x="3340" y="0"/>
+                </a:lnTo>
+                <a:lnTo>
+                  <a:pt x="3340" y="0"/>
+                </a:lnTo>
+                <a:close/>
+              </a:path>
+            </a:pathLst>
+          </a:custGeom>
+          <a:ln>
+            <a:solidFill>
+              <a:schemeClr val="accent1"/>
+            </a:solidFill>
+          </a:ln>
+        </p:spPr>
+        <p:style>
+          <a:lnRef idx="1">
+            <a:schemeClr val="accent1"/>
+          </a:lnRef>
+          <a:fillRef idx="3">
+            <a:schemeClr val="accent1"/>
+          </a:fillRef>
+          <a:effectRef idx="2">
+            <a:schemeClr val="accent1"/>
+          </a:effectRef>
+          <a:fontRef idx="minor">
+            <a:schemeClr val="lt1"/>
+          </a:fontRef>
+        </p:style>
+      </p:sp>
+      <p:sp>
+        <p:nvSpPr>
+          <p:cNvPr id="2" name="Title 1"/>
+          <p:cNvSpPr>
+            <a:spLocks noGrp="1"/>
+          </p:cNvSpPr>
+          <p:nvPr>
+            <p:ph type="title"/>
+          </p:nvPr>
+        </p:nvSpPr>
+        <p:spPr>
+          <a:xfrm>
+            <a:off x="850985" y="1238502"/>
+            <a:ext cx="5893840" cy="2645912"/>
+          </a:xfrm>
+        </p:spPr>
+        <p:txBody>
+          <a:bodyPr anchor="b"/>
+          <a:lstStyle>
+            <a:lvl1pPr algn="l">
+              <a:defRPr sz="4200" b="1" cap="none"/>
+            </a:lvl1pPr>
+          </a:lstStyle>
+          <a:p>
+            <a:r>
+              <a:rPr lang="en-US"/>
+              <a:t>Click to edit Master title style</a:t>
+            </a:r>
+            <a:endParaRPr lang="en-US" dirty="0"/>
+          </a:p>
+        </p:txBody>
+      </p:sp>
+      <p:sp>
+        <p:nvSpPr>
+          <p:cNvPr id="3" name="Text Placeholder 2"/>
+          <p:cNvSpPr>
+            <a:spLocks noGrp="1"/>
+          </p:cNvSpPr>
+          <p:nvPr>
+            <p:ph type="body" idx="1"/>
+          </p:nvPr>
+        </p:nvSpPr>
+        <p:spPr>
+          <a:xfrm>
+            <a:off x="853190" y="4443680"/>
+            <a:ext cx="5891636" cy="713241"/>
+          </a:xfrm>
+        </p:spPr>
+        <p:txBody>
+          <a:bodyPr anchor="t">
+            <a:noAutofit/>
+          </a:bodyPr>
+          <a:lstStyle>
+            <a:lvl1pPr marL="0" indent="0" algn="l">
+              <a:buNone/>
+              <a:defRPr sz="1800">
+                <a:solidFill>
+                  <a:schemeClr val="tx1"/>
+                </a:solidFill>
+              </a:defRPr>
+            </a:lvl1pPr>
+            <a:lvl2pPr marL="457200" indent="0">
+              <a:buNone/>
+              <a:defRPr sz="1800">
+                <a:solidFill>
+                  <a:schemeClr val="tx1">
+                    <a:tint val="75000"/>
+                  </a:schemeClr>
+                </a:solidFill>
+              </a:defRPr>
+            </a:lvl2pPr>
+            <a:lvl3pPr marL="914400" indent="0">
+              <a:buNone/>
+              <a:defRPr sz="1600">
+                <a:solidFill>
+                  <a:schemeClr val="tx1">
+                    <a:tint val="75000"/>
+                  </a:schemeClr>
+                </a:solidFill>
+              </a:defRPr>
+            </a:lvl3pPr>
+            <a:lvl4pPr marL="1371600" indent="0">
+              <a:buNone/>
+              <a:defRPr sz="1400">
+                <a:solidFill>
+                  <a:schemeClr val="tx1">
+                    <a:tint val="75000"/>
+                  </a:schemeClr>
+                </a:solidFill>
+              </a:defRPr>
+            </a:lvl4pPr>
+            <a:lvl5pPr marL="1828800" indent="0">
+              <a:buNone/>
+              <a:defRPr sz="1400">
+                <a:solidFill>
+                  <a:schemeClr val="tx1">
+                    <a:tint val="75000"/>
+                  </a:schemeClr>
+                </a:solidFill>
+              </a:defRPr>
+            </a:lvl5pPr>
+            <a:lvl6pPr marL="2286000" indent="0">
+              <a:buNone/>
+              <a:defRPr sz="1400">
+                <a:solidFill>
+                  <a:schemeClr val="tx1">
+                    <a:tint val="75000"/>
+                  </a:schemeClr>
+                </a:solidFill>
+              </a:defRPr>
+            </a:lvl6pPr>
+            <a:lvl7pPr marL="2743200" indent="0">
+              <a:buNone/>
+              <a:defRPr sz="1400">
+                <a:solidFill>
+                  <a:schemeClr val="tx1">
+                    <a:tint val="75000"/>
+                  </a:schemeClr>
+                </a:solidFill>
+              </a:defRPr>
+            </a:lvl7pPr>
+            <a:lvl8pPr marL="3200400" indent="0">
+              <a:buNone/>
+              <a:defRPr sz="1400">
+                <a:solidFill>
+                  <a:schemeClr val="tx1">
+                    <a:tint val="75000"/>
+                  </a:schemeClr>
+                </a:solidFill>
+              </a:defRPr>
+            </a:lvl8pPr>
+            <a:lvl9pPr marL="3657600" indent="0">
+              <a:buNone/>
+              <a:defRPr sz="1400">
+                <a:solidFill>
+                  <a:schemeClr val="tx1">
+                    <a:tint val="75000"/>
+                  </a:schemeClr>
+                </a:solidFill>
+              </a:defRPr>
+            </a:lvl9pPr>
+          </a:lstStyle>
+          <a:p>
+            <a:pPr lvl="0"/>
+            <a:r>
+              <a:rPr lang="en-US"/>
+              <a:t>Click to edit Master text styles</a:t>
+            </a:r>
+          </a:p>
+        </p:txBody>
+      </p:sp>
+      <p:sp>
+        <p:nvSpPr>
+          <p:cNvPr id="9" name="Text Placeholder 5"/>
+          <p:cNvSpPr>
+            <a:spLocks noGrp="1"/>
+          </p:cNvSpPr>
+          <p:nvPr>
+            <p:ph type="body" sz="quarter" idx="16"/>
+          </p:nvPr>
+        </p:nvSpPr>
+        <p:spPr>
+          <a:xfrm>
+            <a:off x="7574642" y="1081456"/>
+            <a:ext cx="3810001" cy="4075465"/>
+          </a:xfrm>
+        </p:spPr>
+        <p:txBody>
+          <a:bodyPr anchor="t"/>
+          <a:lstStyle>
+            <a:lvl1pPr marL="0" indent="0">
+              <a:buFontTx/>
+              <a:buNone/>
+              <a:defRPr/>
+            </a:lvl1pPr>
+          </a:lstStyle>
+          <a:p>
+            <a:pPr lvl="0"/>
+            <a:r>
+              <a:rPr lang="en-US"/>
+              <a:t>Click to edit Master text styles</a:t>
+            </a:r>
+          </a:p>
+        </p:txBody>
+      </p:sp>
+      <p:sp>
+        <p:nvSpPr>
+          <p:cNvPr id="4" name="Date Placeholder 3"/>
+          <p:cNvSpPr>
+            <a:spLocks noGrp="1"/>
+          </p:cNvSpPr>
+          <p:nvPr>
+            <p:ph type="dt" sz="half" idx="10"/>
+          </p:nvPr>
+        </p:nvSpPr>
+        <p:spPr/>
+        <p:txBody>
+          <a:bodyPr/>
+          <a:lstStyle/>
+          <a:p>
+            <a:fld id="{1DE4C539-8B9A-42F0-A20B-3B28733C0C95}" type="datetimeFigureOut">
+              <a:rPr lang="tr-TR" smtClean="0"/>
+              <a:t>24.11.2020</a:t>
+            </a:fld>
+            <a:endParaRPr lang="tr-TR"/>
+          </a:p>
+        </p:txBody>
+      </p:sp>
+      <p:sp>
+        <p:nvSpPr>
+          <p:cNvPr id="5" name="Footer Placeholder 4"/>
+          <p:cNvSpPr>
+            <a:spLocks noGrp="1"/>
+          </p:cNvSpPr>
+          <p:nvPr>
+            <p:ph type="ftr" sz="quarter" idx="11"/>
+          </p:nvPr>
+        </p:nvSpPr>
+        <p:spPr/>
+        <p:txBody>
+          <a:bodyPr/>
+          <a:lstStyle/>
+          <a:p>
+            <a:endParaRPr lang="tr-TR"/>
+          </a:p>
+        </p:txBody>
+      </p:sp>
+      <p:sp>
+        <p:nvSpPr>
+          <p:cNvPr id="6" name="Slide Number Placeholder 5"/>
+          <p:cNvSpPr>
+            <a:spLocks noGrp="1"/>
+          </p:cNvSpPr>
+          <p:nvPr>
+            <p:ph type="sldNum" sz="quarter" idx="12"/>
+          </p:nvPr>
+        </p:nvSpPr>
+        <p:spPr/>
+        <p:txBody>
+          <a:bodyPr/>
+          <a:lstStyle/>
+          <a:p>
+            <a:fld id="{306F73AE-A787-4C13-AD07-D31D3124295F}" type="slidenum">
+              <a:rPr lang="tr-TR" smtClean="0"/>
+              <a:t>‹#›</a:t>
+            </a:fld>
+            <a:endParaRPr lang="tr-TR"/>
+          </a:p>
+        </p:txBody>
+      </p:sp>
+    </p:spTree>
+    <p:extLst>
+      <p:ext uri="{BB962C8B-B14F-4D97-AF65-F5344CB8AC3E}">
+        <p14:creationId xmlns:p14="http://schemas.microsoft.com/office/powerpoint/2010/main" val="1456346213"/>
+      </p:ext>
+    </p:extLst>
+  </p:cSld>
+  <p:clrMapOvr>
+    <a:masterClrMapping/>
+  </p:clrMapOvr>
+</p:sldLayout>
+</file>
+
+<file path=ppt/slideLayouts/slideLayout12.xml><?xml version="1.0" encoding="utf-8"?>
+<p:sldLayout xmlns:a="http://schemas.openxmlformats.org/drawingml/2006/main" xmlns:r="http://schemas.openxmlformats.org/officeDocument/2006/relationships" xmlns:p="http://schemas.openxmlformats.org/presentationml/2006/main" preserve="1">
+  <p:cSld name="Name Card">
+    <p:spTree>
+      <p:nvGrpSpPr>
+        <p:cNvPr id="1" name=""/>
+        <p:cNvGrpSpPr/>
+        <p:nvPr/>
+      </p:nvGrpSpPr>
+      <p:grpSpPr>
+        <a:xfrm>
+          <a:off x="0" y="0"/>
+          <a:ext cx="0" cy="0"/>
+          <a:chOff x="0" y="0"/>
+          <a:chExt cx="0" cy="0"/>
+        </a:xfrm>
+      </p:grpSpPr>
+      <p:sp>
+        <p:nvSpPr>
+          <p:cNvPr id="9" name="Freeform 6"/>
+          <p:cNvSpPr>
+            <a:spLocks noChangeAspect="1"/>
+          </p:cNvSpPr>
+          <p:nvPr/>
+        </p:nvSpPr>
+        <p:spPr bwMode="auto">
+          <a:xfrm>
+            <a:off x="1140884" y="2286585"/>
+            <a:ext cx="4895115" cy="2503972"/>
+          </a:xfrm>
+          <a:custGeom>
+            <a:avLst/>
+            <a:gdLst/>
+            <a:ahLst/>
+            <a:cxnLst/>
+            <a:rect l="0" t="0" r="r" b="b"/>
+            <a:pathLst>
+              <a:path w="3384" h="2308">
+                <a:moveTo>
+                  <a:pt x="3340" y="0"/>
+                </a:moveTo>
+                <a:lnTo>
+                  <a:pt x="44" y="0"/>
+                </a:lnTo>
+                <a:lnTo>
+                  <a:pt x="44" y="0"/>
+                </a:lnTo>
+                <a:lnTo>
+                  <a:pt x="34" y="0"/>
+                </a:lnTo>
+                <a:lnTo>
+                  <a:pt x="26" y="4"/>
+                </a:lnTo>
+                <a:lnTo>
+                  <a:pt x="20" y="8"/>
+                </a:lnTo>
+                <a:lnTo>
+                  <a:pt x="12" y="12"/>
+                </a:lnTo>
+                <a:lnTo>
+                  <a:pt x="8" y="20"/>
+                </a:lnTo>
+                <a:lnTo>
+                  <a:pt x="4" y="26"/>
+                </a:lnTo>
+                <a:lnTo>
+                  <a:pt x="0" y="34"/>
+                </a:lnTo>
+                <a:lnTo>
+                  <a:pt x="0" y="44"/>
+                </a:lnTo>
+                <a:lnTo>
+                  <a:pt x="0" y="2076"/>
+                </a:lnTo>
+                <a:lnTo>
+                  <a:pt x="0" y="2076"/>
+                </a:lnTo>
+                <a:lnTo>
+                  <a:pt x="0" y="2086"/>
+                </a:lnTo>
+                <a:lnTo>
+                  <a:pt x="4" y="2094"/>
+                </a:lnTo>
+                <a:lnTo>
+                  <a:pt x="8" y="2100"/>
+                </a:lnTo>
+                <a:lnTo>
+                  <a:pt x="12" y="2108"/>
+                </a:lnTo>
+                <a:lnTo>
+                  <a:pt x="20" y="2112"/>
+                </a:lnTo>
+                <a:lnTo>
+                  <a:pt x="26" y="2116"/>
+                </a:lnTo>
+                <a:lnTo>
+                  <a:pt x="34" y="2120"/>
+                </a:lnTo>
+                <a:lnTo>
+                  <a:pt x="44" y="2120"/>
+                </a:lnTo>
+                <a:lnTo>
+                  <a:pt x="474" y="2120"/>
+                </a:lnTo>
+                <a:lnTo>
+                  <a:pt x="650" y="2296"/>
+                </a:lnTo>
+                <a:lnTo>
+                  <a:pt x="650" y="2296"/>
+                </a:lnTo>
+                <a:lnTo>
+                  <a:pt x="656" y="2300"/>
+                </a:lnTo>
+                <a:lnTo>
+                  <a:pt x="664" y="2304"/>
+                </a:lnTo>
+                <a:lnTo>
+                  <a:pt x="672" y="2308"/>
+                </a:lnTo>
+                <a:lnTo>
+                  <a:pt x="680" y="2308"/>
+                </a:lnTo>
+                <a:lnTo>
+                  <a:pt x="688" y="2308"/>
+                </a:lnTo>
+                <a:lnTo>
+                  <a:pt x="696" y="2304"/>
+                </a:lnTo>
+                <a:lnTo>
+                  <a:pt x="704" y="2300"/>
+                </a:lnTo>
+                <a:lnTo>
+                  <a:pt x="710" y="2296"/>
+                </a:lnTo>
+                <a:lnTo>
+                  <a:pt x="886" y="2120"/>
+                </a:lnTo>
+                <a:lnTo>
+                  <a:pt x="3340" y="2120"/>
+                </a:lnTo>
+                <a:lnTo>
+                  <a:pt x="3340" y="2120"/>
+                </a:lnTo>
+                <a:lnTo>
+                  <a:pt x="3350" y="2120"/>
+                </a:lnTo>
+                <a:lnTo>
+                  <a:pt x="3358" y="2116"/>
+                </a:lnTo>
+                <a:lnTo>
+                  <a:pt x="3364" y="2112"/>
+                </a:lnTo>
+                <a:lnTo>
+                  <a:pt x="3372" y="2108"/>
+                </a:lnTo>
+                <a:lnTo>
+                  <a:pt x="3376" y="2100"/>
+                </a:lnTo>
+                <a:lnTo>
+                  <a:pt x="3380" y="2094"/>
+                </a:lnTo>
+                <a:lnTo>
+                  <a:pt x="3384" y="2086"/>
+                </a:lnTo>
+                <a:lnTo>
+                  <a:pt x="3384" y="2076"/>
+                </a:lnTo>
+                <a:lnTo>
+                  <a:pt x="3384" y="44"/>
+                </a:lnTo>
+                <a:lnTo>
+                  <a:pt x="3384" y="44"/>
+                </a:lnTo>
+                <a:lnTo>
+                  <a:pt x="3384" y="34"/>
+                </a:lnTo>
+                <a:lnTo>
+                  <a:pt x="3380" y="26"/>
+                </a:lnTo>
+                <a:lnTo>
+                  <a:pt x="3376" y="20"/>
+                </a:lnTo>
+                <a:lnTo>
+                  <a:pt x="3372" y="12"/>
+                </a:lnTo>
+                <a:lnTo>
+                  <a:pt x="3364" y="8"/>
+                </a:lnTo>
+                <a:lnTo>
+                  <a:pt x="3358" y="4"/>
+                </a:lnTo>
+                <a:lnTo>
+                  <a:pt x="3350" y="0"/>
+                </a:lnTo>
+                <a:lnTo>
+                  <a:pt x="3340" y="0"/>
+                </a:lnTo>
+                <a:lnTo>
+                  <a:pt x="3340" y="0"/>
+                </a:lnTo>
+                <a:close/>
+              </a:path>
+            </a:pathLst>
+          </a:custGeom>
+          <a:ln>
+            <a:solidFill>
+              <a:schemeClr val="accent1"/>
+            </a:solidFill>
+          </a:ln>
+        </p:spPr>
+        <p:style>
+          <a:lnRef idx="1">
+            <a:schemeClr val="accent1"/>
+          </a:lnRef>
+          <a:fillRef idx="3">
+            <a:schemeClr val="accent1"/>
+          </a:fillRef>
+          <a:effectRef idx="2">
+            <a:schemeClr val="accent1"/>
+          </a:effectRef>
+          <a:fontRef idx="minor">
+            <a:schemeClr val="lt1"/>
+          </a:fontRef>
+        </p:style>
+      </p:sp>
+      <p:sp>
+        <p:nvSpPr>
+          <p:cNvPr id="38" name="Title 1"/>
+          <p:cNvSpPr>
+            <a:spLocks noGrp="1"/>
+          </p:cNvSpPr>
+          <p:nvPr>
+            <p:ph type="title"/>
+          </p:nvPr>
+        </p:nvSpPr>
+        <p:spPr>
+          <a:xfrm>
+            <a:off x="1357089" y="2435957"/>
+            <a:ext cx="4382521" cy="2007789"/>
+          </a:xfrm>
+        </p:spPr>
+        <p:txBody>
+          <a:bodyPr/>
+          <a:lstStyle>
+            <a:lvl1pPr>
+              <a:defRPr sz="3200"/>
+            </a:lvl1pPr>
+          </a:lstStyle>
+          <a:p>
+            <a:r>
+              <a:rPr lang="en-US"/>
+              <a:t>Click to edit Master title style</a:t>
+            </a:r>
+            <a:endParaRPr lang="en-US" dirty="0"/>
+          </a:p>
+        </p:txBody>
+      </p:sp>
+      <p:sp>
+        <p:nvSpPr>
+          <p:cNvPr id="6" name="Text Placeholder 5"/>
+          <p:cNvSpPr>
+            <a:spLocks noGrp="1"/>
+          </p:cNvSpPr>
+          <p:nvPr>
+            <p:ph type="body" sz="quarter" idx="16"/>
+          </p:nvPr>
+        </p:nvSpPr>
+        <p:spPr>
+          <a:xfrm>
+            <a:off x="6156000" y="2286000"/>
+            <a:ext cx="4880300" cy="2295525"/>
+          </a:xfrm>
+        </p:spPr>
+        <p:txBody>
+          <a:bodyPr anchor="t"/>
+          <a:lstStyle>
+            <a:lvl1pPr marL="0" indent="0">
+              <a:buFontTx/>
+              <a:buNone/>
+              <a:defRPr/>
+            </a:lvl1pPr>
+          </a:lstStyle>
+          <a:p>
+            <a:pPr lvl="0"/>
+            <a:r>
+              <a:rPr lang="en-US"/>
+              <a:t>Click to edit Master text styles</a:t>
+            </a:r>
+          </a:p>
+        </p:txBody>
+      </p:sp>
+      <p:sp>
+        <p:nvSpPr>
+          <p:cNvPr id="2" name="Date Placeholder 1"/>
+          <p:cNvSpPr>
+            <a:spLocks noGrp="1"/>
+          </p:cNvSpPr>
+          <p:nvPr>
+            <p:ph type="dt" sz="half" idx="10"/>
+          </p:nvPr>
+        </p:nvSpPr>
+        <p:spPr/>
+        <p:txBody>
+          <a:bodyPr/>
+          <a:lstStyle/>
+          <a:p>
+            <a:fld id="{1DE4C539-8B9A-42F0-A20B-3B28733C0C95}" type="datetimeFigureOut">
+              <a:rPr lang="tr-TR" smtClean="0"/>
+              <a:t>24.11.2020</a:t>
+            </a:fld>
+            <a:endParaRPr lang="tr-TR"/>
+          </a:p>
+        </p:txBody>
+      </p:sp>
+      <p:sp>
+        <p:nvSpPr>
+          <p:cNvPr id="3" name="Footer Placeholder 2"/>
+          <p:cNvSpPr>
+            <a:spLocks noGrp="1"/>
+          </p:cNvSpPr>
+          <p:nvPr>
+            <p:ph type="ftr" sz="quarter" idx="11"/>
+          </p:nvPr>
+        </p:nvSpPr>
+        <p:spPr/>
+        <p:txBody>
+          <a:bodyPr/>
+          <a:lstStyle/>
+          <a:p>
+            <a:endParaRPr lang="tr-TR"/>
+          </a:p>
+        </p:txBody>
+      </p:sp>
+      <p:sp>
+        <p:nvSpPr>
+          <p:cNvPr id="4" name="Slide Number Placeholder 3"/>
+          <p:cNvSpPr>
+            <a:spLocks noGrp="1"/>
+          </p:cNvSpPr>
+          <p:nvPr>
+            <p:ph type="sldNum" sz="quarter" idx="12"/>
+          </p:nvPr>
+        </p:nvSpPr>
+        <p:spPr/>
+        <p:txBody>
+          <a:bodyPr/>
+          <a:lstStyle/>
+          <a:p>
+            <a:fld id="{306F73AE-A787-4C13-AD07-D31D3124295F}" type="slidenum">
+              <a:rPr lang="tr-TR" smtClean="0"/>
+              <a:t>‹#›</a:t>
+            </a:fld>
+            <a:endParaRPr lang="tr-TR"/>
+          </a:p>
+        </p:txBody>
+      </p:sp>
+    </p:spTree>
+    <p:extLst>
+      <p:ext uri="{BB962C8B-B14F-4D97-AF65-F5344CB8AC3E}">
+        <p14:creationId xmlns:p14="http://schemas.microsoft.com/office/powerpoint/2010/main" val="3190547695"/>
+      </p:ext>
+    </p:extLst>
+  </p:cSld>
+  <p:clrMapOvr>
+    <a:masterClrMapping/>
+  </p:clrMapOvr>
+</p:sldLayout>
+</file>
+
+<file path=ppt/slideLayouts/slideLayout13.xml><?xml version="1.0" encoding="utf-8"?>
 <p:sldLayout xmlns:a="http://schemas.openxmlformats.org/drawingml/2006/main" xmlns:r="http://schemas.openxmlformats.org/officeDocument/2006/relationships" xmlns:p="http://schemas.openxmlformats.org/presentationml/2006/main" type="vertTx" preserve="1">
   <p:cSld name="Title and Vertical Text">
     <p:spTree>
@@ -762,7 +2098,110 @@
       </p:grpSpPr>
       <p:sp>
         <p:nvSpPr>
-          <p:cNvPr id="1048630" name="Title 1"/>
+          <p:cNvPr id="7" name="Freeform 6"/>
+          <p:cNvSpPr/>
+          <p:nvPr/>
+        </p:nvSpPr>
+        <p:spPr bwMode="auto">
+          <a:xfrm>
+            <a:off x="0" y="0"/>
+            <a:ext cx="12192000" cy="2185988"/>
+          </a:xfrm>
+          <a:custGeom>
+            <a:avLst/>
+            <a:gdLst/>
+            <a:ahLst/>
+            <a:cxnLst/>
+            <a:rect l="0" t="0" r="r" b="b"/>
+            <a:pathLst>
+              <a:path w="5760" h="1377">
+                <a:moveTo>
+                  <a:pt x="5760" y="0"/>
+                </a:moveTo>
+                <a:lnTo>
+                  <a:pt x="0" y="0"/>
+                </a:lnTo>
+                <a:lnTo>
+                  <a:pt x="0" y="1189"/>
+                </a:lnTo>
+                <a:lnTo>
+                  <a:pt x="943" y="1189"/>
+                </a:lnTo>
+                <a:lnTo>
+                  <a:pt x="1123" y="1369"/>
+                </a:lnTo>
+                <a:lnTo>
+                  <a:pt x="1123" y="1369"/>
+                </a:lnTo>
+                <a:lnTo>
+                  <a:pt x="1127" y="1371"/>
+                </a:lnTo>
+                <a:lnTo>
+                  <a:pt x="1133" y="1374"/>
+                </a:lnTo>
+                <a:lnTo>
+                  <a:pt x="1139" y="1377"/>
+                </a:lnTo>
+                <a:lnTo>
+                  <a:pt x="1144" y="1377"/>
+                </a:lnTo>
+                <a:lnTo>
+                  <a:pt x="1150" y="1377"/>
+                </a:lnTo>
+                <a:lnTo>
+                  <a:pt x="1155" y="1374"/>
+                </a:lnTo>
+                <a:lnTo>
+                  <a:pt x="1161" y="1371"/>
+                </a:lnTo>
+                <a:lnTo>
+                  <a:pt x="1165" y="1369"/>
+                </a:lnTo>
+                <a:lnTo>
+                  <a:pt x="1345" y="1189"/>
+                </a:lnTo>
+                <a:lnTo>
+                  <a:pt x="5760" y="1189"/>
+                </a:lnTo>
+                <a:lnTo>
+                  <a:pt x="5760" y="0"/>
+                </a:lnTo>
+                <a:close/>
+              </a:path>
+            </a:pathLst>
+          </a:custGeom>
+          <a:ln/>
+          <a:extLst>
+            <a:ext uri="{91240B29-F687-4f45-9708-019B960494DF}">
+              <a14:hiddenLine xmlns="" xmlns:a14="http://schemas.microsoft.com/office/drawing/2010/main" w="9525">
+                <a:solidFill>
+                  <a:srgbClr val="000000"/>
+                </a:solidFill>
+                <a:round/>
+                <a:headEnd/>
+                <a:tailEnd/>
+              </a14:hiddenLine>
+            </a:ext>
+          </a:extLst>
+        </p:spPr>
+        <p:style>
+          <a:lnRef idx="1">
+            <a:schemeClr val="accent1"/>
+          </a:lnRef>
+          <a:fillRef idx="3">
+            <a:schemeClr val="accent1"/>
+          </a:fillRef>
+          <a:effectRef idx="2">
+            <a:schemeClr val="accent1"/>
+          </a:effectRef>
+          <a:fontRef idx="minor">
+            <a:schemeClr val="lt1"/>
+          </a:fontRef>
+        </p:style>
+      </p:sp>
+      <p:sp>
+        <p:nvSpPr>
+          <p:cNvPr id="2" name="Title 1"/>
           <p:cNvSpPr>
             <a:spLocks noGrp="1"/>
           </p:cNvSpPr>
@@ -776,16 +2215,16 @@
           <a:lstStyle/>
           <a:p>
             <a:r>
-              <a:rPr lang="en-US" smtClean="0"/>
+              <a:rPr lang="en-US"/>
               <a:t>Click to edit Master title style</a:t>
             </a:r>
-            <a:endParaRPr lang="tr-TR"/>
-          </a:p>
-        </p:txBody>
-      </p:sp>
-      <p:sp>
-        <p:nvSpPr>
-          <p:cNvPr id="1048631" name="Vertical Text Placeholder 2"/>
+            <a:endParaRPr lang="en-US" dirty="0"/>
+          </a:p>
+        </p:txBody>
+      </p:sp>
+      <p:sp>
+        <p:nvSpPr>
+          <p:cNvPr id="3" name="Vertical Text Placeholder 2"/>
           <p:cNvSpPr>
             <a:spLocks noGrp="1"/>
           </p:cNvSpPr>
@@ -795,49 +2234,49 @@
         </p:nvSpPr>
         <p:spPr/>
         <p:txBody>
-          <a:bodyPr vert="eaVert"/>
+          <a:bodyPr vert="eaVert" anchor="t"/>
           <a:lstStyle/>
           <a:p>
             <a:pPr lvl="0"/>
             <a:r>
-              <a:rPr lang="en-US" smtClean="0"/>
-              <a:t>Edit Master text styles</a:t>
+              <a:rPr lang="en-US"/>
+              <a:t>Click to edit Master text styles</a:t>
             </a:r>
           </a:p>
           <a:p>
             <a:pPr lvl="1"/>
             <a:r>
-              <a:rPr lang="en-US" smtClean="0"/>
+              <a:rPr lang="en-US"/>
               <a:t>Second level</a:t>
             </a:r>
           </a:p>
           <a:p>
             <a:pPr lvl="2"/>
             <a:r>
-              <a:rPr lang="en-US" smtClean="0"/>
+              <a:rPr lang="en-US"/>
               <a:t>Third level</a:t>
             </a:r>
           </a:p>
           <a:p>
             <a:pPr lvl="3"/>
             <a:r>
-              <a:rPr lang="en-US" smtClean="0"/>
+              <a:rPr lang="en-US"/>
               <a:t>Fourth level</a:t>
             </a:r>
           </a:p>
           <a:p>
             <a:pPr lvl="4"/>
             <a:r>
-              <a:rPr lang="en-US" smtClean="0"/>
+              <a:rPr lang="en-US"/>
               <a:t>Fifth level</a:t>
             </a:r>
-            <a:endParaRPr lang="tr-TR"/>
-          </a:p>
-        </p:txBody>
-      </p:sp>
-      <p:sp>
-        <p:nvSpPr>
-          <p:cNvPr id="1048632" name="Date Placeholder 3"/>
+            <a:endParaRPr lang="en-US" dirty="0"/>
+          </a:p>
+        </p:txBody>
+      </p:sp>
+      <p:sp>
+        <p:nvSpPr>
+          <p:cNvPr id="4" name="Date Placeholder 3"/>
           <p:cNvSpPr>
             <a:spLocks noGrp="1"/>
           </p:cNvSpPr>
@@ -852,7 +2291,7 @@
           <a:p>
             <a:fld id="{1DE4C539-8B9A-42F0-A20B-3B28733C0C95}" type="datetimeFigureOut">
               <a:rPr lang="tr-TR" smtClean="0"/>
-              <a:t>23.11.2020</a:t>
+              <a:t>24.11.2020</a:t>
             </a:fld>
             <a:endParaRPr lang="tr-TR"/>
           </a:p>
@@ -860,7 +2299,7 @@
       </p:sp>
       <p:sp>
         <p:nvSpPr>
-          <p:cNvPr id="1048633" name="Footer Placeholder 4"/>
+          <p:cNvPr id="5" name="Footer Placeholder 4"/>
           <p:cNvSpPr>
             <a:spLocks noGrp="1"/>
           </p:cNvSpPr>
@@ -879,7 +2318,7 @@
       </p:sp>
       <p:sp>
         <p:nvSpPr>
-          <p:cNvPr id="1048634" name="Slide Number Placeholder 5"/>
+          <p:cNvPr id="6" name="Slide Number Placeholder 5"/>
           <p:cNvSpPr>
             <a:spLocks noGrp="1"/>
           </p:cNvSpPr>
@@ -901,6 +2340,11 @@
         </p:txBody>
       </p:sp>
     </p:spTree>
+    <p:extLst>
+      <p:ext uri="{BB962C8B-B14F-4D97-AF65-F5344CB8AC3E}">
+        <p14:creationId xmlns:p14="http://schemas.microsoft.com/office/powerpoint/2010/main" val="4164236805"/>
+      </p:ext>
+    </p:extLst>
   </p:cSld>
   <p:clrMapOvr>
     <a:masterClrMapping/>
@@ -908,7 +2352,7 @@
 </p:sldLayout>
 </file>
 
-<file path=ppt/slideLayouts/slideLayout11.xml><?xml version="1.0" encoding="utf-8"?>
+<file path=ppt/slideLayouts/slideLayout14.xml><?xml version="1.0" encoding="utf-8"?>
 <p:sldLayout xmlns:a="http://schemas.openxmlformats.org/drawingml/2006/main" xmlns:r="http://schemas.openxmlformats.org/officeDocument/2006/relationships" xmlns:p="http://schemas.openxmlformats.org/presentationml/2006/main" type="vertTitleAndTx" preserve="1">
   <p:cSld name="Vertical Title and Text">
     <p:spTree>
@@ -927,7 +2371,112 @@
       </p:grpSpPr>
       <p:sp>
         <p:nvSpPr>
-          <p:cNvPr id="1048619" name="Vertical Title 1"/>
+          <p:cNvPr id="12" name="Freeform 6"/>
+          <p:cNvSpPr>
+            <a:spLocks noChangeAspect="1"/>
+          </p:cNvSpPr>
+          <p:nvPr/>
+        </p:nvSpPr>
+        <p:spPr bwMode="auto">
+          <a:xfrm>
+            <a:off x="7669651" y="446089"/>
+            <a:ext cx="4522349" cy="5414962"/>
+          </a:xfrm>
+          <a:custGeom>
+            <a:avLst/>
+            <a:gdLst/>
+            <a:ahLst/>
+            <a:cxnLst/>
+            <a:rect l="0" t="0" r="r" b="b"/>
+            <a:pathLst>
+              <a:path w="2879" h="4320">
+                <a:moveTo>
+                  <a:pt x="183" y="0"/>
+                </a:moveTo>
+                <a:lnTo>
+                  <a:pt x="183" y="1197"/>
+                </a:lnTo>
+                <a:lnTo>
+                  <a:pt x="8" y="1372"/>
+                </a:lnTo>
+                <a:lnTo>
+                  <a:pt x="8" y="1372"/>
+                </a:lnTo>
+                <a:lnTo>
+                  <a:pt x="6" y="1376"/>
+                </a:lnTo>
+                <a:lnTo>
+                  <a:pt x="3" y="1382"/>
+                </a:lnTo>
+                <a:lnTo>
+                  <a:pt x="0" y="1387"/>
+                </a:lnTo>
+                <a:lnTo>
+                  <a:pt x="0" y="1393"/>
+                </a:lnTo>
+                <a:lnTo>
+                  <a:pt x="0" y="1399"/>
+                </a:lnTo>
+                <a:lnTo>
+                  <a:pt x="3" y="1404"/>
+                </a:lnTo>
+                <a:lnTo>
+                  <a:pt x="6" y="1410"/>
+                </a:lnTo>
+                <a:lnTo>
+                  <a:pt x="8" y="1414"/>
+                </a:lnTo>
+                <a:lnTo>
+                  <a:pt x="183" y="1589"/>
+                </a:lnTo>
+                <a:lnTo>
+                  <a:pt x="183" y="4320"/>
+                </a:lnTo>
+                <a:lnTo>
+                  <a:pt x="2879" y="4320"/>
+                </a:lnTo>
+                <a:lnTo>
+                  <a:pt x="2879" y="0"/>
+                </a:lnTo>
+                <a:lnTo>
+                  <a:pt x="183" y="0"/>
+                </a:lnTo>
+                <a:close/>
+              </a:path>
+            </a:pathLst>
+          </a:custGeom>
+          <a:ln/>
+          <a:extLst>
+            <a:ext uri="{91240B29-F687-4f45-9708-019B960494DF}">
+              <a14:hiddenLine xmlns="" xmlns:a14="http://schemas.microsoft.com/office/drawing/2010/main" w="9525">
+                <a:solidFill>
+                  <a:srgbClr val="000000"/>
+                </a:solidFill>
+                <a:round/>
+                <a:headEnd/>
+                <a:tailEnd/>
+              </a14:hiddenLine>
+            </a:ext>
+          </a:extLst>
+        </p:spPr>
+        <p:style>
+          <a:lnRef idx="1">
+            <a:schemeClr val="accent1"/>
+          </a:lnRef>
+          <a:fillRef idx="3">
+            <a:schemeClr val="accent1"/>
+          </a:fillRef>
+          <a:effectRef idx="2">
+            <a:schemeClr val="accent1"/>
+          </a:effectRef>
+          <a:fontRef idx="minor">
+            <a:schemeClr val="lt1"/>
+          </a:fontRef>
+        </p:style>
+      </p:sp>
+      <p:sp>
+        <p:nvSpPr>
+          <p:cNvPr id="2" name="Vertical Title 1"/>
           <p:cNvSpPr>
             <a:spLocks noGrp="1"/>
           </p:cNvSpPr>
@@ -937,8 +2486,8 @@
         </p:nvSpPr>
         <p:spPr>
           <a:xfrm>
-            <a:off x="8724900" y="365125"/>
-            <a:ext cx="2628900" cy="5811838"/>
+            <a:off x="8183540" y="586171"/>
+            <a:ext cx="2494791" cy="5134798"/>
           </a:xfrm>
         </p:spPr>
         <p:txBody>
@@ -946,16 +2495,16 @@
           <a:lstStyle/>
           <a:p>
             <a:r>
-              <a:rPr lang="en-US" smtClean="0"/>
+              <a:rPr lang="en-US"/>
               <a:t>Click to edit Master title style</a:t>
             </a:r>
-            <a:endParaRPr lang="tr-TR"/>
-          </a:p>
-        </p:txBody>
-      </p:sp>
-      <p:sp>
-        <p:nvSpPr>
-          <p:cNvPr id="1048620" name="Vertical Text Placeholder 2"/>
+            <a:endParaRPr lang="en-US" dirty="0"/>
+          </a:p>
+        </p:txBody>
+      </p:sp>
+      <p:sp>
+        <p:nvSpPr>
+          <p:cNvPr id="3" name="Vertical Text Placeholder 2"/>
           <p:cNvSpPr>
             <a:spLocks noGrp="1"/>
           </p:cNvSpPr>
@@ -965,54 +2514,54 @@
         </p:nvSpPr>
         <p:spPr>
           <a:xfrm>
-            <a:off x="838200" y="365125"/>
-            <a:ext cx="7734300" cy="5811838"/>
+            <a:off x="810001" y="446089"/>
+            <a:ext cx="6611540" cy="5414962"/>
           </a:xfrm>
         </p:spPr>
         <p:txBody>
-          <a:bodyPr vert="eaVert"/>
+          <a:bodyPr vert="eaVert" anchor="t"/>
           <a:lstStyle/>
           <a:p>
             <a:pPr lvl="0"/>
             <a:r>
-              <a:rPr lang="en-US" smtClean="0"/>
-              <a:t>Edit Master text styles</a:t>
+              <a:rPr lang="en-US"/>
+              <a:t>Click to edit Master text styles</a:t>
             </a:r>
           </a:p>
           <a:p>
             <a:pPr lvl="1"/>
             <a:r>
-              <a:rPr lang="en-US" smtClean="0"/>
+              <a:rPr lang="en-US"/>
               <a:t>Second level</a:t>
             </a:r>
           </a:p>
           <a:p>
             <a:pPr lvl="2"/>
             <a:r>
-              <a:rPr lang="en-US" smtClean="0"/>
+              <a:rPr lang="en-US"/>
               <a:t>Third level</a:t>
             </a:r>
           </a:p>
           <a:p>
             <a:pPr lvl="3"/>
             <a:r>
-              <a:rPr lang="en-US" smtClean="0"/>
+              <a:rPr lang="en-US"/>
               <a:t>Fourth level</a:t>
             </a:r>
           </a:p>
           <a:p>
             <a:pPr lvl="4"/>
             <a:r>
-              <a:rPr lang="en-US" smtClean="0"/>
+              <a:rPr lang="en-US"/>
               <a:t>Fifth level</a:t>
             </a:r>
-            <a:endParaRPr lang="tr-TR"/>
-          </a:p>
-        </p:txBody>
-      </p:sp>
-      <p:sp>
-        <p:nvSpPr>
-          <p:cNvPr id="1048621" name="Date Placeholder 3"/>
+            <a:endParaRPr lang="en-US" dirty="0"/>
+          </a:p>
+        </p:txBody>
+      </p:sp>
+      <p:sp>
+        <p:nvSpPr>
+          <p:cNvPr id="4" name="Date Placeholder 3"/>
           <p:cNvSpPr>
             <a:spLocks noGrp="1"/>
           </p:cNvSpPr>
@@ -1027,7 +2576,7 @@
           <a:p>
             <a:fld id="{1DE4C539-8B9A-42F0-A20B-3B28733C0C95}" type="datetimeFigureOut">
               <a:rPr lang="tr-TR" smtClean="0"/>
-              <a:t>23.11.2020</a:t>
+              <a:t>24.11.2020</a:t>
             </a:fld>
             <a:endParaRPr lang="tr-TR"/>
           </a:p>
@@ -1035,7 +2584,7 @@
       </p:sp>
       <p:sp>
         <p:nvSpPr>
-          <p:cNvPr id="1048622" name="Footer Placeholder 4"/>
+          <p:cNvPr id="5" name="Footer Placeholder 4"/>
           <p:cNvSpPr>
             <a:spLocks noGrp="1"/>
           </p:cNvSpPr>
@@ -1054,7 +2603,7 @@
       </p:sp>
       <p:sp>
         <p:nvSpPr>
-          <p:cNvPr id="1048623" name="Slide Number Placeholder 5"/>
+          <p:cNvPr id="6" name="Slide Number Placeholder 5"/>
           <p:cNvSpPr>
             <a:spLocks noGrp="1"/>
           </p:cNvSpPr>
@@ -1076,6 +2625,11 @@
         </p:txBody>
       </p:sp>
     </p:spTree>
+    <p:extLst>
+      <p:ext uri="{BB962C8B-B14F-4D97-AF65-F5344CB8AC3E}">
+        <p14:creationId xmlns:p14="http://schemas.microsoft.com/office/powerpoint/2010/main" val="377612585"/>
+      </p:ext>
+    </p:extLst>
   </p:cSld>
   <p:clrMapOvr>
     <a:masterClrMapping/>
@@ -1102,7 +2656,110 @@
       </p:grpSpPr>
       <p:sp>
         <p:nvSpPr>
-          <p:cNvPr id="1048588" name="Title 1"/>
+          <p:cNvPr id="11" name="Freeform 6"/>
+          <p:cNvSpPr/>
+          <p:nvPr/>
+        </p:nvSpPr>
+        <p:spPr bwMode="auto">
+          <a:xfrm>
+            <a:off x="0" y="0"/>
+            <a:ext cx="12192000" cy="2185988"/>
+          </a:xfrm>
+          <a:custGeom>
+            <a:avLst/>
+            <a:gdLst/>
+            <a:ahLst/>
+            <a:cxnLst/>
+            <a:rect l="0" t="0" r="r" b="b"/>
+            <a:pathLst>
+              <a:path w="5760" h="1377">
+                <a:moveTo>
+                  <a:pt x="5760" y="0"/>
+                </a:moveTo>
+                <a:lnTo>
+                  <a:pt x="0" y="0"/>
+                </a:lnTo>
+                <a:lnTo>
+                  <a:pt x="0" y="1189"/>
+                </a:lnTo>
+                <a:lnTo>
+                  <a:pt x="943" y="1189"/>
+                </a:lnTo>
+                <a:lnTo>
+                  <a:pt x="1123" y="1369"/>
+                </a:lnTo>
+                <a:lnTo>
+                  <a:pt x="1123" y="1369"/>
+                </a:lnTo>
+                <a:lnTo>
+                  <a:pt x="1127" y="1371"/>
+                </a:lnTo>
+                <a:lnTo>
+                  <a:pt x="1133" y="1374"/>
+                </a:lnTo>
+                <a:lnTo>
+                  <a:pt x="1139" y="1377"/>
+                </a:lnTo>
+                <a:lnTo>
+                  <a:pt x="1144" y="1377"/>
+                </a:lnTo>
+                <a:lnTo>
+                  <a:pt x="1150" y="1377"/>
+                </a:lnTo>
+                <a:lnTo>
+                  <a:pt x="1155" y="1374"/>
+                </a:lnTo>
+                <a:lnTo>
+                  <a:pt x="1161" y="1371"/>
+                </a:lnTo>
+                <a:lnTo>
+                  <a:pt x="1165" y="1369"/>
+                </a:lnTo>
+                <a:lnTo>
+                  <a:pt x="1345" y="1189"/>
+                </a:lnTo>
+                <a:lnTo>
+                  <a:pt x="5760" y="1189"/>
+                </a:lnTo>
+                <a:lnTo>
+                  <a:pt x="5760" y="0"/>
+                </a:lnTo>
+                <a:close/>
+              </a:path>
+            </a:pathLst>
+          </a:custGeom>
+          <a:ln/>
+          <a:extLst>
+            <a:ext uri="{91240B29-F687-4f45-9708-019B960494DF}">
+              <a14:hiddenLine xmlns="" xmlns:a14="http://schemas.microsoft.com/office/drawing/2010/main" w="9525">
+                <a:solidFill>
+                  <a:srgbClr val="000000"/>
+                </a:solidFill>
+                <a:round/>
+                <a:headEnd/>
+                <a:tailEnd/>
+              </a14:hiddenLine>
+            </a:ext>
+          </a:extLst>
+        </p:spPr>
+        <p:style>
+          <a:lnRef idx="1">
+            <a:schemeClr val="accent1"/>
+          </a:lnRef>
+          <a:fillRef idx="3">
+            <a:schemeClr val="accent1"/>
+          </a:fillRef>
+          <a:effectRef idx="2">
+            <a:schemeClr val="accent1"/>
+          </a:effectRef>
+          <a:fontRef idx="minor">
+            <a:schemeClr val="lt1"/>
+          </a:fontRef>
+        </p:style>
+      </p:sp>
+      <p:sp>
+        <p:nvSpPr>
+          <p:cNvPr id="2" name="Title 1"/>
           <p:cNvSpPr>
             <a:spLocks noGrp="1"/>
           </p:cNvSpPr>
@@ -1110,22 +2767,27 @@
             <p:ph type="title"/>
           </p:nvPr>
         </p:nvSpPr>
-        <p:spPr/>
+        <p:spPr>
+          <a:xfrm>
+            <a:off x="810000" y="447188"/>
+            <a:ext cx="10571998" cy="970450"/>
+          </a:xfrm>
+        </p:spPr>
         <p:txBody>
           <a:bodyPr/>
           <a:lstStyle/>
           <a:p>
             <a:r>
-              <a:rPr lang="en-US" smtClean="0"/>
+              <a:rPr lang="en-US"/>
               <a:t>Click to edit Master title style</a:t>
             </a:r>
-            <a:endParaRPr lang="tr-TR"/>
-          </a:p>
-        </p:txBody>
-      </p:sp>
-      <p:sp>
-        <p:nvSpPr>
-          <p:cNvPr id="1048589" name="Content Placeholder 2"/>
+            <a:endParaRPr lang="en-US" dirty="0"/>
+          </a:p>
+        </p:txBody>
+      </p:sp>
+      <p:sp>
+        <p:nvSpPr>
+          <p:cNvPr id="3" name="Content Placeholder 2"/>
           <p:cNvSpPr>
             <a:spLocks noGrp="1"/>
           </p:cNvSpPr>
@@ -1133,51 +2795,56 @@
             <p:ph idx="1"/>
           </p:nvPr>
         </p:nvSpPr>
-        <p:spPr/>
+        <p:spPr>
+          <a:xfrm>
+            <a:off x="818712" y="2222287"/>
+            <a:ext cx="10554574" cy="3636511"/>
+          </a:xfrm>
+        </p:spPr>
         <p:txBody>
           <a:bodyPr/>
           <a:lstStyle/>
           <a:p>
             <a:pPr lvl="0"/>
             <a:r>
-              <a:rPr lang="en-US" smtClean="0"/>
-              <a:t>Edit Master text styles</a:t>
+              <a:rPr lang="en-US"/>
+              <a:t>Click to edit Master text styles</a:t>
             </a:r>
           </a:p>
           <a:p>
             <a:pPr lvl="1"/>
             <a:r>
-              <a:rPr lang="en-US" smtClean="0"/>
+              <a:rPr lang="en-US"/>
               <a:t>Second level</a:t>
             </a:r>
           </a:p>
           <a:p>
             <a:pPr lvl="2"/>
             <a:r>
-              <a:rPr lang="en-US" smtClean="0"/>
+              <a:rPr lang="en-US"/>
               <a:t>Third level</a:t>
             </a:r>
           </a:p>
           <a:p>
             <a:pPr lvl="3"/>
             <a:r>
-              <a:rPr lang="en-US" smtClean="0"/>
+              <a:rPr lang="en-US"/>
               <a:t>Fourth level</a:t>
             </a:r>
           </a:p>
           <a:p>
             <a:pPr lvl="4"/>
             <a:r>
-              <a:rPr lang="en-US" smtClean="0"/>
+              <a:rPr lang="en-US"/>
               <a:t>Fifth level</a:t>
             </a:r>
-            <a:endParaRPr lang="tr-TR"/>
-          </a:p>
-        </p:txBody>
-      </p:sp>
-      <p:sp>
-        <p:nvSpPr>
-          <p:cNvPr id="1048590" name="Date Placeholder 3"/>
+            <a:endParaRPr lang="en-US" dirty="0"/>
+          </a:p>
+        </p:txBody>
+      </p:sp>
+      <p:sp>
+        <p:nvSpPr>
+          <p:cNvPr id="4" name="Date Placeholder 3"/>
           <p:cNvSpPr>
             <a:spLocks noGrp="1"/>
           </p:cNvSpPr>
@@ -1192,7 +2859,7 @@
           <a:p>
             <a:fld id="{1DE4C539-8B9A-42F0-A20B-3B28733C0C95}" type="datetimeFigureOut">
               <a:rPr lang="tr-TR" smtClean="0"/>
-              <a:t>23.11.2020</a:t>
+              <a:t>24.11.2020</a:t>
             </a:fld>
             <a:endParaRPr lang="tr-TR"/>
           </a:p>
@@ -1200,7 +2867,7 @@
       </p:sp>
       <p:sp>
         <p:nvSpPr>
-          <p:cNvPr id="1048591" name="Footer Placeholder 4"/>
+          <p:cNvPr id="5" name="Footer Placeholder 4"/>
           <p:cNvSpPr>
             <a:spLocks noGrp="1"/>
           </p:cNvSpPr>
@@ -1219,7 +2886,7 @@
       </p:sp>
       <p:sp>
         <p:nvSpPr>
-          <p:cNvPr id="1048592" name="Slide Number Placeholder 5"/>
+          <p:cNvPr id="6" name="Slide Number Placeholder 5"/>
           <p:cNvSpPr>
             <a:spLocks noGrp="1"/>
           </p:cNvSpPr>
@@ -1241,6 +2908,11 @@
         </p:txBody>
       </p:sp>
     </p:spTree>
+    <p:extLst>
+      <p:ext uri="{BB962C8B-B14F-4D97-AF65-F5344CB8AC3E}">
+        <p14:creationId xmlns:p14="http://schemas.microsoft.com/office/powerpoint/2010/main" val="3208362147"/>
+      </p:ext>
+    </p:extLst>
   </p:cSld>
   <p:clrMapOvr>
     <a:masterClrMapping/>
@@ -1267,7 +2939,104 @@
       </p:grpSpPr>
       <p:sp>
         <p:nvSpPr>
-          <p:cNvPr id="1048635" name="Title 1"/>
+          <p:cNvPr id="10" name="Freeform 7"/>
+          <p:cNvSpPr/>
+          <p:nvPr/>
+        </p:nvSpPr>
+        <p:spPr bwMode="auto">
+          <a:xfrm>
+            <a:off x="0" y="1"/>
+            <a:ext cx="12192000" cy="5203825"/>
+          </a:xfrm>
+          <a:custGeom>
+            <a:avLst/>
+            <a:gdLst/>
+            <a:ahLst/>
+            <a:cxnLst/>
+            <a:rect l="0" t="0" r="r" b="b"/>
+            <a:pathLst>
+              <a:path w="5760" h="3278">
+                <a:moveTo>
+                  <a:pt x="0" y="0"/>
+                </a:moveTo>
+                <a:lnTo>
+                  <a:pt x="5760" y="0"/>
+                </a:lnTo>
+                <a:lnTo>
+                  <a:pt x="5760" y="3090"/>
+                </a:lnTo>
+                <a:lnTo>
+                  <a:pt x="4817" y="3090"/>
+                </a:lnTo>
+                <a:lnTo>
+                  <a:pt x="4637" y="3270"/>
+                </a:lnTo>
+                <a:lnTo>
+                  <a:pt x="4637" y="3270"/>
+                </a:lnTo>
+                <a:lnTo>
+                  <a:pt x="4633" y="3272"/>
+                </a:lnTo>
+                <a:lnTo>
+                  <a:pt x="4627" y="3275"/>
+                </a:lnTo>
+                <a:lnTo>
+                  <a:pt x="4621" y="3278"/>
+                </a:lnTo>
+                <a:lnTo>
+                  <a:pt x="4616" y="3278"/>
+                </a:lnTo>
+                <a:lnTo>
+                  <a:pt x="4610" y="3278"/>
+                </a:lnTo>
+                <a:lnTo>
+                  <a:pt x="4605" y="3275"/>
+                </a:lnTo>
+                <a:lnTo>
+                  <a:pt x="4599" y="3272"/>
+                </a:lnTo>
+                <a:lnTo>
+                  <a:pt x="4595" y="3270"/>
+                </a:lnTo>
+                <a:lnTo>
+                  <a:pt x="4415" y="3090"/>
+                </a:lnTo>
+                <a:lnTo>
+                  <a:pt x="0" y="3090"/>
+                </a:lnTo>
+                <a:lnTo>
+                  <a:pt x="0" y="0"/>
+                </a:lnTo>
+                <a:lnTo>
+                  <a:pt x="0" y="0"/>
+                </a:lnTo>
+                <a:close/>
+              </a:path>
+            </a:pathLst>
+          </a:custGeom>
+          <a:ln>
+            <a:headEnd/>
+            <a:tailEnd/>
+          </a:ln>
+        </p:spPr>
+        <p:style>
+          <a:lnRef idx="1">
+            <a:schemeClr val="accent1"/>
+          </a:lnRef>
+          <a:fillRef idx="3">
+            <a:schemeClr val="accent1"/>
+          </a:fillRef>
+          <a:effectRef idx="2">
+            <a:schemeClr val="accent1"/>
+          </a:effectRef>
+          <a:fontRef idx="minor">
+            <a:schemeClr val="lt1"/>
+          </a:fontRef>
+        </p:style>
+      </p:sp>
+      <p:sp>
+        <p:nvSpPr>
+          <p:cNvPr id="2" name="Title 1"/>
           <p:cNvSpPr>
             <a:spLocks noGrp="1"/>
           </p:cNvSpPr>
@@ -1277,29 +3046,29 @@
         </p:nvSpPr>
         <p:spPr>
           <a:xfrm>
-            <a:off x="831850" y="1709738"/>
-            <a:ext cx="10515600" cy="2852737"/>
+            <a:off x="810000" y="2951396"/>
+            <a:ext cx="10561418" cy="1468800"/>
           </a:xfrm>
         </p:spPr>
         <p:txBody>
           <a:bodyPr anchor="b"/>
           <a:lstStyle>
-            <a:lvl1pPr>
-              <a:defRPr sz="6000"/>
+            <a:lvl1pPr algn="r">
+              <a:defRPr sz="4800" b="1" cap="none"/>
             </a:lvl1pPr>
           </a:lstStyle>
           <a:p>
             <a:r>
-              <a:rPr lang="en-US" smtClean="0"/>
+              <a:rPr lang="en-US"/>
               <a:t>Click to edit Master title style</a:t>
             </a:r>
-            <a:endParaRPr lang="tr-TR"/>
-          </a:p>
-        </p:txBody>
-      </p:sp>
-      <p:sp>
-        <p:nvSpPr>
-          <p:cNvPr id="1048636" name="Text Placeholder 2"/>
+            <a:endParaRPr lang="en-US" dirty="0"/>
+          </a:p>
+        </p:txBody>
+      </p:sp>
+      <p:sp>
+        <p:nvSpPr>
+          <p:cNvPr id="3" name="Text Placeholder 2"/>
           <p:cNvSpPr>
             <a:spLocks noGrp="1"/>
           </p:cNvSpPr>
@@ -1309,26 +3078,26 @@
         </p:nvSpPr>
         <p:spPr>
           <a:xfrm>
-            <a:off x="831850" y="4589463"/>
-            <a:ext cx="10515600" cy="1500187"/>
+            <a:off x="810000" y="5281201"/>
+            <a:ext cx="10561418" cy="433955"/>
           </a:xfrm>
         </p:spPr>
         <p:txBody>
-          <a:bodyPr/>
+          <a:bodyPr anchor="t">
+            <a:noAutofit/>
+          </a:bodyPr>
           <a:lstStyle>
-            <a:lvl1pPr marL="0" indent="0">
-              <a:buNone/>
-              <a:defRPr sz="2400">
+            <a:lvl1pPr marL="0" indent="0" algn="r">
+              <a:buNone/>
+              <a:defRPr sz="1800">
                 <a:solidFill>
-                  <a:schemeClr val="tx1">
-                    <a:tint val="75000"/>
-                  </a:schemeClr>
+                  <a:schemeClr val="tx1"/>
                 </a:solidFill>
               </a:defRPr>
             </a:lvl1pPr>
             <a:lvl2pPr marL="457200" indent="0">
               <a:buNone/>
-              <a:defRPr sz="2000">
+              <a:defRPr sz="1800">
                 <a:solidFill>
                   <a:schemeClr val="tx1">
                     <a:tint val="75000"/>
@@ -1338,7 +3107,7 @@
             </a:lvl2pPr>
             <a:lvl3pPr marL="914400" indent="0">
               <a:buNone/>
-              <a:defRPr sz="1800">
+              <a:defRPr sz="1600">
                 <a:solidFill>
                   <a:schemeClr val="tx1">
                     <a:tint val="75000"/>
@@ -1348,7 +3117,7 @@
             </a:lvl3pPr>
             <a:lvl4pPr marL="1371600" indent="0">
               <a:buNone/>
-              <a:defRPr sz="1600">
+              <a:defRPr sz="1400">
                 <a:solidFill>
                   <a:schemeClr val="tx1">
                     <a:tint val="75000"/>
@@ -1358,7 +3127,7 @@
             </a:lvl4pPr>
             <a:lvl5pPr marL="1828800" indent="0">
               <a:buNone/>
-              <a:defRPr sz="1600">
+              <a:defRPr sz="1400">
                 <a:solidFill>
                   <a:schemeClr val="tx1">
                     <a:tint val="75000"/>
@@ -1368,7 +3137,7 @@
             </a:lvl5pPr>
             <a:lvl6pPr marL="2286000" indent="0">
               <a:buNone/>
-              <a:defRPr sz="1600">
+              <a:defRPr sz="1400">
                 <a:solidFill>
                   <a:schemeClr val="tx1">
                     <a:tint val="75000"/>
@@ -1378,7 +3147,7 @@
             </a:lvl6pPr>
             <a:lvl7pPr marL="2743200" indent="0">
               <a:buNone/>
-              <a:defRPr sz="1600">
+              <a:defRPr sz="1400">
                 <a:solidFill>
                   <a:schemeClr val="tx1">
                     <a:tint val="75000"/>
@@ -1388,7 +3157,7 @@
             </a:lvl7pPr>
             <a:lvl8pPr marL="3200400" indent="0">
               <a:buNone/>
-              <a:defRPr sz="1600">
+              <a:defRPr sz="1400">
                 <a:solidFill>
                   <a:schemeClr val="tx1">
                     <a:tint val="75000"/>
@@ -1398,7 +3167,7 @@
             </a:lvl8pPr>
             <a:lvl9pPr marL="3657600" indent="0">
               <a:buNone/>
-              <a:defRPr sz="1600">
+              <a:defRPr sz="1400">
                 <a:solidFill>
                   <a:schemeClr val="tx1">
                     <a:tint val="75000"/>
@@ -1410,15 +3179,15 @@
           <a:p>
             <a:pPr lvl="0"/>
             <a:r>
-              <a:rPr lang="en-US" smtClean="0"/>
-              <a:t>Edit Master text styles</a:t>
-            </a:r>
-          </a:p>
-        </p:txBody>
-      </p:sp>
-      <p:sp>
-        <p:nvSpPr>
-          <p:cNvPr id="1048637" name="Date Placeholder 3"/>
+              <a:rPr lang="en-US"/>
+              <a:t>Click to edit Master text styles</a:t>
+            </a:r>
+          </a:p>
+        </p:txBody>
+      </p:sp>
+      <p:sp>
+        <p:nvSpPr>
+          <p:cNvPr id="4" name="Date Placeholder 3"/>
           <p:cNvSpPr>
             <a:spLocks noGrp="1"/>
           </p:cNvSpPr>
@@ -1433,7 +3202,7 @@
           <a:p>
             <a:fld id="{1DE4C539-8B9A-42F0-A20B-3B28733C0C95}" type="datetimeFigureOut">
               <a:rPr lang="tr-TR" smtClean="0"/>
-              <a:t>23.11.2020</a:t>
+              <a:t>24.11.2020</a:t>
             </a:fld>
             <a:endParaRPr lang="tr-TR"/>
           </a:p>
@@ -1441,7 +3210,7 @@
       </p:sp>
       <p:sp>
         <p:nvSpPr>
-          <p:cNvPr id="1048638" name="Footer Placeholder 4"/>
+          <p:cNvPr id="5" name="Footer Placeholder 4"/>
           <p:cNvSpPr>
             <a:spLocks noGrp="1"/>
           </p:cNvSpPr>
@@ -1460,7 +3229,7 @@
       </p:sp>
       <p:sp>
         <p:nvSpPr>
-          <p:cNvPr id="1048639" name="Slide Number Placeholder 5"/>
+          <p:cNvPr id="6" name="Slide Number Placeholder 5"/>
           <p:cNvSpPr>
             <a:spLocks noGrp="1"/>
           </p:cNvSpPr>
@@ -1482,6 +3251,11 @@
         </p:txBody>
       </p:sp>
     </p:spTree>
+    <p:extLst>
+      <p:ext uri="{BB962C8B-B14F-4D97-AF65-F5344CB8AC3E}">
+        <p14:creationId xmlns:p14="http://schemas.microsoft.com/office/powerpoint/2010/main" val="3365694862"/>
+      </p:ext>
+    </p:extLst>
   </p:cSld>
   <p:clrMapOvr>
     <a:masterClrMapping/>
@@ -1508,7 +3282,110 @@
       </p:grpSpPr>
       <p:sp>
         <p:nvSpPr>
-          <p:cNvPr id="1048640" name="Title 1"/>
+          <p:cNvPr id="8" name="Freeform 6"/>
+          <p:cNvSpPr/>
+          <p:nvPr/>
+        </p:nvSpPr>
+        <p:spPr bwMode="auto">
+          <a:xfrm>
+            <a:off x="0" y="0"/>
+            <a:ext cx="12192000" cy="2185988"/>
+          </a:xfrm>
+          <a:custGeom>
+            <a:avLst/>
+            <a:gdLst/>
+            <a:ahLst/>
+            <a:cxnLst/>
+            <a:rect l="0" t="0" r="r" b="b"/>
+            <a:pathLst>
+              <a:path w="5760" h="1377">
+                <a:moveTo>
+                  <a:pt x="5760" y="0"/>
+                </a:moveTo>
+                <a:lnTo>
+                  <a:pt x="0" y="0"/>
+                </a:lnTo>
+                <a:lnTo>
+                  <a:pt x="0" y="1189"/>
+                </a:lnTo>
+                <a:lnTo>
+                  <a:pt x="943" y="1189"/>
+                </a:lnTo>
+                <a:lnTo>
+                  <a:pt x="1123" y="1369"/>
+                </a:lnTo>
+                <a:lnTo>
+                  <a:pt x="1123" y="1369"/>
+                </a:lnTo>
+                <a:lnTo>
+                  <a:pt x="1127" y="1371"/>
+                </a:lnTo>
+                <a:lnTo>
+                  <a:pt x="1133" y="1374"/>
+                </a:lnTo>
+                <a:lnTo>
+                  <a:pt x="1139" y="1377"/>
+                </a:lnTo>
+                <a:lnTo>
+                  <a:pt x="1144" y="1377"/>
+                </a:lnTo>
+                <a:lnTo>
+                  <a:pt x="1150" y="1377"/>
+                </a:lnTo>
+                <a:lnTo>
+                  <a:pt x="1155" y="1374"/>
+                </a:lnTo>
+                <a:lnTo>
+                  <a:pt x="1161" y="1371"/>
+                </a:lnTo>
+                <a:lnTo>
+                  <a:pt x="1165" y="1369"/>
+                </a:lnTo>
+                <a:lnTo>
+                  <a:pt x="1345" y="1189"/>
+                </a:lnTo>
+                <a:lnTo>
+                  <a:pt x="5760" y="1189"/>
+                </a:lnTo>
+                <a:lnTo>
+                  <a:pt x="5760" y="0"/>
+                </a:lnTo>
+                <a:close/>
+              </a:path>
+            </a:pathLst>
+          </a:custGeom>
+          <a:ln/>
+          <a:extLst>
+            <a:ext uri="{91240B29-F687-4f45-9708-019B960494DF}">
+              <a14:hiddenLine xmlns="" xmlns:a14="http://schemas.microsoft.com/office/drawing/2010/main" w="9525">
+                <a:solidFill>
+                  <a:srgbClr val="000000"/>
+                </a:solidFill>
+                <a:round/>
+                <a:headEnd/>
+                <a:tailEnd/>
+              </a14:hiddenLine>
+            </a:ext>
+          </a:extLst>
+        </p:spPr>
+        <p:style>
+          <a:lnRef idx="1">
+            <a:schemeClr val="accent1"/>
+          </a:lnRef>
+          <a:fillRef idx="3">
+            <a:schemeClr val="accent1"/>
+          </a:fillRef>
+          <a:effectRef idx="2">
+            <a:schemeClr val="accent1"/>
+          </a:effectRef>
+          <a:fontRef idx="minor">
+            <a:schemeClr val="lt1"/>
+          </a:fontRef>
+        </p:style>
+      </p:sp>
+      <p:sp>
+        <p:nvSpPr>
+          <p:cNvPr id="2" name="Title 1"/>
           <p:cNvSpPr>
             <a:spLocks noGrp="1"/>
           </p:cNvSpPr>
@@ -1522,16 +3399,16 @@
           <a:lstStyle/>
           <a:p>
             <a:r>
-              <a:rPr lang="en-US" smtClean="0"/>
+              <a:rPr lang="en-US"/>
               <a:t>Click to edit Master title style</a:t>
             </a:r>
-            <a:endParaRPr lang="tr-TR"/>
-          </a:p>
-        </p:txBody>
-      </p:sp>
-      <p:sp>
-        <p:nvSpPr>
-          <p:cNvPr id="1048641" name="Content Placeholder 2"/>
+            <a:endParaRPr lang="en-US" dirty="0"/>
+          </a:p>
+        </p:txBody>
+      </p:sp>
+      <p:sp>
+        <p:nvSpPr>
+          <p:cNvPr id="3" name="Content Placeholder 2"/>
           <p:cNvSpPr>
             <a:spLocks noGrp="1"/>
           </p:cNvSpPr>
@@ -1541,54 +3418,56 @@
         </p:nvSpPr>
         <p:spPr>
           <a:xfrm>
-            <a:off x="838200" y="1825625"/>
-            <a:ext cx="5181600" cy="4351338"/>
+            <a:off x="818712" y="2222287"/>
+            <a:ext cx="5185873" cy="3638763"/>
           </a:xfrm>
         </p:spPr>
         <p:txBody>
-          <a:bodyPr/>
+          <a:bodyPr>
+            <a:normAutofit/>
+          </a:bodyPr>
           <a:lstStyle/>
           <a:p>
             <a:pPr lvl="0"/>
             <a:r>
-              <a:rPr lang="en-US" smtClean="0"/>
-              <a:t>Edit Master text styles</a:t>
+              <a:rPr lang="en-US"/>
+              <a:t>Click to edit Master text styles</a:t>
             </a:r>
           </a:p>
           <a:p>
             <a:pPr lvl="1"/>
             <a:r>
-              <a:rPr lang="en-US" smtClean="0"/>
+              <a:rPr lang="en-US"/>
               <a:t>Second level</a:t>
             </a:r>
           </a:p>
           <a:p>
             <a:pPr lvl="2"/>
             <a:r>
-              <a:rPr lang="en-US" smtClean="0"/>
+              <a:rPr lang="en-US"/>
               <a:t>Third level</a:t>
             </a:r>
           </a:p>
           <a:p>
             <a:pPr lvl="3"/>
             <a:r>
-              <a:rPr lang="en-US" smtClean="0"/>
+              <a:rPr lang="en-US"/>
               <a:t>Fourth level</a:t>
             </a:r>
           </a:p>
           <a:p>
             <a:pPr lvl="4"/>
             <a:r>
-              <a:rPr lang="en-US" smtClean="0"/>
+              <a:rPr lang="en-US"/>
               <a:t>Fifth level</a:t>
             </a:r>
-            <a:endParaRPr lang="tr-TR"/>
-          </a:p>
-        </p:txBody>
-      </p:sp>
-      <p:sp>
-        <p:nvSpPr>
-          <p:cNvPr id="1048642" name="Content Placeholder 3"/>
+            <a:endParaRPr lang="en-US" dirty="0"/>
+          </a:p>
+        </p:txBody>
+      </p:sp>
+      <p:sp>
+        <p:nvSpPr>
+          <p:cNvPr id="4" name="Content Placeholder 3"/>
           <p:cNvSpPr>
             <a:spLocks noGrp="1"/>
           </p:cNvSpPr>
@@ -1598,54 +3477,56 @@
         </p:nvSpPr>
         <p:spPr>
           <a:xfrm>
-            <a:off x="6172200" y="1825625"/>
-            <a:ext cx="5181600" cy="4351338"/>
+            <a:off x="6187415" y="2222287"/>
+            <a:ext cx="5194583" cy="3638764"/>
           </a:xfrm>
         </p:spPr>
         <p:txBody>
-          <a:bodyPr/>
+          <a:bodyPr>
+            <a:normAutofit/>
+          </a:bodyPr>
           <a:lstStyle/>
           <a:p>
             <a:pPr lvl="0"/>
             <a:r>
-              <a:rPr lang="en-US" smtClean="0"/>
-              <a:t>Edit Master text styles</a:t>
+              <a:rPr lang="en-US"/>
+              <a:t>Click to edit Master text styles</a:t>
             </a:r>
           </a:p>
           <a:p>
             <a:pPr lvl="1"/>
             <a:r>
-              <a:rPr lang="en-US" smtClean="0"/>
+              <a:rPr lang="en-US"/>
               <a:t>Second level</a:t>
             </a:r>
           </a:p>
           <a:p>
             <a:pPr lvl="2"/>
             <a:r>
-              <a:rPr lang="en-US" smtClean="0"/>
+              <a:rPr lang="en-US"/>
               <a:t>Third level</a:t>
             </a:r>
           </a:p>
           <a:p>
             <a:pPr lvl="3"/>
             <a:r>
-              <a:rPr lang="en-US" smtClean="0"/>
+              <a:rPr lang="en-US"/>
               <a:t>Fourth level</a:t>
             </a:r>
           </a:p>
           <a:p>
             <a:pPr lvl="4"/>
             <a:r>
-              <a:rPr lang="en-US" smtClean="0"/>
+              <a:rPr lang="en-US"/>
               <a:t>Fifth level</a:t>
             </a:r>
-            <a:endParaRPr lang="tr-TR"/>
-          </a:p>
-        </p:txBody>
-      </p:sp>
-      <p:sp>
-        <p:nvSpPr>
-          <p:cNvPr id="1048643" name="Date Placeholder 4"/>
+            <a:endParaRPr lang="en-US" dirty="0"/>
+          </a:p>
+        </p:txBody>
+      </p:sp>
+      <p:sp>
+        <p:nvSpPr>
+          <p:cNvPr id="5" name="Date Placeholder 4"/>
           <p:cNvSpPr>
             <a:spLocks noGrp="1"/>
           </p:cNvSpPr>
@@ -1660,7 +3541,7 @@
           <a:p>
             <a:fld id="{1DE4C539-8B9A-42F0-A20B-3B28733C0C95}" type="datetimeFigureOut">
               <a:rPr lang="tr-TR" smtClean="0"/>
-              <a:t>23.11.2020</a:t>
+              <a:t>24.11.2020</a:t>
             </a:fld>
             <a:endParaRPr lang="tr-TR"/>
           </a:p>
@@ -1668,7 +3549,7 @@
       </p:sp>
       <p:sp>
         <p:nvSpPr>
-          <p:cNvPr id="1048644" name="Footer Placeholder 5"/>
+          <p:cNvPr id="6" name="Footer Placeholder 5"/>
           <p:cNvSpPr>
             <a:spLocks noGrp="1"/>
           </p:cNvSpPr>
@@ -1687,7 +3568,7 @@
       </p:sp>
       <p:sp>
         <p:nvSpPr>
-          <p:cNvPr id="1048645" name="Slide Number Placeholder 6"/>
+          <p:cNvPr id="7" name="Slide Number Placeholder 6"/>
           <p:cNvSpPr>
             <a:spLocks noGrp="1"/>
           </p:cNvSpPr>
@@ -1709,6 +3590,11 @@
         </p:txBody>
       </p:sp>
     </p:spTree>
+    <p:extLst>
+      <p:ext uri="{BB962C8B-B14F-4D97-AF65-F5344CB8AC3E}">
+        <p14:creationId xmlns:p14="http://schemas.microsoft.com/office/powerpoint/2010/main" val="2597931379"/>
+      </p:ext>
+    </p:extLst>
   </p:cSld>
   <p:clrMapOvr>
     <a:masterClrMapping/>
@@ -1735,54 +3621,158 @@
       </p:grpSpPr>
       <p:sp>
         <p:nvSpPr>
-          <p:cNvPr id="1048646" name="Title 1"/>
+          <p:cNvPr id="10" name="Freeform 6"/>
+          <p:cNvSpPr/>
+          <p:nvPr/>
+        </p:nvSpPr>
+        <p:spPr bwMode="auto">
+          <a:xfrm>
+            <a:off x="0" y="0"/>
+            <a:ext cx="12192000" cy="2185988"/>
+          </a:xfrm>
+          <a:custGeom>
+            <a:avLst/>
+            <a:gdLst/>
+            <a:ahLst/>
+            <a:cxnLst/>
+            <a:rect l="0" t="0" r="r" b="b"/>
+            <a:pathLst>
+              <a:path w="5760" h="1377">
+                <a:moveTo>
+                  <a:pt x="5760" y="0"/>
+                </a:moveTo>
+                <a:lnTo>
+                  <a:pt x="0" y="0"/>
+                </a:lnTo>
+                <a:lnTo>
+                  <a:pt x="0" y="1189"/>
+                </a:lnTo>
+                <a:lnTo>
+                  <a:pt x="943" y="1189"/>
+                </a:lnTo>
+                <a:lnTo>
+                  <a:pt x="1123" y="1369"/>
+                </a:lnTo>
+                <a:lnTo>
+                  <a:pt x="1123" y="1369"/>
+                </a:lnTo>
+                <a:lnTo>
+                  <a:pt x="1127" y="1371"/>
+                </a:lnTo>
+                <a:lnTo>
+                  <a:pt x="1133" y="1374"/>
+                </a:lnTo>
+                <a:lnTo>
+                  <a:pt x="1139" y="1377"/>
+                </a:lnTo>
+                <a:lnTo>
+                  <a:pt x="1144" y="1377"/>
+                </a:lnTo>
+                <a:lnTo>
+                  <a:pt x="1150" y="1377"/>
+                </a:lnTo>
+                <a:lnTo>
+                  <a:pt x="1155" y="1374"/>
+                </a:lnTo>
+                <a:lnTo>
+                  <a:pt x="1161" y="1371"/>
+                </a:lnTo>
+                <a:lnTo>
+                  <a:pt x="1165" y="1369"/>
+                </a:lnTo>
+                <a:lnTo>
+                  <a:pt x="1345" y="1189"/>
+                </a:lnTo>
+                <a:lnTo>
+                  <a:pt x="5760" y="1189"/>
+                </a:lnTo>
+                <a:lnTo>
+                  <a:pt x="5760" y="0"/>
+                </a:lnTo>
+                <a:close/>
+              </a:path>
+            </a:pathLst>
+          </a:custGeom>
+          <a:ln/>
+          <a:extLst>
+            <a:ext uri="{91240B29-F687-4f45-9708-019B960494DF}">
+              <a14:hiddenLine xmlns="" xmlns:a14="http://schemas.microsoft.com/office/drawing/2010/main" w="9525">
+                <a:solidFill>
+                  <a:srgbClr val="000000"/>
+                </a:solidFill>
+                <a:round/>
+                <a:headEnd/>
+                <a:tailEnd/>
+              </a14:hiddenLine>
+            </a:ext>
+          </a:extLst>
+        </p:spPr>
+        <p:style>
+          <a:lnRef idx="1">
+            <a:schemeClr val="accent1"/>
+          </a:lnRef>
+          <a:fillRef idx="3">
+            <a:schemeClr val="accent1"/>
+          </a:fillRef>
+          <a:effectRef idx="2">
+            <a:schemeClr val="accent1"/>
+          </a:effectRef>
+          <a:fontRef idx="minor">
+            <a:schemeClr val="lt1"/>
+          </a:fontRef>
+        </p:style>
+      </p:sp>
+      <p:sp>
+        <p:nvSpPr>
+          <p:cNvPr id="2" name="Title 1"/>
           <p:cNvSpPr>
             <a:spLocks noGrp="1"/>
           </p:cNvSpPr>
           <p:nvPr>
             <p:ph type="title"/>
+          </p:nvPr>
+        </p:nvSpPr>
+        <p:spPr/>
+        <p:txBody>
+          <a:bodyPr/>
+          <a:lstStyle>
+            <a:lvl1pPr>
+              <a:defRPr/>
+            </a:lvl1pPr>
+          </a:lstStyle>
+          <a:p>
+            <a:r>
+              <a:rPr lang="en-US"/>
+              <a:t>Click to edit Master title style</a:t>
+            </a:r>
+            <a:endParaRPr lang="en-US" dirty="0"/>
+          </a:p>
+        </p:txBody>
+      </p:sp>
+      <p:sp>
+        <p:nvSpPr>
+          <p:cNvPr id="3" name="Text Placeholder 2"/>
+          <p:cNvSpPr>
+            <a:spLocks noGrp="1"/>
+          </p:cNvSpPr>
+          <p:nvPr>
+            <p:ph type="body" idx="1"/>
           </p:nvPr>
         </p:nvSpPr>
         <p:spPr>
           <a:xfrm>
-            <a:off x="839788" y="365125"/>
-            <a:ext cx="10515600" cy="1325563"/>
+            <a:off x="814728" y="2174875"/>
+            <a:ext cx="5189857" cy="576262"/>
           </a:xfrm>
         </p:spPr>
         <p:txBody>
-          <a:bodyPr/>
-          <a:lstStyle/>
-          <a:p>
-            <a:r>
-              <a:rPr lang="en-US" smtClean="0"/>
-              <a:t>Click to edit Master title style</a:t>
-            </a:r>
-            <a:endParaRPr lang="tr-TR"/>
-          </a:p>
-        </p:txBody>
-      </p:sp>
-      <p:sp>
-        <p:nvSpPr>
-          <p:cNvPr id="1048647" name="Text Placeholder 2"/>
-          <p:cNvSpPr>
-            <a:spLocks noGrp="1"/>
-          </p:cNvSpPr>
-          <p:nvPr>
-            <p:ph type="body" idx="1"/>
-          </p:nvPr>
-        </p:nvSpPr>
-        <p:spPr>
-          <a:xfrm>
-            <a:off x="839788" y="1681163"/>
-            <a:ext cx="5157787" cy="823912"/>
-          </a:xfrm>
-        </p:spPr>
-        <p:txBody>
-          <a:bodyPr anchor="b"/>
+          <a:bodyPr anchor="b">
+            <a:noAutofit/>
+          </a:bodyPr>
           <a:lstStyle>
-            <a:lvl1pPr marL="0" indent="0">
-              <a:buNone/>
-              <a:defRPr sz="2400" b="1"/>
+            <a:lvl1pPr marL="0" indent="0" algn="ctr">
+              <a:buNone/>
+              <a:defRPr sz="2000" b="0"/>
             </a:lvl1pPr>
             <a:lvl2pPr marL="457200" indent="0">
               <a:buNone/>
@@ -1820,15 +3810,15 @@
           <a:p>
             <a:pPr lvl="0"/>
             <a:r>
-              <a:rPr lang="en-US" smtClean="0"/>
-              <a:t>Edit Master text styles</a:t>
-            </a:r>
-          </a:p>
-        </p:txBody>
-      </p:sp>
-      <p:sp>
-        <p:nvSpPr>
-          <p:cNvPr id="1048648" name="Content Placeholder 3"/>
+              <a:rPr lang="en-US"/>
+              <a:t>Click to edit Master text styles</a:t>
+            </a:r>
+          </a:p>
+        </p:txBody>
+      </p:sp>
+      <p:sp>
+        <p:nvSpPr>
+          <p:cNvPr id="4" name="Content Placeholder 3"/>
           <p:cNvSpPr>
             <a:spLocks noGrp="1"/>
           </p:cNvSpPr>
@@ -1838,54 +3828,56 @@
         </p:nvSpPr>
         <p:spPr>
           <a:xfrm>
-            <a:off x="839788" y="2505075"/>
-            <a:ext cx="5157787" cy="3684588"/>
+            <a:off x="814729" y="2751138"/>
+            <a:ext cx="5189856" cy="3109913"/>
           </a:xfrm>
         </p:spPr>
         <p:txBody>
-          <a:bodyPr/>
+          <a:bodyPr anchor="t">
+            <a:normAutofit/>
+          </a:bodyPr>
           <a:lstStyle/>
           <a:p>
             <a:pPr lvl="0"/>
             <a:r>
-              <a:rPr lang="en-US" smtClean="0"/>
-              <a:t>Edit Master text styles</a:t>
+              <a:rPr lang="en-US"/>
+              <a:t>Click to edit Master text styles</a:t>
             </a:r>
           </a:p>
           <a:p>
             <a:pPr lvl="1"/>
             <a:r>
-              <a:rPr lang="en-US" smtClean="0"/>
+              <a:rPr lang="en-US"/>
               <a:t>Second level</a:t>
             </a:r>
           </a:p>
           <a:p>
             <a:pPr lvl="2"/>
             <a:r>
-              <a:rPr lang="en-US" smtClean="0"/>
+              <a:rPr lang="en-US"/>
               <a:t>Third level</a:t>
             </a:r>
           </a:p>
           <a:p>
             <a:pPr lvl="3"/>
             <a:r>
-              <a:rPr lang="en-US" smtClean="0"/>
+              <a:rPr lang="en-US"/>
               <a:t>Fourth level</a:t>
             </a:r>
           </a:p>
           <a:p>
             <a:pPr lvl="4"/>
             <a:r>
-              <a:rPr lang="en-US" smtClean="0"/>
+              <a:rPr lang="en-US"/>
               <a:t>Fifth level</a:t>
             </a:r>
-            <a:endParaRPr lang="tr-TR"/>
-          </a:p>
-        </p:txBody>
-      </p:sp>
-      <p:sp>
-        <p:nvSpPr>
-          <p:cNvPr id="1048649" name="Text Placeholder 4"/>
+            <a:endParaRPr lang="en-US" dirty="0"/>
+          </a:p>
+        </p:txBody>
+      </p:sp>
+      <p:sp>
+        <p:nvSpPr>
+          <p:cNvPr id="5" name="Text Placeholder 4"/>
           <p:cNvSpPr>
             <a:spLocks noGrp="1"/>
           </p:cNvSpPr>
@@ -1895,16 +3887,18 @@
         </p:nvSpPr>
         <p:spPr>
           <a:xfrm>
-            <a:off x="6172200" y="1681163"/>
-            <a:ext cx="5183188" cy="823912"/>
+            <a:off x="6187415" y="2174875"/>
+            <a:ext cx="5194583" cy="576262"/>
           </a:xfrm>
         </p:spPr>
         <p:txBody>
-          <a:bodyPr anchor="b"/>
+          <a:bodyPr anchor="b">
+            <a:noAutofit/>
+          </a:bodyPr>
           <a:lstStyle>
-            <a:lvl1pPr marL="0" indent="0">
-              <a:buNone/>
-              <a:defRPr sz="2400" b="1"/>
+            <a:lvl1pPr marL="0" indent="0" algn="ctr">
+              <a:buNone/>
+              <a:defRPr sz="2000" b="0"/>
             </a:lvl1pPr>
             <a:lvl2pPr marL="457200" indent="0">
               <a:buNone/>
@@ -1942,15 +3936,15 @@
           <a:p>
             <a:pPr lvl="0"/>
             <a:r>
-              <a:rPr lang="en-US" smtClean="0"/>
-              <a:t>Edit Master text styles</a:t>
-            </a:r>
-          </a:p>
-        </p:txBody>
-      </p:sp>
-      <p:sp>
-        <p:nvSpPr>
-          <p:cNvPr id="1048650" name="Content Placeholder 5"/>
+              <a:rPr lang="en-US"/>
+              <a:t>Click to edit Master text styles</a:t>
+            </a:r>
+          </a:p>
+        </p:txBody>
+      </p:sp>
+      <p:sp>
+        <p:nvSpPr>
+          <p:cNvPr id="6" name="Content Placeholder 5"/>
           <p:cNvSpPr>
             <a:spLocks noGrp="1"/>
           </p:cNvSpPr>
@@ -1960,54 +3954,56 @@
         </p:nvSpPr>
         <p:spPr>
           <a:xfrm>
-            <a:off x="6172200" y="2505075"/>
-            <a:ext cx="5183188" cy="3684588"/>
+            <a:off x="6187415" y="2751138"/>
+            <a:ext cx="5194583" cy="3109913"/>
           </a:xfrm>
         </p:spPr>
         <p:txBody>
-          <a:bodyPr/>
+          <a:bodyPr anchor="t">
+            <a:normAutofit/>
+          </a:bodyPr>
           <a:lstStyle/>
           <a:p>
             <a:pPr lvl="0"/>
             <a:r>
-              <a:rPr lang="en-US" smtClean="0"/>
-              <a:t>Edit Master text styles</a:t>
+              <a:rPr lang="en-US"/>
+              <a:t>Click to edit Master text styles</a:t>
             </a:r>
           </a:p>
           <a:p>
             <a:pPr lvl="1"/>
             <a:r>
-              <a:rPr lang="en-US" smtClean="0"/>
+              <a:rPr lang="en-US"/>
               <a:t>Second level</a:t>
             </a:r>
           </a:p>
           <a:p>
             <a:pPr lvl="2"/>
             <a:r>
-              <a:rPr lang="en-US" smtClean="0"/>
+              <a:rPr lang="en-US"/>
               <a:t>Third level</a:t>
             </a:r>
           </a:p>
           <a:p>
             <a:pPr lvl="3"/>
             <a:r>
-              <a:rPr lang="en-US" smtClean="0"/>
+              <a:rPr lang="en-US"/>
               <a:t>Fourth level</a:t>
             </a:r>
           </a:p>
           <a:p>
             <a:pPr lvl="4"/>
             <a:r>
-              <a:rPr lang="en-US" smtClean="0"/>
+              <a:rPr lang="en-US"/>
               <a:t>Fifth level</a:t>
             </a:r>
-            <a:endParaRPr lang="tr-TR"/>
-          </a:p>
-        </p:txBody>
-      </p:sp>
-      <p:sp>
-        <p:nvSpPr>
-          <p:cNvPr id="1048651" name="Date Placeholder 6"/>
+            <a:endParaRPr lang="en-US" dirty="0"/>
+          </a:p>
+        </p:txBody>
+      </p:sp>
+      <p:sp>
+        <p:nvSpPr>
+          <p:cNvPr id="7" name="Date Placeholder 6"/>
           <p:cNvSpPr>
             <a:spLocks noGrp="1"/>
           </p:cNvSpPr>
@@ -2022,7 +4018,7 @@
           <a:p>
             <a:fld id="{1DE4C539-8B9A-42F0-A20B-3B28733C0C95}" type="datetimeFigureOut">
               <a:rPr lang="tr-TR" smtClean="0"/>
-              <a:t>23.11.2020</a:t>
+              <a:t>24.11.2020</a:t>
             </a:fld>
             <a:endParaRPr lang="tr-TR"/>
           </a:p>
@@ -2030,7 +4026,7 @@
       </p:sp>
       <p:sp>
         <p:nvSpPr>
-          <p:cNvPr id="1048652" name="Footer Placeholder 7"/>
+          <p:cNvPr id="8" name="Footer Placeholder 7"/>
           <p:cNvSpPr>
             <a:spLocks noGrp="1"/>
           </p:cNvSpPr>
@@ -2049,7 +4045,7 @@
       </p:sp>
       <p:sp>
         <p:nvSpPr>
-          <p:cNvPr id="1048653" name="Slide Number Placeholder 8"/>
+          <p:cNvPr id="9" name="Slide Number Placeholder 8"/>
           <p:cNvSpPr>
             <a:spLocks noGrp="1"/>
           </p:cNvSpPr>
@@ -2071,6 +4067,11 @@
         </p:txBody>
       </p:sp>
     </p:spTree>
+    <p:extLst>
+      <p:ext uri="{BB962C8B-B14F-4D97-AF65-F5344CB8AC3E}">
+        <p14:creationId xmlns:p14="http://schemas.microsoft.com/office/powerpoint/2010/main" val="1321533457"/>
+      </p:ext>
+    </p:extLst>
   </p:cSld>
   <p:clrMapOvr>
     <a:masterClrMapping/>
@@ -2097,7 +4098,110 @@
       </p:grpSpPr>
       <p:sp>
         <p:nvSpPr>
-          <p:cNvPr id="1048615" name="Title 1"/>
+          <p:cNvPr id="6" name="Freeform 6"/>
+          <p:cNvSpPr/>
+          <p:nvPr/>
+        </p:nvSpPr>
+        <p:spPr bwMode="auto">
+          <a:xfrm>
+            <a:off x="0" y="0"/>
+            <a:ext cx="12192000" cy="2185988"/>
+          </a:xfrm>
+          <a:custGeom>
+            <a:avLst/>
+            <a:gdLst/>
+            <a:ahLst/>
+            <a:cxnLst/>
+            <a:rect l="0" t="0" r="r" b="b"/>
+            <a:pathLst>
+              <a:path w="5760" h="1377">
+                <a:moveTo>
+                  <a:pt x="5760" y="0"/>
+                </a:moveTo>
+                <a:lnTo>
+                  <a:pt x="0" y="0"/>
+                </a:lnTo>
+                <a:lnTo>
+                  <a:pt x="0" y="1189"/>
+                </a:lnTo>
+                <a:lnTo>
+                  <a:pt x="943" y="1189"/>
+                </a:lnTo>
+                <a:lnTo>
+                  <a:pt x="1123" y="1369"/>
+                </a:lnTo>
+                <a:lnTo>
+                  <a:pt x="1123" y="1369"/>
+                </a:lnTo>
+                <a:lnTo>
+                  <a:pt x="1127" y="1371"/>
+                </a:lnTo>
+                <a:lnTo>
+                  <a:pt x="1133" y="1374"/>
+                </a:lnTo>
+                <a:lnTo>
+                  <a:pt x="1139" y="1377"/>
+                </a:lnTo>
+                <a:lnTo>
+                  <a:pt x="1144" y="1377"/>
+                </a:lnTo>
+                <a:lnTo>
+                  <a:pt x="1150" y="1377"/>
+                </a:lnTo>
+                <a:lnTo>
+                  <a:pt x="1155" y="1374"/>
+                </a:lnTo>
+                <a:lnTo>
+                  <a:pt x="1161" y="1371"/>
+                </a:lnTo>
+                <a:lnTo>
+                  <a:pt x="1165" y="1369"/>
+                </a:lnTo>
+                <a:lnTo>
+                  <a:pt x="1345" y="1189"/>
+                </a:lnTo>
+                <a:lnTo>
+                  <a:pt x="5760" y="1189"/>
+                </a:lnTo>
+                <a:lnTo>
+                  <a:pt x="5760" y="0"/>
+                </a:lnTo>
+                <a:close/>
+              </a:path>
+            </a:pathLst>
+          </a:custGeom>
+          <a:ln/>
+          <a:extLst>
+            <a:ext uri="{91240B29-F687-4f45-9708-019B960494DF}">
+              <a14:hiddenLine xmlns="" xmlns:a14="http://schemas.microsoft.com/office/drawing/2010/main" w="9525">
+                <a:solidFill>
+                  <a:srgbClr val="000000"/>
+                </a:solidFill>
+                <a:round/>
+                <a:headEnd/>
+                <a:tailEnd/>
+              </a14:hiddenLine>
+            </a:ext>
+          </a:extLst>
+        </p:spPr>
+        <p:style>
+          <a:lnRef idx="1">
+            <a:schemeClr val="accent1"/>
+          </a:lnRef>
+          <a:fillRef idx="3">
+            <a:schemeClr val="accent1"/>
+          </a:fillRef>
+          <a:effectRef idx="2">
+            <a:schemeClr val="accent1"/>
+          </a:effectRef>
+          <a:fontRef idx="minor">
+            <a:schemeClr val="lt1"/>
+          </a:fontRef>
+        </p:style>
+      </p:sp>
+      <p:sp>
+        <p:nvSpPr>
+          <p:cNvPr id="2" name="Title 1"/>
           <p:cNvSpPr>
             <a:spLocks noGrp="1"/>
           </p:cNvSpPr>
@@ -2111,16 +4215,16 @@
           <a:lstStyle/>
           <a:p>
             <a:r>
-              <a:rPr lang="en-US" smtClean="0"/>
+              <a:rPr lang="en-US"/>
               <a:t>Click to edit Master title style</a:t>
             </a:r>
-            <a:endParaRPr lang="tr-TR"/>
-          </a:p>
-        </p:txBody>
-      </p:sp>
-      <p:sp>
-        <p:nvSpPr>
-          <p:cNvPr id="1048616" name="Date Placeholder 2"/>
+            <a:endParaRPr lang="en-US" dirty="0"/>
+          </a:p>
+        </p:txBody>
+      </p:sp>
+      <p:sp>
+        <p:nvSpPr>
+          <p:cNvPr id="3" name="Date Placeholder 2"/>
           <p:cNvSpPr>
             <a:spLocks noGrp="1"/>
           </p:cNvSpPr>
@@ -2135,7 +4239,7 @@
           <a:p>
             <a:fld id="{1DE4C539-8B9A-42F0-A20B-3B28733C0C95}" type="datetimeFigureOut">
               <a:rPr lang="tr-TR" smtClean="0"/>
-              <a:t>23.11.2020</a:t>
+              <a:t>24.11.2020</a:t>
             </a:fld>
             <a:endParaRPr lang="tr-TR"/>
           </a:p>
@@ -2143,7 +4247,7 @@
       </p:sp>
       <p:sp>
         <p:nvSpPr>
-          <p:cNvPr id="1048617" name="Footer Placeholder 3"/>
+          <p:cNvPr id="4" name="Footer Placeholder 3"/>
           <p:cNvSpPr>
             <a:spLocks noGrp="1"/>
           </p:cNvSpPr>
@@ -2162,7 +4266,7 @@
       </p:sp>
       <p:sp>
         <p:nvSpPr>
-          <p:cNvPr id="1048618" name="Slide Number Placeholder 4"/>
+          <p:cNvPr id="5" name="Slide Number Placeholder 4"/>
           <p:cNvSpPr>
             <a:spLocks noGrp="1"/>
           </p:cNvSpPr>
@@ -2184,6 +4288,11 @@
         </p:txBody>
       </p:sp>
     </p:spTree>
+    <p:extLst>
+      <p:ext uri="{BB962C8B-B14F-4D97-AF65-F5344CB8AC3E}">
+        <p14:creationId xmlns:p14="http://schemas.microsoft.com/office/powerpoint/2010/main" val="2911758460"/>
+      </p:ext>
+    </p:extLst>
   </p:cSld>
   <p:clrMapOvr>
     <a:masterClrMapping/>
@@ -2210,7 +4319,7 @@
       </p:grpSpPr>
       <p:sp>
         <p:nvSpPr>
-          <p:cNvPr id="1048654" name="Date Placeholder 1"/>
+          <p:cNvPr id="2" name="Date Placeholder 1"/>
           <p:cNvSpPr>
             <a:spLocks noGrp="1"/>
           </p:cNvSpPr>
@@ -2225,7 +4334,7 @@
           <a:p>
             <a:fld id="{1DE4C539-8B9A-42F0-A20B-3B28733C0C95}" type="datetimeFigureOut">
               <a:rPr lang="tr-TR" smtClean="0"/>
-              <a:t>23.11.2020</a:t>
+              <a:t>24.11.2020</a:t>
             </a:fld>
             <a:endParaRPr lang="tr-TR"/>
           </a:p>
@@ -2233,7 +4342,7 @@
       </p:sp>
       <p:sp>
         <p:nvSpPr>
-          <p:cNvPr id="1048655" name="Footer Placeholder 2"/>
+          <p:cNvPr id="3" name="Footer Placeholder 2"/>
           <p:cNvSpPr>
             <a:spLocks noGrp="1"/>
           </p:cNvSpPr>
@@ -2252,7 +4361,7 @@
       </p:sp>
       <p:sp>
         <p:nvSpPr>
-          <p:cNvPr id="1048656" name="Slide Number Placeholder 3"/>
+          <p:cNvPr id="4" name="Slide Number Placeholder 3"/>
           <p:cNvSpPr>
             <a:spLocks noGrp="1"/>
           </p:cNvSpPr>
@@ -2274,6 +4383,11 @@
         </p:txBody>
       </p:sp>
     </p:spTree>
+    <p:extLst>
+      <p:ext uri="{BB962C8B-B14F-4D97-AF65-F5344CB8AC3E}">
+        <p14:creationId xmlns:p14="http://schemas.microsoft.com/office/powerpoint/2010/main" val="372291379"/>
+      </p:ext>
+    </p:extLst>
   </p:cSld>
   <p:clrMapOvr>
     <a:masterClrMapping/>
@@ -2300,7 +4414,223 @@
       </p:grpSpPr>
       <p:sp>
         <p:nvSpPr>
-          <p:cNvPr id="1048657" name="Title 1"/>
+          <p:cNvPr id="12" name="Freeform 6"/>
+          <p:cNvSpPr>
+            <a:spLocks noChangeAspect="1"/>
+          </p:cNvSpPr>
+          <p:nvPr/>
+        </p:nvSpPr>
+        <p:spPr bwMode="auto">
+          <a:xfrm>
+            <a:off x="1073151" y="446087"/>
+            <a:ext cx="3547533" cy="1814651"/>
+          </a:xfrm>
+          <a:custGeom>
+            <a:avLst/>
+            <a:gdLst/>
+            <a:ahLst/>
+            <a:cxnLst/>
+            <a:rect l="0" t="0" r="r" b="b"/>
+            <a:pathLst>
+              <a:path w="3384" h="2308">
+                <a:moveTo>
+                  <a:pt x="3340" y="0"/>
+                </a:moveTo>
+                <a:lnTo>
+                  <a:pt x="44" y="0"/>
+                </a:lnTo>
+                <a:lnTo>
+                  <a:pt x="44" y="0"/>
+                </a:lnTo>
+                <a:lnTo>
+                  <a:pt x="34" y="0"/>
+                </a:lnTo>
+                <a:lnTo>
+                  <a:pt x="26" y="4"/>
+                </a:lnTo>
+                <a:lnTo>
+                  <a:pt x="20" y="8"/>
+                </a:lnTo>
+                <a:lnTo>
+                  <a:pt x="12" y="12"/>
+                </a:lnTo>
+                <a:lnTo>
+                  <a:pt x="8" y="20"/>
+                </a:lnTo>
+                <a:lnTo>
+                  <a:pt x="4" y="26"/>
+                </a:lnTo>
+                <a:lnTo>
+                  <a:pt x="0" y="34"/>
+                </a:lnTo>
+                <a:lnTo>
+                  <a:pt x="0" y="44"/>
+                </a:lnTo>
+                <a:lnTo>
+                  <a:pt x="0" y="2076"/>
+                </a:lnTo>
+                <a:lnTo>
+                  <a:pt x="0" y="2076"/>
+                </a:lnTo>
+                <a:lnTo>
+                  <a:pt x="0" y="2086"/>
+                </a:lnTo>
+                <a:lnTo>
+                  <a:pt x="4" y="2094"/>
+                </a:lnTo>
+                <a:lnTo>
+                  <a:pt x="8" y="2100"/>
+                </a:lnTo>
+                <a:lnTo>
+                  <a:pt x="12" y="2108"/>
+                </a:lnTo>
+                <a:lnTo>
+                  <a:pt x="20" y="2112"/>
+                </a:lnTo>
+                <a:lnTo>
+                  <a:pt x="26" y="2116"/>
+                </a:lnTo>
+                <a:lnTo>
+                  <a:pt x="34" y="2120"/>
+                </a:lnTo>
+                <a:lnTo>
+                  <a:pt x="44" y="2120"/>
+                </a:lnTo>
+                <a:lnTo>
+                  <a:pt x="474" y="2120"/>
+                </a:lnTo>
+                <a:lnTo>
+                  <a:pt x="650" y="2296"/>
+                </a:lnTo>
+                <a:lnTo>
+                  <a:pt x="650" y="2296"/>
+                </a:lnTo>
+                <a:lnTo>
+                  <a:pt x="656" y="2300"/>
+                </a:lnTo>
+                <a:lnTo>
+                  <a:pt x="664" y="2304"/>
+                </a:lnTo>
+                <a:lnTo>
+                  <a:pt x="672" y="2308"/>
+                </a:lnTo>
+                <a:lnTo>
+                  <a:pt x="680" y="2308"/>
+                </a:lnTo>
+                <a:lnTo>
+                  <a:pt x="688" y="2308"/>
+                </a:lnTo>
+                <a:lnTo>
+                  <a:pt x="696" y="2304"/>
+                </a:lnTo>
+                <a:lnTo>
+                  <a:pt x="704" y="2300"/>
+                </a:lnTo>
+                <a:lnTo>
+                  <a:pt x="710" y="2296"/>
+                </a:lnTo>
+                <a:lnTo>
+                  <a:pt x="886" y="2120"/>
+                </a:lnTo>
+                <a:lnTo>
+                  <a:pt x="3340" y="2120"/>
+                </a:lnTo>
+                <a:lnTo>
+                  <a:pt x="3340" y="2120"/>
+                </a:lnTo>
+                <a:lnTo>
+                  <a:pt x="3350" y="2120"/>
+                </a:lnTo>
+                <a:lnTo>
+                  <a:pt x="3358" y="2116"/>
+                </a:lnTo>
+                <a:lnTo>
+                  <a:pt x="3364" y="2112"/>
+                </a:lnTo>
+                <a:lnTo>
+                  <a:pt x="3372" y="2108"/>
+                </a:lnTo>
+                <a:lnTo>
+                  <a:pt x="3376" y="2100"/>
+                </a:lnTo>
+                <a:lnTo>
+                  <a:pt x="3380" y="2094"/>
+                </a:lnTo>
+                <a:lnTo>
+                  <a:pt x="3384" y="2086"/>
+                </a:lnTo>
+                <a:lnTo>
+                  <a:pt x="3384" y="2076"/>
+                </a:lnTo>
+                <a:lnTo>
+                  <a:pt x="3384" y="44"/>
+                </a:lnTo>
+                <a:lnTo>
+                  <a:pt x="3384" y="44"/>
+                </a:lnTo>
+                <a:lnTo>
+                  <a:pt x="3384" y="34"/>
+                </a:lnTo>
+                <a:lnTo>
+                  <a:pt x="3380" y="26"/>
+                </a:lnTo>
+                <a:lnTo>
+                  <a:pt x="3376" y="20"/>
+                </a:lnTo>
+                <a:lnTo>
+                  <a:pt x="3372" y="12"/>
+                </a:lnTo>
+                <a:lnTo>
+                  <a:pt x="3364" y="8"/>
+                </a:lnTo>
+                <a:lnTo>
+                  <a:pt x="3358" y="4"/>
+                </a:lnTo>
+                <a:lnTo>
+                  <a:pt x="3350" y="0"/>
+                </a:lnTo>
+                <a:lnTo>
+                  <a:pt x="3340" y="0"/>
+                </a:lnTo>
+                <a:lnTo>
+                  <a:pt x="3340" y="0"/>
+                </a:lnTo>
+                <a:close/>
+              </a:path>
+            </a:pathLst>
+          </a:custGeom>
+          <a:ln/>
+          <a:extLst>
+            <a:ext uri="{91240B29-F687-4f45-9708-019B960494DF}">
+              <a14:hiddenLine xmlns="" xmlns:a14="http://schemas.microsoft.com/office/drawing/2010/main" w="9525">
+                <a:solidFill>
+                  <a:srgbClr val="000000"/>
+                </a:solidFill>
+                <a:round/>
+                <a:headEnd/>
+                <a:tailEnd/>
+              </a14:hiddenLine>
+            </a:ext>
+          </a:extLst>
+        </p:spPr>
+        <p:style>
+          <a:lnRef idx="1">
+            <a:schemeClr val="accent1"/>
+          </a:lnRef>
+          <a:fillRef idx="3">
+            <a:schemeClr val="accent1"/>
+          </a:fillRef>
+          <a:effectRef idx="2">
+            <a:schemeClr val="accent1"/>
+          </a:effectRef>
+          <a:fontRef idx="minor">
+            <a:schemeClr val="lt1"/>
+          </a:fontRef>
+        </p:style>
+      </p:sp>
+      <p:sp>
+        <p:nvSpPr>
+          <p:cNvPr id="2" name="Title 1"/>
           <p:cNvSpPr>
             <a:spLocks noGrp="1"/>
           </p:cNvSpPr>
@@ -2310,29 +4640,29 @@
         </p:nvSpPr>
         <p:spPr>
           <a:xfrm>
-            <a:off x="839788" y="457200"/>
-            <a:ext cx="3932237" cy="1600200"/>
+            <a:off x="1073151" y="446088"/>
+            <a:ext cx="3547533" cy="1618396"/>
           </a:xfrm>
         </p:spPr>
         <p:txBody>
           <a:bodyPr anchor="b"/>
           <a:lstStyle>
-            <a:lvl1pPr>
-              <a:defRPr sz="3200"/>
+            <a:lvl1pPr algn="l">
+              <a:defRPr sz="2000" b="1"/>
             </a:lvl1pPr>
           </a:lstStyle>
           <a:p>
             <a:r>
-              <a:rPr lang="en-US" smtClean="0"/>
+              <a:rPr lang="en-US"/>
               <a:t>Click to edit Master title style</a:t>
             </a:r>
-            <a:endParaRPr lang="tr-TR"/>
-          </a:p>
-        </p:txBody>
-      </p:sp>
-      <p:sp>
-        <p:nvSpPr>
-          <p:cNvPr id="1048658" name="Content Placeholder 2"/>
+            <a:endParaRPr lang="en-US" dirty="0"/>
+          </a:p>
+        </p:txBody>
+      </p:sp>
+      <p:sp>
+        <p:nvSpPr>
+          <p:cNvPr id="3" name="Content Placeholder 2"/>
           <p:cNvSpPr>
             <a:spLocks noGrp="1"/>
           </p:cNvSpPr>
@@ -2342,82 +4672,56 @@
         </p:nvSpPr>
         <p:spPr>
           <a:xfrm>
-            <a:off x="5183188" y="987425"/>
-            <a:ext cx="6172200" cy="4873625"/>
+            <a:off x="4855633" y="446088"/>
+            <a:ext cx="6252633" cy="5414963"/>
           </a:xfrm>
         </p:spPr>
         <p:txBody>
-          <a:bodyPr/>
-          <a:lstStyle>
-            <a:lvl1pPr>
-              <a:defRPr sz="3200"/>
-            </a:lvl1pPr>
-            <a:lvl2pPr>
-              <a:defRPr sz="2800"/>
-            </a:lvl2pPr>
-            <a:lvl3pPr>
-              <a:defRPr sz="2400"/>
-            </a:lvl3pPr>
-            <a:lvl4pPr>
-              <a:defRPr sz="2000"/>
-            </a:lvl4pPr>
-            <a:lvl5pPr>
-              <a:defRPr sz="2000"/>
-            </a:lvl5pPr>
-            <a:lvl6pPr>
-              <a:defRPr sz="2000"/>
-            </a:lvl6pPr>
-            <a:lvl7pPr>
-              <a:defRPr sz="2000"/>
-            </a:lvl7pPr>
-            <a:lvl8pPr>
-              <a:defRPr sz="2000"/>
-            </a:lvl8pPr>
-            <a:lvl9pPr>
-              <a:defRPr sz="2000"/>
-            </a:lvl9pPr>
-          </a:lstStyle>
+          <a:bodyPr>
+            <a:normAutofit/>
+          </a:bodyPr>
+          <a:lstStyle/>
           <a:p>
             <a:pPr lvl="0"/>
             <a:r>
-              <a:rPr lang="en-US" smtClean="0"/>
-              <a:t>Edit Master text styles</a:t>
+              <a:rPr lang="en-US"/>
+              <a:t>Click to edit Master text styles</a:t>
             </a:r>
           </a:p>
           <a:p>
             <a:pPr lvl="1"/>
             <a:r>
-              <a:rPr lang="en-US" smtClean="0"/>
+              <a:rPr lang="en-US"/>
               <a:t>Second level</a:t>
             </a:r>
           </a:p>
           <a:p>
             <a:pPr lvl="2"/>
             <a:r>
-              <a:rPr lang="en-US" smtClean="0"/>
+              <a:rPr lang="en-US"/>
               <a:t>Third level</a:t>
             </a:r>
           </a:p>
           <a:p>
             <a:pPr lvl="3"/>
             <a:r>
-              <a:rPr lang="en-US" smtClean="0"/>
+              <a:rPr lang="en-US"/>
               <a:t>Fourth level</a:t>
             </a:r>
           </a:p>
           <a:p>
             <a:pPr lvl="4"/>
             <a:r>
-              <a:rPr lang="en-US" smtClean="0"/>
+              <a:rPr lang="en-US"/>
               <a:t>Fifth level</a:t>
             </a:r>
-            <a:endParaRPr lang="tr-TR"/>
-          </a:p>
-        </p:txBody>
-      </p:sp>
-      <p:sp>
-        <p:nvSpPr>
-          <p:cNvPr id="1048659" name="Text Placeholder 3"/>
+            <a:endParaRPr lang="en-US" dirty="0"/>
+          </a:p>
+        </p:txBody>
+      </p:sp>
+      <p:sp>
+        <p:nvSpPr>
+          <p:cNvPr id="4" name="Text Placeholder 3"/>
           <p:cNvSpPr>
             <a:spLocks noGrp="1"/>
           </p:cNvSpPr>
@@ -2427,8 +4731,8 @@
         </p:nvSpPr>
         <p:spPr>
           <a:xfrm>
-            <a:off x="839788" y="2057400"/>
-            <a:ext cx="3932237" cy="3811588"/>
+            <a:off x="1073151" y="2260738"/>
+            <a:ext cx="3547533" cy="3600311"/>
           </a:xfrm>
         </p:spPr>
         <p:txBody>
@@ -2436,53 +4740,53 @@
           <a:lstStyle>
             <a:lvl1pPr marL="0" indent="0">
               <a:buNone/>
-              <a:defRPr sz="1600"/>
+              <a:defRPr sz="1400"/>
             </a:lvl1pPr>
             <a:lvl2pPr marL="457200" indent="0">
               <a:buNone/>
-              <a:defRPr sz="1400"/>
+              <a:defRPr sz="1200"/>
             </a:lvl2pPr>
             <a:lvl3pPr marL="914400" indent="0">
               <a:buNone/>
-              <a:defRPr sz="1200"/>
+              <a:defRPr sz="1000"/>
             </a:lvl3pPr>
             <a:lvl4pPr marL="1371600" indent="0">
               <a:buNone/>
-              <a:defRPr sz="1000"/>
+              <a:defRPr sz="900"/>
             </a:lvl4pPr>
             <a:lvl5pPr marL="1828800" indent="0">
               <a:buNone/>
-              <a:defRPr sz="1000"/>
+              <a:defRPr sz="900"/>
             </a:lvl5pPr>
             <a:lvl6pPr marL="2286000" indent="0">
               <a:buNone/>
-              <a:defRPr sz="1000"/>
+              <a:defRPr sz="900"/>
             </a:lvl6pPr>
             <a:lvl7pPr marL="2743200" indent="0">
               <a:buNone/>
-              <a:defRPr sz="1000"/>
+              <a:defRPr sz="900"/>
             </a:lvl7pPr>
             <a:lvl8pPr marL="3200400" indent="0">
               <a:buNone/>
-              <a:defRPr sz="1000"/>
+              <a:defRPr sz="900"/>
             </a:lvl8pPr>
             <a:lvl9pPr marL="3657600" indent="0">
               <a:buNone/>
-              <a:defRPr sz="1000"/>
+              <a:defRPr sz="900"/>
             </a:lvl9pPr>
           </a:lstStyle>
           <a:p>
             <a:pPr lvl="0"/>
             <a:r>
-              <a:rPr lang="en-US" smtClean="0"/>
-              <a:t>Edit Master text styles</a:t>
-            </a:r>
-          </a:p>
-        </p:txBody>
-      </p:sp>
-      <p:sp>
-        <p:nvSpPr>
-          <p:cNvPr id="1048660" name="Date Placeholder 4"/>
+              <a:rPr lang="en-US"/>
+              <a:t>Click to edit Master text styles</a:t>
+            </a:r>
+          </a:p>
+        </p:txBody>
+      </p:sp>
+      <p:sp>
+        <p:nvSpPr>
+          <p:cNvPr id="5" name="Date Placeholder 4"/>
           <p:cNvSpPr>
             <a:spLocks noGrp="1"/>
           </p:cNvSpPr>
@@ -2497,7 +4801,7 @@
           <a:p>
             <a:fld id="{1DE4C539-8B9A-42F0-A20B-3B28733C0C95}" type="datetimeFigureOut">
               <a:rPr lang="tr-TR" smtClean="0"/>
-              <a:t>23.11.2020</a:t>
+              <a:t>24.11.2020</a:t>
             </a:fld>
             <a:endParaRPr lang="tr-TR"/>
           </a:p>
@@ -2505,7 +4809,7 @@
       </p:sp>
       <p:sp>
         <p:nvSpPr>
-          <p:cNvPr id="1048661" name="Footer Placeholder 5"/>
+          <p:cNvPr id="6" name="Footer Placeholder 5"/>
           <p:cNvSpPr>
             <a:spLocks noGrp="1"/>
           </p:cNvSpPr>
@@ -2524,7 +4828,7 @@
       </p:sp>
       <p:sp>
         <p:nvSpPr>
-          <p:cNvPr id="1048662" name="Slide Number Placeholder 6"/>
+          <p:cNvPr id="7" name="Slide Number Placeholder 6"/>
           <p:cNvSpPr>
             <a:spLocks noGrp="1"/>
           </p:cNvSpPr>
@@ -2546,6 +4850,11 @@
         </p:txBody>
       </p:sp>
     </p:spTree>
+    <p:extLst>
+      <p:ext uri="{BB962C8B-B14F-4D97-AF65-F5344CB8AC3E}">
+        <p14:creationId xmlns:p14="http://schemas.microsoft.com/office/powerpoint/2010/main" val="357597387"/>
+      </p:ext>
+    </p:extLst>
   </p:cSld>
   <p:clrMapOvr>
     <a:masterClrMapping/>
@@ -2572,7 +4881,7 @@
       </p:grpSpPr>
       <p:sp>
         <p:nvSpPr>
-          <p:cNvPr id="1048624" name="Title 1"/>
+          <p:cNvPr id="2" name="Title 1"/>
           <p:cNvSpPr>
             <a:spLocks noGrp="1"/>
           </p:cNvSpPr>
@@ -2582,170 +4891,230 @@
         </p:nvSpPr>
         <p:spPr>
           <a:xfrm>
-            <a:off x="839788" y="457200"/>
-            <a:ext cx="3932237" cy="1600200"/>
+            <a:off x="814728" y="727522"/>
+            <a:ext cx="4852988" cy="1617163"/>
           </a:xfrm>
         </p:spPr>
         <p:txBody>
-          <a:bodyPr anchor="b"/>
+          <a:bodyPr anchor="b">
+            <a:normAutofit/>
+          </a:bodyPr>
           <a:lstStyle>
-            <a:lvl1pPr>
-              <a:defRPr sz="3200"/>
+            <a:lvl1pPr algn="l">
+              <a:defRPr sz="2400" b="0"/>
             </a:lvl1pPr>
           </a:lstStyle>
           <a:p>
             <a:r>
-              <a:rPr lang="en-US" smtClean="0"/>
+              <a:rPr lang="en-US"/>
               <a:t>Click to edit Master title style</a:t>
             </a:r>
-            <a:endParaRPr lang="tr-TR"/>
-          </a:p>
-        </p:txBody>
-      </p:sp>
-      <p:sp>
-        <p:nvSpPr>
-          <p:cNvPr id="1048625" name="Picture Placeholder 2"/>
-          <p:cNvSpPr>
-            <a:spLocks noGrp="1"/>
-          </p:cNvSpPr>
-          <p:nvPr>
-            <p:ph type="pic" idx="1"/>
+            <a:endParaRPr lang="en-US" dirty="0"/>
+          </a:p>
+        </p:txBody>
+      </p:sp>
+      <p:sp>
+        <p:nvSpPr>
+          <p:cNvPr id="9" name="Picture Placeholder 11"/>
+          <p:cNvSpPr>
+            <a:spLocks noGrp="1" noChangeAspect="1"/>
+          </p:cNvSpPr>
+          <p:nvPr>
+            <p:ph type="pic" sz="quarter" idx="13"/>
+          </p:nvPr>
+        </p:nvSpPr>
+        <p:spPr bwMode="auto">
+          <a:xfrm>
+            <a:off x="6098117" y="0"/>
+            <a:ext cx="6093883" cy="6858000"/>
+          </a:xfrm>
+          <a:custGeom>
+            <a:avLst/>
+            <a:gdLst/>
+            <a:ahLst/>
+            <a:cxnLst/>
+            <a:rect l="0" t="0" r="r" b="b"/>
+            <a:pathLst>
+              <a:path w="2879" h="4320">
+                <a:moveTo>
+                  <a:pt x="183" y="0"/>
+                </a:moveTo>
+                <a:lnTo>
+                  <a:pt x="183" y="1197"/>
+                </a:lnTo>
+                <a:lnTo>
+                  <a:pt x="8" y="1372"/>
+                </a:lnTo>
+                <a:lnTo>
+                  <a:pt x="8" y="1372"/>
+                </a:lnTo>
+                <a:lnTo>
+                  <a:pt x="6" y="1376"/>
+                </a:lnTo>
+                <a:lnTo>
+                  <a:pt x="3" y="1382"/>
+                </a:lnTo>
+                <a:lnTo>
+                  <a:pt x="0" y="1387"/>
+                </a:lnTo>
+                <a:lnTo>
+                  <a:pt x="0" y="1393"/>
+                </a:lnTo>
+                <a:lnTo>
+                  <a:pt x="0" y="1399"/>
+                </a:lnTo>
+                <a:lnTo>
+                  <a:pt x="3" y="1404"/>
+                </a:lnTo>
+                <a:lnTo>
+                  <a:pt x="6" y="1410"/>
+                </a:lnTo>
+                <a:lnTo>
+                  <a:pt x="8" y="1414"/>
+                </a:lnTo>
+                <a:lnTo>
+                  <a:pt x="183" y="1589"/>
+                </a:lnTo>
+                <a:lnTo>
+                  <a:pt x="183" y="4320"/>
+                </a:lnTo>
+                <a:lnTo>
+                  <a:pt x="2879" y="4320"/>
+                </a:lnTo>
+                <a:lnTo>
+                  <a:pt x="2879" y="0"/>
+                </a:lnTo>
+                <a:lnTo>
+                  <a:pt x="183" y="0"/>
+                </a:lnTo>
+                <a:close/>
+              </a:path>
+            </a:pathLst>
+          </a:custGeom>
+          <a:noFill/>
+          <a:ln w="9525">
+            <a:solidFill>
+              <a:schemeClr val="tx2"/>
+            </a:solidFill>
+            <a:round/>
+            <a:headEnd/>
+            <a:tailEnd/>
+          </a:ln>
+          <a:effectLst/>
+        </p:spPr>
+        <p:txBody>
+          <a:bodyPr wrap="square" numCol="1" anchor="t" anchorCtr="0" compatLnSpc="1">
+            <a:prstTxWarp prst="textNoShape">
+              <a:avLst/>
+            </a:prstTxWarp>
+            <a:normAutofit/>
+          </a:bodyPr>
+          <a:lstStyle>
+            <a:lvl1pPr algn="ctr">
+              <a:buFontTx/>
+              <a:buNone/>
+              <a:defRPr sz="1400"/>
+            </a:lvl1pPr>
+          </a:lstStyle>
+          <a:p>
+            <a:r>
+              <a:rPr lang="en-US"/>
+              <a:t>Click icon to add picture</a:t>
+            </a:r>
+            <a:endParaRPr lang="en-US" dirty="0"/>
+          </a:p>
+        </p:txBody>
+      </p:sp>
+      <p:sp>
+        <p:nvSpPr>
+          <p:cNvPr id="4" name="Text Placeholder 3"/>
+          <p:cNvSpPr>
+            <a:spLocks noGrp="1"/>
+          </p:cNvSpPr>
+          <p:nvPr>
+            <p:ph type="body" sz="half" idx="2"/>
           </p:nvPr>
         </p:nvSpPr>
         <p:spPr>
           <a:xfrm>
-            <a:off x="5183188" y="987425"/>
-            <a:ext cx="6172200" cy="4873625"/>
+            <a:off x="814728" y="2344684"/>
+            <a:ext cx="4852988" cy="3516365"/>
           </a:xfrm>
         </p:spPr>
         <p:txBody>
-          <a:bodyPr/>
+          <a:bodyPr anchor="t">
+            <a:normAutofit/>
+          </a:bodyPr>
           <a:lstStyle>
             <a:lvl1pPr marL="0" indent="0">
               <a:buNone/>
-              <a:defRPr sz="3200"/>
+              <a:defRPr sz="1200"/>
             </a:lvl1pPr>
             <a:lvl2pPr marL="457200" indent="0">
               <a:buNone/>
-              <a:defRPr sz="2800"/>
+              <a:defRPr sz="1200"/>
             </a:lvl2pPr>
             <a:lvl3pPr marL="914400" indent="0">
               <a:buNone/>
-              <a:defRPr sz="2400"/>
+              <a:defRPr sz="1000"/>
             </a:lvl3pPr>
             <a:lvl4pPr marL="1371600" indent="0">
               <a:buNone/>
-              <a:defRPr sz="2000"/>
+              <a:defRPr sz="900"/>
             </a:lvl4pPr>
             <a:lvl5pPr marL="1828800" indent="0">
               <a:buNone/>
-              <a:defRPr sz="2000"/>
+              <a:defRPr sz="900"/>
             </a:lvl5pPr>
             <a:lvl6pPr marL="2286000" indent="0">
               <a:buNone/>
-              <a:defRPr sz="2000"/>
+              <a:defRPr sz="900"/>
             </a:lvl6pPr>
             <a:lvl7pPr marL="2743200" indent="0">
               <a:buNone/>
-              <a:defRPr sz="2000"/>
+              <a:defRPr sz="900"/>
             </a:lvl7pPr>
             <a:lvl8pPr marL="3200400" indent="0">
               <a:buNone/>
-              <a:defRPr sz="2000"/>
+              <a:defRPr sz="900"/>
             </a:lvl8pPr>
             <a:lvl9pPr marL="3657600" indent="0">
               <a:buNone/>
-              <a:defRPr sz="2000"/>
+              <a:defRPr sz="900"/>
             </a:lvl9pPr>
           </a:lstStyle>
           <a:p>
-            <a:endParaRPr lang="tr-TR"/>
-          </a:p>
-        </p:txBody>
-      </p:sp>
-      <p:sp>
-        <p:nvSpPr>
-          <p:cNvPr id="1048626" name="Text Placeholder 3"/>
-          <p:cNvSpPr>
-            <a:spLocks noGrp="1"/>
-          </p:cNvSpPr>
-          <p:nvPr>
-            <p:ph type="body" sz="half" idx="2"/>
+            <a:pPr lvl="0"/>
+            <a:r>
+              <a:rPr lang="en-US"/>
+              <a:t>Click to edit Master text styles</a:t>
+            </a:r>
+          </a:p>
+        </p:txBody>
+      </p:sp>
+      <p:sp>
+        <p:nvSpPr>
+          <p:cNvPr id="5" name="Date Placeholder 4"/>
+          <p:cNvSpPr>
+            <a:spLocks noGrp="1"/>
+          </p:cNvSpPr>
+          <p:nvPr>
+            <p:ph type="dt" sz="half" idx="10"/>
           </p:nvPr>
         </p:nvSpPr>
         <p:spPr>
           <a:xfrm>
-            <a:off x="839788" y="2057400"/>
-            <a:ext cx="3932237" cy="3811588"/>
+            <a:off x="3885810" y="6041362"/>
+            <a:ext cx="976879" cy="365125"/>
           </a:xfrm>
         </p:spPr>
         <p:txBody>
           <a:bodyPr/>
-          <a:lstStyle>
-            <a:lvl1pPr marL="0" indent="0">
-              <a:buNone/>
-              <a:defRPr sz="1600"/>
-            </a:lvl1pPr>
-            <a:lvl2pPr marL="457200" indent="0">
-              <a:buNone/>
-              <a:defRPr sz="1400"/>
-            </a:lvl2pPr>
-            <a:lvl3pPr marL="914400" indent="0">
-              <a:buNone/>
-              <a:defRPr sz="1200"/>
-            </a:lvl3pPr>
-            <a:lvl4pPr marL="1371600" indent="0">
-              <a:buNone/>
-              <a:defRPr sz="1000"/>
-            </a:lvl4pPr>
-            <a:lvl5pPr marL="1828800" indent="0">
-              <a:buNone/>
-              <a:defRPr sz="1000"/>
-            </a:lvl5pPr>
-            <a:lvl6pPr marL="2286000" indent="0">
-              <a:buNone/>
-              <a:defRPr sz="1000"/>
-            </a:lvl6pPr>
-            <a:lvl7pPr marL="2743200" indent="0">
-              <a:buNone/>
-              <a:defRPr sz="1000"/>
-            </a:lvl7pPr>
-            <a:lvl8pPr marL="3200400" indent="0">
-              <a:buNone/>
-              <a:defRPr sz="1000"/>
-            </a:lvl8pPr>
-            <a:lvl9pPr marL="3657600" indent="0">
-              <a:buNone/>
-              <a:defRPr sz="1000"/>
-            </a:lvl9pPr>
-          </a:lstStyle>
-          <a:p>
-            <a:pPr lvl="0"/>
-            <a:r>
-              <a:rPr lang="en-US" smtClean="0"/>
-              <a:t>Edit Master text styles</a:t>
-            </a:r>
-          </a:p>
-        </p:txBody>
-      </p:sp>
-      <p:sp>
-        <p:nvSpPr>
-          <p:cNvPr id="1048627" name="Date Placeholder 4"/>
-          <p:cNvSpPr>
-            <a:spLocks noGrp="1"/>
-          </p:cNvSpPr>
-          <p:nvPr>
-            <p:ph type="dt" sz="half" idx="10"/>
-          </p:nvPr>
-        </p:nvSpPr>
-        <p:spPr/>
-        <p:txBody>
-          <a:bodyPr/>
           <a:lstStyle/>
           <a:p>
             <a:fld id="{1DE4C539-8B9A-42F0-A20B-3B28733C0C95}" type="datetimeFigureOut">
               <a:rPr lang="tr-TR" smtClean="0"/>
-              <a:t>23.11.2020</a:t>
+              <a:t>24.11.2020</a:t>
             </a:fld>
             <a:endParaRPr lang="tr-TR"/>
           </a:p>
@@ -2753,7 +5122,7 @@
       </p:sp>
       <p:sp>
         <p:nvSpPr>
-          <p:cNvPr id="1048628" name="Footer Placeholder 5"/>
+          <p:cNvPr id="6" name="Footer Placeholder 5"/>
           <p:cNvSpPr>
             <a:spLocks noGrp="1"/>
           </p:cNvSpPr>
@@ -2761,7 +5130,12 @@
             <p:ph type="ftr" sz="quarter" idx="11"/>
           </p:nvPr>
         </p:nvSpPr>
-        <p:spPr/>
+        <p:spPr>
+          <a:xfrm>
+            <a:off x="590396" y="6041362"/>
+            <a:ext cx="3295413" cy="365125"/>
+          </a:xfrm>
+        </p:spPr>
         <p:txBody>
           <a:bodyPr/>
           <a:lstStyle/>
@@ -2772,7 +5146,7 @@
       </p:sp>
       <p:sp>
         <p:nvSpPr>
-          <p:cNvPr id="1048629" name="Slide Number Placeholder 6"/>
+          <p:cNvPr id="7" name="Slide Number Placeholder 6"/>
           <p:cNvSpPr>
             <a:spLocks noGrp="1"/>
           </p:cNvSpPr>
@@ -2780,7 +5154,12 @@
             <p:ph type="sldNum" sz="quarter" idx="12"/>
           </p:nvPr>
         </p:nvSpPr>
-        <p:spPr/>
+        <p:spPr>
+          <a:xfrm>
+            <a:off x="4862689" y="5915888"/>
+            <a:ext cx="1062155" cy="490599"/>
+          </a:xfrm>
+        </p:spPr>
         <p:txBody>
           <a:bodyPr/>
           <a:lstStyle/>
@@ -2794,6 +5173,11 @@
         </p:txBody>
       </p:sp>
     </p:spTree>
+    <p:extLst>
+      <p:ext uri="{BB962C8B-B14F-4D97-AF65-F5344CB8AC3E}">
+        <p14:creationId xmlns:p14="http://schemas.microsoft.com/office/powerpoint/2010/main" val="1771374470"/>
+      </p:ext>
+    </p:extLst>
   </p:cSld>
   <p:clrMapOvr>
     <a:masterClrMapping/>
@@ -2806,7 +5190,7 @@
   <p:cSld>
     <p:bg>
       <p:bgRef idx="1001">
-        <a:schemeClr val="bg1"/>
+        <a:schemeClr val="bg2"/>
       </p:bgRef>
     </p:bg>
     <p:spTree>
@@ -2825,7 +5209,7 @@
       </p:grpSpPr>
       <p:sp>
         <p:nvSpPr>
-          <p:cNvPr id="1048576" name="Title Placeholder 1"/>
+          <p:cNvPr id="2" name="Title Placeholder 1"/>
           <p:cNvSpPr>
             <a:spLocks noGrp="1"/>
           </p:cNvSpPr>
@@ -2835,195 +5219,203 @@
         </p:nvSpPr>
         <p:spPr>
           <a:xfrm>
-            <a:off x="838200" y="365125"/>
-            <a:ext cx="10515600" cy="1325563"/>
+            <a:off x="810000" y="447188"/>
+            <a:ext cx="10571998" cy="970450"/>
+          </a:xfrm>
+          <a:prstGeom prst="rect">
+            <a:avLst/>
+          </a:prstGeom>
+          <a:effectLst>
+            <a:outerShdw blurRad="50800" dir="14400000">
+              <a:srgbClr val="000000">
+                <a:alpha val="60000"/>
+              </a:srgbClr>
+            </a:outerShdw>
+          </a:effectLst>
+        </p:spPr>
+        <p:txBody>
+          <a:bodyPr vert="horz" lIns="91440" tIns="45720" rIns="91440" bIns="45720" rtlCol="0" anchor="b">
+            <a:noAutofit/>
+          </a:bodyPr>
+          <a:lstStyle/>
+          <a:p>
+            <a:r>
+              <a:rPr lang="en-US"/>
+              <a:t>Click to edit Master title style</a:t>
+            </a:r>
+            <a:endParaRPr lang="en-US" dirty="0"/>
+          </a:p>
+        </p:txBody>
+      </p:sp>
+      <p:sp>
+        <p:nvSpPr>
+          <p:cNvPr id="3" name="Text Placeholder 2"/>
+          <p:cNvSpPr>
+            <a:spLocks noGrp="1"/>
+          </p:cNvSpPr>
+          <p:nvPr>
+            <p:ph type="body" idx="1"/>
+          </p:nvPr>
+        </p:nvSpPr>
+        <p:spPr>
+          <a:xfrm>
+            <a:off x="810000" y="2184401"/>
+            <a:ext cx="10563285" cy="3674397"/>
+          </a:xfrm>
+          <a:prstGeom prst="rect">
+            <a:avLst/>
+          </a:prstGeom>
+          <a:effectLst>
+            <a:outerShdw blurRad="50800" dir="14400000">
+              <a:srgbClr val="000000">
+                <a:alpha val="40000"/>
+              </a:srgbClr>
+            </a:outerShdw>
+          </a:effectLst>
+        </p:spPr>
+        <p:txBody>
+          <a:bodyPr vert="horz" lIns="91440" tIns="45720" rIns="91440" bIns="45720" rtlCol="0" anchor="ctr">
+            <a:normAutofit/>
+          </a:bodyPr>
+          <a:lstStyle/>
+          <a:p>
+            <a:pPr lvl="0"/>
+            <a:r>
+              <a:rPr lang="en-US"/>
+              <a:t>Click to edit Master text styles</a:t>
+            </a:r>
+          </a:p>
+          <a:p>
+            <a:pPr lvl="1"/>
+            <a:r>
+              <a:rPr lang="en-US"/>
+              <a:t>Second level</a:t>
+            </a:r>
+          </a:p>
+          <a:p>
+            <a:pPr lvl="2"/>
+            <a:r>
+              <a:rPr lang="en-US"/>
+              <a:t>Third level</a:t>
+            </a:r>
+          </a:p>
+          <a:p>
+            <a:pPr lvl="3"/>
+            <a:r>
+              <a:rPr lang="en-US"/>
+              <a:t>Fourth level</a:t>
+            </a:r>
+          </a:p>
+          <a:p>
+            <a:pPr lvl="4"/>
+            <a:r>
+              <a:rPr lang="en-US"/>
+              <a:t>Fifth level</a:t>
+            </a:r>
+            <a:endParaRPr lang="en-US" dirty="0"/>
+          </a:p>
+        </p:txBody>
+      </p:sp>
+      <p:sp>
+        <p:nvSpPr>
+          <p:cNvPr id="5" name="Footer Placeholder 4"/>
+          <p:cNvSpPr>
+            <a:spLocks noGrp="1"/>
+          </p:cNvSpPr>
+          <p:nvPr>
+            <p:ph type="ftr" sz="quarter" idx="3"/>
+          </p:nvPr>
+        </p:nvSpPr>
+        <p:spPr>
+          <a:xfrm>
+            <a:off x="451514" y="6041362"/>
+            <a:ext cx="8644320" cy="365125"/>
           </a:xfrm>
           <a:prstGeom prst="rect">
             <a:avLst/>
           </a:prstGeom>
         </p:spPr>
         <p:txBody>
-          <a:bodyPr vert="horz" lIns="91440" tIns="45720" rIns="91440" bIns="45720" rtlCol="0" anchor="ctr">
-            <a:normAutofit/>
-          </a:bodyPr>
-          <a:lstStyle/>
-          <a:p>
-            <a:r>
-              <a:rPr lang="en-US" smtClean="0"/>
-              <a:t>Click to edit Master title style</a:t>
-            </a:r>
+          <a:bodyPr vert="horz" lIns="91440" tIns="45720" rIns="91440" bIns="45720" rtlCol="0" anchor="b"/>
+          <a:lstStyle>
+            <a:lvl1pPr algn="l">
+              <a:defRPr sz="900">
+                <a:solidFill>
+                  <a:schemeClr val="tx1"/>
+                </a:solidFill>
+              </a:defRPr>
+            </a:lvl1pPr>
+          </a:lstStyle>
+          <a:p>
             <a:endParaRPr lang="tr-TR"/>
           </a:p>
         </p:txBody>
       </p:sp>
       <p:sp>
         <p:nvSpPr>
-          <p:cNvPr id="1048577" name="Text Placeholder 2"/>
-          <p:cNvSpPr>
-            <a:spLocks noGrp="1"/>
-          </p:cNvSpPr>
-          <p:nvPr>
-            <p:ph type="body" idx="1"/>
+          <p:cNvPr id="4" name="Date Placeholder 3"/>
+          <p:cNvSpPr>
+            <a:spLocks noGrp="1"/>
+          </p:cNvSpPr>
+          <p:nvPr>
+            <p:ph type="dt" sz="half" idx="2"/>
           </p:nvPr>
         </p:nvSpPr>
         <p:spPr>
           <a:xfrm>
-            <a:off x="838200" y="1825625"/>
-            <a:ext cx="10515600" cy="4351338"/>
+            <a:off x="9334626" y="6041362"/>
+            <a:ext cx="1343706" cy="365125"/>
           </a:xfrm>
           <a:prstGeom prst="rect">
             <a:avLst/>
           </a:prstGeom>
         </p:spPr>
         <p:txBody>
-          <a:bodyPr vert="horz" lIns="91440" tIns="45720" rIns="91440" bIns="45720" rtlCol="0">
-            <a:normAutofit/>
-          </a:bodyPr>
-          <a:lstStyle/>
-          <a:p>
-            <a:pPr lvl="0"/>
-            <a:r>
-              <a:rPr lang="en-US" smtClean="0"/>
-              <a:t>Edit Master text styles</a:t>
-            </a:r>
-          </a:p>
-          <a:p>
-            <a:pPr lvl="1"/>
-            <a:r>
-              <a:rPr lang="en-US" smtClean="0"/>
-              <a:t>Second level</a:t>
-            </a:r>
-          </a:p>
-          <a:p>
-            <a:pPr lvl="2"/>
-            <a:r>
-              <a:rPr lang="en-US" smtClean="0"/>
-              <a:t>Third level</a:t>
-            </a:r>
-          </a:p>
-          <a:p>
-            <a:pPr lvl="3"/>
-            <a:r>
-              <a:rPr lang="en-US" smtClean="0"/>
-              <a:t>Fourth level</a:t>
-            </a:r>
-          </a:p>
-          <a:p>
-            <a:pPr lvl="4"/>
-            <a:r>
-              <a:rPr lang="en-US" smtClean="0"/>
-              <a:t>Fifth level</a:t>
-            </a:r>
+          <a:bodyPr vert="horz" lIns="91440" tIns="45720" rIns="91440" bIns="45720" rtlCol="0" anchor="b"/>
+          <a:lstStyle>
+            <a:lvl1pPr algn="r">
+              <a:defRPr sz="900">
+                <a:solidFill>
+                  <a:schemeClr val="tx1"/>
+                </a:solidFill>
+              </a:defRPr>
+            </a:lvl1pPr>
+          </a:lstStyle>
+          <a:p>
+            <a:fld id="{1DE4C539-8B9A-42F0-A20B-3B28733C0C95}" type="datetimeFigureOut">
+              <a:rPr lang="tr-TR" smtClean="0"/>
+              <a:t>24.11.2020</a:t>
+            </a:fld>
             <a:endParaRPr lang="tr-TR"/>
           </a:p>
         </p:txBody>
       </p:sp>
       <p:sp>
         <p:nvSpPr>
-          <p:cNvPr id="1048578" name="Date Placeholder 3"/>
-          <p:cNvSpPr>
-            <a:spLocks noGrp="1"/>
-          </p:cNvSpPr>
-          <p:nvPr>
-            <p:ph type="dt" sz="half" idx="2"/>
+          <p:cNvPr id="6" name="Slide Number Placeholder 5"/>
+          <p:cNvSpPr>
+            <a:spLocks noGrp="1"/>
+          </p:cNvSpPr>
+          <p:nvPr>
+            <p:ph type="sldNum" sz="quarter" idx="4"/>
           </p:nvPr>
         </p:nvSpPr>
         <p:spPr>
           <a:xfrm>
-            <a:off x="838200" y="6356350"/>
-            <a:ext cx="2743200" cy="365125"/>
+            <a:off x="10678331" y="5915888"/>
+            <a:ext cx="1062155" cy="490599"/>
           </a:xfrm>
           <a:prstGeom prst="rect">
             <a:avLst/>
           </a:prstGeom>
         </p:spPr>
         <p:txBody>
-          <a:bodyPr vert="horz" lIns="91440" tIns="45720" rIns="91440" bIns="45720" rtlCol="0" anchor="ctr"/>
-          <a:lstStyle>
-            <a:lvl1pPr algn="l">
-              <a:defRPr sz="1200">
-                <a:solidFill>
-                  <a:schemeClr val="tx1">
-                    <a:tint val="75000"/>
-                  </a:schemeClr>
-                </a:solidFill>
-              </a:defRPr>
-            </a:lvl1pPr>
-          </a:lstStyle>
-          <a:p>
-            <a:fld id="{1DE4C539-8B9A-42F0-A20B-3B28733C0C95}" type="datetimeFigureOut">
-              <a:rPr lang="tr-TR" smtClean="0"/>
-              <a:t>23.11.2020</a:t>
-            </a:fld>
-            <a:endParaRPr lang="tr-TR"/>
-          </a:p>
-        </p:txBody>
-      </p:sp>
-      <p:sp>
-        <p:nvSpPr>
-          <p:cNvPr id="1048579" name="Footer Placeholder 4"/>
-          <p:cNvSpPr>
-            <a:spLocks noGrp="1"/>
-          </p:cNvSpPr>
-          <p:nvPr>
-            <p:ph type="ftr" sz="quarter" idx="3"/>
-          </p:nvPr>
-        </p:nvSpPr>
-        <p:spPr>
-          <a:xfrm>
-            <a:off x="4038600" y="6356350"/>
-            <a:ext cx="4114800" cy="365125"/>
-          </a:xfrm>
-          <a:prstGeom prst="rect">
-            <a:avLst/>
-          </a:prstGeom>
-        </p:spPr>
-        <p:txBody>
-          <a:bodyPr vert="horz" lIns="91440" tIns="45720" rIns="91440" bIns="45720" rtlCol="0" anchor="ctr"/>
-          <a:lstStyle>
-            <a:lvl1pPr algn="ctr">
-              <a:defRPr sz="1200">
-                <a:solidFill>
-                  <a:schemeClr val="tx1">
-                    <a:tint val="75000"/>
-                  </a:schemeClr>
-                </a:solidFill>
-              </a:defRPr>
-            </a:lvl1pPr>
-          </a:lstStyle>
-          <a:p>
-            <a:endParaRPr lang="tr-TR"/>
-          </a:p>
-        </p:txBody>
-      </p:sp>
-      <p:sp>
-        <p:nvSpPr>
-          <p:cNvPr id="1048580" name="Slide Number Placeholder 5"/>
-          <p:cNvSpPr>
-            <a:spLocks noGrp="1"/>
-          </p:cNvSpPr>
-          <p:nvPr>
-            <p:ph type="sldNum" sz="quarter" idx="4"/>
-          </p:nvPr>
-        </p:nvSpPr>
-        <p:spPr>
-          <a:xfrm>
-            <a:off x="8610600" y="6356350"/>
-            <a:ext cx="2743200" cy="365125"/>
-          </a:xfrm>
-          <a:prstGeom prst="rect">
-            <a:avLst/>
-          </a:prstGeom>
-        </p:spPr>
-        <p:txBody>
-          <a:bodyPr vert="horz" lIns="91440" tIns="45720" rIns="91440" bIns="45720" rtlCol="0" anchor="ctr"/>
+          <a:bodyPr vert="horz" lIns="91440" tIns="45720" rIns="91440" bIns="10800" rtlCol="0" anchor="b"/>
           <a:lstStyle>
             <a:lvl1pPr algn="r">
-              <a:defRPr sz="1200">
+              <a:defRPr sz="2000">
                 <a:solidFill>
-                  <a:schemeClr val="tx1">
-                    <a:tint val="75000"/>
-                  </a:schemeClr>
+                  <a:schemeClr val="accent1"/>
                 </a:solidFill>
               </a:defRPr>
             </a:lvl1pPr>
@@ -3038,52 +5430,116 @@
         </p:txBody>
       </p:sp>
     </p:spTree>
+    <p:extLst>
+      <p:ext uri="{BB962C8B-B14F-4D97-AF65-F5344CB8AC3E}">
+        <p14:creationId xmlns:p14="http://schemas.microsoft.com/office/powerpoint/2010/main" val="3443323972"/>
+      </p:ext>
+    </p:extLst>
   </p:cSld>
-  <p:clrMap bg1="lt1" tx1="dk1" bg2="lt2" tx2="dk2" accent1="accent1" accent2="accent2" accent3="accent3" accent4="accent4" accent5="accent5" accent6="accent6" hlink="hlink" folHlink="folHlink"/>
+  <p:clrMap bg1="dk1" tx1="lt1" bg2="dk2" tx2="lt2" accent1="accent1" accent2="accent2" accent3="accent3" accent4="accent4" accent5="accent5" accent6="accent6" hlink="hlink" folHlink="folHlink"/>
   <p:sldLayoutIdLst>
-    <p:sldLayoutId id="2147483649" r:id="rId1"/>
-    <p:sldLayoutId id="2147483650" r:id="rId2"/>
-    <p:sldLayoutId id="2147483651" r:id="rId3"/>
-    <p:sldLayoutId id="2147483652" r:id="rId4"/>
-    <p:sldLayoutId id="2147483653" r:id="rId5"/>
-    <p:sldLayoutId id="2147483654" r:id="rId6"/>
-    <p:sldLayoutId id="2147483655" r:id="rId7"/>
-    <p:sldLayoutId id="2147483656" r:id="rId8"/>
-    <p:sldLayoutId id="2147483657" r:id="rId9"/>
-    <p:sldLayoutId id="2147483658" r:id="rId10"/>
-    <p:sldLayoutId id="2147483659" r:id="rId11"/>
+    <p:sldLayoutId id="2147483733" r:id="rId1"/>
+    <p:sldLayoutId id="2147483734" r:id="rId2"/>
+    <p:sldLayoutId id="2147483735" r:id="rId3"/>
+    <p:sldLayoutId id="2147483736" r:id="rId4"/>
+    <p:sldLayoutId id="2147483737" r:id="rId5"/>
+    <p:sldLayoutId id="2147483738" r:id="rId6"/>
+    <p:sldLayoutId id="2147483739" r:id="rId7"/>
+    <p:sldLayoutId id="2147483740" r:id="rId8"/>
+    <p:sldLayoutId id="2147483741" r:id="rId9"/>
+    <p:sldLayoutId id="2147483742" r:id="rId10"/>
+    <p:sldLayoutId id="2147483743" r:id="rId11"/>
+    <p:sldLayoutId id="2147483744" r:id="rId12"/>
+    <p:sldLayoutId id="2147483745" r:id="rId13"/>
+    <p:sldLayoutId id="2147483746" r:id="rId14"/>
   </p:sldLayoutIdLst>
   <p:txStyles>
     <p:titleStyle>
-      <a:lvl1pPr algn="l" defTabSz="914400" rtl="0" eaLnBrk="1" latinLnBrk="0" hangingPunct="1">
-        <a:lnSpc>
-          <a:spcPct val="90000"/>
-        </a:lnSpc>
+      <a:lvl1pPr algn="l" defTabSz="457200" rtl="0" eaLnBrk="1" latinLnBrk="0" hangingPunct="1">
         <a:spcBef>
           <a:spcPct val="0"/>
         </a:spcBef>
         <a:buNone/>
-        <a:defRPr sz="4400" kern="1200">
+        <a:defRPr sz="4000" b="1" kern="1200">
           <a:solidFill>
-            <a:schemeClr val="tx1"/>
+            <a:srgbClr val="FEFEFE"/>
           </a:solidFill>
           <a:latin typeface="+mj-lt"/>
           <a:ea typeface="+mj-ea"/>
           <a:cs typeface="+mj-cs"/>
         </a:defRPr>
       </a:lvl1pPr>
+      <a:lvl2pPr eaLnBrk="1" hangingPunct="1">
+        <a:defRPr>
+          <a:solidFill>
+            <a:schemeClr val="tx2"/>
+          </a:solidFill>
+        </a:defRPr>
+      </a:lvl2pPr>
+      <a:lvl3pPr eaLnBrk="1" hangingPunct="1">
+        <a:defRPr>
+          <a:solidFill>
+            <a:schemeClr val="tx2"/>
+          </a:solidFill>
+        </a:defRPr>
+      </a:lvl3pPr>
+      <a:lvl4pPr eaLnBrk="1" hangingPunct="1">
+        <a:defRPr>
+          <a:solidFill>
+            <a:schemeClr val="tx2"/>
+          </a:solidFill>
+        </a:defRPr>
+      </a:lvl4pPr>
+      <a:lvl5pPr eaLnBrk="1" hangingPunct="1">
+        <a:defRPr>
+          <a:solidFill>
+            <a:schemeClr val="tx2"/>
+          </a:solidFill>
+        </a:defRPr>
+      </a:lvl5pPr>
+      <a:lvl6pPr eaLnBrk="1" hangingPunct="1">
+        <a:defRPr>
+          <a:solidFill>
+            <a:schemeClr val="tx2"/>
+          </a:solidFill>
+        </a:defRPr>
+      </a:lvl6pPr>
+      <a:lvl7pPr eaLnBrk="1" hangingPunct="1">
+        <a:defRPr>
+          <a:solidFill>
+            <a:schemeClr val="tx2"/>
+          </a:solidFill>
+        </a:defRPr>
+      </a:lvl7pPr>
+      <a:lvl8pPr eaLnBrk="1" hangingPunct="1">
+        <a:defRPr>
+          <a:solidFill>
+            <a:schemeClr val="tx2"/>
+          </a:solidFill>
+        </a:defRPr>
+      </a:lvl8pPr>
+      <a:lvl9pPr eaLnBrk="1" hangingPunct="1">
+        <a:defRPr>
+          <a:solidFill>
+            <a:schemeClr val="tx2"/>
+          </a:solidFill>
+        </a:defRPr>
+      </a:lvl9pPr>
     </p:titleStyle>
     <p:bodyStyle>
-      <a:lvl1pPr marL="228600" indent="-228600" algn="l" defTabSz="914400" rtl="0" eaLnBrk="1" latinLnBrk="0" hangingPunct="1">
-        <a:lnSpc>
-          <a:spcPct val="90000"/>
-        </a:lnSpc>
+      <a:lvl1pPr marL="342900" indent="-342900" algn="l" defTabSz="457200" rtl="0" eaLnBrk="1" latinLnBrk="0" hangingPunct="1">
         <a:spcBef>
-          <a:spcPts val="1000"/>
+          <a:spcPct val="20000"/>
         </a:spcBef>
-        <a:buFont typeface="Arial" panose="020B0604020202020204" pitchFamily="34" charset="0"/>
-        <a:buChar char="•"/>
-        <a:defRPr sz="2800" kern="1200">
+        <a:spcAft>
+          <a:spcPts val="600"/>
+        </a:spcAft>
+        <a:buClr>
+          <a:schemeClr val="accent1"/>
+        </a:buClr>
+        <a:buFont typeface="Wingdings 2" charset="2"/>
+        <a:buChar char=""/>
+        <a:defRPr sz="1800" kern="1200">
           <a:solidFill>
             <a:schemeClr val="tx1"/>
           </a:solidFill>
@@ -3092,16 +5548,19 @@
           <a:cs typeface="+mn-cs"/>
         </a:defRPr>
       </a:lvl1pPr>
-      <a:lvl2pPr marL="685800" indent="-228600" algn="l" defTabSz="914400" rtl="0" eaLnBrk="1" latinLnBrk="0" hangingPunct="1">
-        <a:lnSpc>
-          <a:spcPct val="90000"/>
-        </a:lnSpc>
+      <a:lvl2pPr marL="742950" indent="-285750" algn="l" defTabSz="457200" rtl="0" eaLnBrk="1" latinLnBrk="0" hangingPunct="1">
         <a:spcBef>
-          <a:spcPts val="500"/>
+          <a:spcPct val="20000"/>
         </a:spcBef>
-        <a:buFont typeface="Arial" panose="020B0604020202020204" pitchFamily="34" charset="0"/>
-        <a:buChar char="•"/>
-        <a:defRPr sz="2400" kern="1200">
+        <a:spcAft>
+          <a:spcPts val="600"/>
+        </a:spcAft>
+        <a:buClr>
+          <a:schemeClr val="accent1"/>
+        </a:buClr>
+        <a:buFont typeface="Wingdings 2" charset="2"/>
+        <a:buChar char=""/>
+        <a:defRPr sz="1600" kern="1200">
           <a:solidFill>
             <a:schemeClr val="tx1"/>
           </a:solidFill>
@@ -3110,16 +5569,19 @@
           <a:cs typeface="+mn-cs"/>
         </a:defRPr>
       </a:lvl2pPr>
-      <a:lvl3pPr marL="1143000" indent="-228600" algn="l" defTabSz="914400" rtl="0" eaLnBrk="1" latinLnBrk="0" hangingPunct="1">
-        <a:lnSpc>
-          <a:spcPct val="90000"/>
-        </a:lnSpc>
+      <a:lvl3pPr marL="1143000" indent="-228600" algn="l" defTabSz="457200" rtl="0" eaLnBrk="1" latinLnBrk="0" hangingPunct="1">
         <a:spcBef>
-          <a:spcPts val="500"/>
+          <a:spcPct val="20000"/>
         </a:spcBef>
-        <a:buFont typeface="Arial" panose="020B0604020202020204" pitchFamily="34" charset="0"/>
-        <a:buChar char="•"/>
-        <a:defRPr sz="2000" kern="1200">
+        <a:spcAft>
+          <a:spcPts val="600"/>
+        </a:spcAft>
+        <a:buClr>
+          <a:schemeClr val="accent1"/>
+        </a:buClr>
+        <a:buFont typeface="Wingdings 2" charset="2"/>
+        <a:buChar char=""/>
+        <a:defRPr sz="1400" kern="1200">
           <a:solidFill>
             <a:schemeClr val="tx1"/>
           </a:solidFill>
@@ -3128,16 +5590,19 @@
           <a:cs typeface="+mn-cs"/>
         </a:defRPr>
       </a:lvl3pPr>
-      <a:lvl4pPr marL="1600200" indent="-228600" algn="l" defTabSz="914400" rtl="0" eaLnBrk="1" latinLnBrk="0" hangingPunct="1">
-        <a:lnSpc>
-          <a:spcPct val="90000"/>
-        </a:lnSpc>
+      <a:lvl4pPr marL="1600200" indent="-228600" algn="l" defTabSz="457200" rtl="0" eaLnBrk="1" latinLnBrk="0" hangingPunct="1">
         <a:spcBef>
-          <a:spcPts val="500"/>
+          <a:spcPct val="20000"/>
         </a:spcBef>
-        <a:buFont typeface="Arial" panose="020B0604020202020204" pitchFamily="34" charset="0"/>
-        <a:buChar char="•"/>
-        <a:defRPr sz="1800" kern="1200">
+        <a:spcAft>
+          <a:spcPts val="600"/>
+        </a:spcAft>
+        <a:buClr>
+          <a:schemeClr val="accent1"/>
+        </a:buClr>
+        <a:buFont typeface="Wingdings 2" charset="2"/>
+        <a:buChar char=""/>
+        <a:defRPr sz="1200" kern="1200">
           <a:solidFill>
             <a:schemeClr val="tx1"/>
           </a:solidFill>
@@ -3146,16 +5611,19 @@
           <a:cs typeface="+mn-cs"/>
         </a:defRPr>
       </a:lvl4pPr>
-      <a:lvl5pPr marL="2057400" indent="-228600" algn="l" defTabSz="914400" rtl="0" eaLnBrk="1" latinLnBrk="0" hangingPunct="1">
-        <a:lnSpc>
-          <a:spcPct val="90000"/>
-        </a:lnSpc>
+      <a:lvl5pPr marL="2057400" indent="-228600" algn="l" defTabSz="457200" rtl="0" eaLnBrk="1" latinLnBrk="0" hangingPunct="1">
         <a:spcBef>
-          <a:spcPts val="500"/>
+          <a:spcPct val="20000"/>
         </a:spcBef>
-        <a:buFont typeface="Arial" panose="020B0604020202020204" pitchFamily="34" charset="0"/>
-        <a:buChar char="•"/>
-        <a:defRPr sz="1800" kern="1200">
+        <a:spcAft>
+          <a:spcPts val="600"/>
+        </a:spcAft>
+        <a:buClr>
+          <a:schemeClr val="accent1"/>
+        </a:buClr>
+        <a:buFont typeface="Wingdings 2" charset="2"/>
+        <a:buChar char=""/>
+        <a:defRPr sz="1200" kern="1200">
           <a:solidFill>
             <a:schemeClr val="tx1"/>
           </a:solidFill>
@@ -3164,16 +5632,19 @@
           <a:cs typeface="+mn-cs"/>
         </a:defRPr>
       </a:lvl5pPr>
-      <a:lvl6pPr marL="2514600" indent="-228600" algn="l" defTabSz="914400" rtl="0" eaLnBrk="1" latinLnBrk="0" hangingPunct="1">
-        <a:lnSpc>
-          <a:spcPct val="90000"/>
-        </a:lnSpc>
+      <a:lvl6pPr marL="2400000" indent="-228600" algn="l" defTabSz="457200" rtl="0" eaLnBrk="1" latinLnBrk="0" hangingPunct="1">
         <a:spcBef>
-          <a:spcPts val="500"/>
+          <a:spcPct val="20000"/>
         </a:spcBef>
-        <a:buFont typeface="Arial" panose="020B0604020202020204" pitchFamily="34" charset="0"/>
-        <a:buChar char="•"/>
-        <a:defRPr sz="1800" kern="1200">
+        <a:spcAft>
+          <a:spcPts val="600"/>
+        </a:spcAft>
+        <a:buClr>
+          <a:schemeClr val="accent1"/>
+        </a:buClr>
+        <a:buFont typeface="Wingdings 2" charset="2"/>
+        <a:buChar char=""/>
+        <a:defRPr sz="1200" kern="1200">
           <a:solidFill>
             <a:schemeClr val="tx1"/>
           </a:solidFill>
@@ -3182,16 +5653,19 @@
           <a:cs typeface="+mn-cs"/>
         </a:defRPr>
       </a:lvl6pPr>
-      <a:lvl7pPr marL="2971800" indent="-228600" algn="l" defTabSz="914400" rtl="0" eaLnBrk="1" latinLnBrk="0" hangingPunct="1">
-        <a:lnSpc>
-          <a:spcPct val="90000"/>
-        </a:lnSpc>
+      <a:lvl7pPr marL="2800000" indent="-228600" algn="l" defTabSz="457200" rtl="0" eaLnBrk="1" latinLnBrk="0" hangingPunct="1">
         <a:spcBef>
-          <a:spcPts val="500"/>
+          <a:spcPct val="20000"/>
         </a:spcBef>
-        <a:buFont typeface="Arial" panose="020B0604020202020204" pitchFamily="34" charset="0"/>
-        <a:buChar char="•"/>
-        <a:defRPr sz="1800" kern="1200">
+        <a:spcAft>
+          <a:spcPts val="600"/>
+        </a:spcAft>
+        <a:buClr>
+          <a:schemeClr val="accent1"/>
+        </a:buClr>
+        <a:buFont typeface="Wingdings 2" charset="2"/>
+        <a:buChar char=""/>
+        <a:defRPr sz="1200" kern="1200">
           <a:solidFill>
             <a:schemeClr val="tx1"/>
           </a:solidFill>
@@ -3200,16 +5674,19 @@
           <a:cs typeface="+mn-cs"/>
         </a:defRPr>
       </a:lvl7pPr>
-      <a:lvl8pPr marL="3429000" indent="-228600" algn="l" defTabSz="914400" rtl="0" eaLnBrk="1" latinLnBrk="0" hangingPunct="1">
-        <a:lnSpc>
-          <a:spcPct val="90000"/>
-        </a:lnSpc>
+      <a:lvl8pPr marL="3200000" indent="-228600" algn="l" defTabSz="457200" rtl="0" eaLnBrk="1" latinLnBrk="0" hangingPunct="1">
         <a:spcBef>
-          <a:spcPts val="500"/>
+          <a:spcPct val="20000"/>
         </a:spcBef>
-        <a:buFont typeface="Arial" panose="020B0604020202020204" pitchFamily="34" charset="0"/>
-        <a:buChar char="•"/>
-        <a:defRPr sz="1800" kern="1200">
+        <a:spcAft>
+          <a:spcPts val="600"/>
+        </a:spcAft>
+        <a:buClr>
+          <a:schemeClr val="accent1"/>
+        </a:buClr>
+        <a:buFont typeface="Wingdings 2" charset="2"/>
+        <a:buChar char=""/>
+        <a:defRPr sz="1200" kern="1200">
           <a:solidFill>
             <a:schemeClr val="tx1"/>
           </a:solidFill>
@@ -3218,16 +5695,19 @@
           <a:cs typeface="+mn-cs"/>
         </a:defRPr>
       </a:lvl8pPr>
-      <a:lvl9pPr marL="3886200" indent="-228600" algn="l" defTabSz="914400" rtl="0" eaLnBrk="1" latinLnBrk="0" hangingPunct="1">
-        <a:lnSpc>
-          <a:spcPct val="90000"/>
-        </a:lnSpc>
+      <a:lvl9pPr marL="3600000" indent="-228600" algn="l" defTabSz="457200" rtl="0" eaLnBrk="1" latinLnBrk="0" hangingPunct="1">
         <a:spcBef>
-          <a:spcPts val="500"/>
+          <a:spcPct val="20000"/>
         </a:spcBef>
-        <a:buFont typeface="Arial" panose="020B0604020202020204" pitchFamily="34" charset="0"/>
-        <a:buChar char="•"/>
-        <a:defRPr sz="1800" kern="1200">
+        <a:spcAft>
+          <a:spcPts val="600"/>
+        </a:spcAft>
+        <a:buClr>
+          <a:schemeClr val="accent1"/>
+        </a:buClr>
+        <a:buFont typeface="Wingdings 2" charset="2"/>
+        <a:buChar char=""/>
+        <a:defRPr sz="1200" kern="1200">
           <a:solidFill>
             <a:schemeClr val="tx1"/>
           </a:solidFill>
@@ -3239,9 +5719,9 @@
     </p:bodyStyle>
     <p:otherStyle>
       <a:defPPr>
-        <a:defRPr lang="tr-TR"/>
+        <a:defRPr lang="en-US"/>
       </a:defPPr>
-      <a:lvl1pPr marL="0" algn="l" defTabSz="914400" rtl="0" eaLnBrk="1" latinLnBrk="0" hangingPunct="1">
+      <a:lvl1pPr marL="0" algn="l" defTabSz="457200" rtl="0" eaLnBrk="1" latinLnBrk="0" hangingPunct="1">
         <a:defRPr sz="1800" kern="1200">
           <a:solidFill>
             <a:schemeClr val="tx1"/>
@@ -3251,7 +5731,7 @@
           <a:cs typeface="+mn-cs"/>
         </a:defRPr>
       </a:lvl1pPr>
-      <a:lvl2pPr marL="457200" algn="l" defTabSz="914400" rtl="0" eaLnBrk="1" latinLnBrk="0" hangingPunct="1">
+      <a:lvl2pPr marL="457200" algn="l" defTabSz="457200" rtl="0" eaLnBrk="1" latinLnBrk="0" hangingPunct="1">
         <a:defRPr sz="1800" kern="1200">
           <a:solidFill>
             <a:schemeClr val="tx1"/>
@@ -3261,7 +5741,7 @@
           <a:cs typeface="+mn-cs"/>
         </a:defRPr>
       </a:lvl2pPr>
-      <a:lvl3pPr marL="914400" algn="l" defTabSz="914400" rtl="0" eaLnBrk="1" latinLnBrk="0" hangingPunct="1">
+      <a:lvl3pPr marL="914400" algn="l" defTabSz="457200" rtl="0" eaLnBrk="1" latinLnBrk="0" hangingPunct="1">
         <a:defRPr sz="1800" kern="1200">
           <a:solidFill>
             <a:schemeClr val="tx1"/>
@@ -3271,7 +5751,7 @@
           <a:cs typeface="+mn-cs"/>
         </a:defRPr>
       </a:lvl3pPr>
-      <a:lvl4pPr marL="1371600" algn="l" defTabSz="914400" rtl="0" eaLnBrk="1" latinLnBrk="0" hangingPunct="1">
+      <a:lvl4pPr marL="1371600" algn="l" defTabSz="457200" rtl="0" eaLnBrk="1" latinLnBrk="0" hangingPunct="1">
         <a:defRPr sz="1800" kern="1200">
           <a:solidFill>
             <a:schemeClr val="tx1"/>
@@ -3281,7 +5761,7 @@
           <a:cs typeface="+mn-cs"/>
         </a:defRPr>
       </a:lvl4pPr>
-      <a:lvl5pPr marL="1828800" algn="l" defTabSz="914400" rtl="0" eaLnBrk="1" latinLnBrk="0" hangingPunct="1">
+      <a:lvl5pPr marL="1828800" algn="l" defTabSz="457200" rtl="0" eaLnBrk="1" latinLnBrk="0" hangingPunct="1">
         <a:defRPr sz="1800" kern="1200">
           <a:solidFill>
             <a:schemeClr val="tx1"/>
@@ -3291,7 +5771,7 @@
           <a:cs typeface="+mn-cs"/>
         </a:defRPr>
       </a:lvl5pPr>
-      <a:lvl6pPr marL="2286000" algn="l" defTabSz="914400" rtl="0" eaLnBrk="1" latinLnBrk="0" hangingPunct="1">
+      <a:lvl6pPr marL="2286000" algn="l" defTabSz="457200" rtl="0" eaLnBrk="1" latinLnBrk="0" hangingPunct="1">
         <a:defRPr sz="1800" kern="1200">
           <a:solidFill>
             <a:schemeClr val="tx1"/>
@@ -3301,7 +5781,7 @@
           <a:cs typeface="+mn-cs"/>
         </a:defRPr>
       </a:lvl6pPr>
-      <a:lvl7pPr marL="2743200" algn="l" defTabSz="914400" rtl="0" eaLnBrk="1" latinLnBrk="0" hangingPunct="1">
+      <a:lvl7pPr marL="2743200" algn="l" defTabSz="457200" rtl="0" eaLnBrk="1" latinLnBrk="0" hangingPunct="1">
         <a:defRPr sz="1800" kern="1200">
           <a:solidFill>
             <a:schemeClr val="tx1"/>
@@ -3311,7 +5791,7 @@
           <a:cs typeface="+mn-cs"/>
         </a:defRPr>
       </a:lvl7pPr>
-      <a:lvl8pPr marL="3200400" algn="l" defTabSz="914400" rtl="0" eaLnBrk="1" latinLnBrk="0" hangingPunct="1">
+      <a:lvl8pPr marL="3200400" algn="l" defTabSz="457200" rtl="0" eaLnBrk="1" latinLnBrk="0" hangingPunct="1">
         <a:defRPr sz="1800" kern="1200">
           <a:solidFill>
             <a:schemeClr val="tx1"/>
@@ -3321,7 +5801,7 @@
           <a:cs typeface="+mn-cs"/>
         </a:defRPr>
       </a:lvl8pPr>
-      <a:lvl9pPr marL="3657600" algn="l" defTabSz="914400" rtl="0" eaLnBrk="1" latinLnBrk="0" hangingPunct="1">
+      <a:lvl9pPr marL="3657600" algn="l" defTabSz="457200" rtl="0" eaLnBrk="1" latinLnBrk="0" hangingPunct="1">
         <a:defRPr sz="1800" kern="1200">
           <a:solidFill>
             <a:schemeClr val="tx1"/>
@@ -3685,20 +6165,9 @@
                 <a:ea typeface="Calibri" panose="020F0502020204030204" pitchFamily="34" charset="0"/>
                 <a:cs typeface="Times New Roman" panose="02020603050405020304" pitchFamily="18" charset="0"/>
               </a:rPr>
-              <a:t>CSE 305 SOFTWARE ENGINEERING MIDTERM </a:t>
-            </a:r>
-            <a:r>
-              <a:rPr lang="tr-TR" sz="2000" dirty="0" smtClean="0">
-                <a:solidFill>
-                  <a:srgbClr val="FF0000"/>
-                </a:solidFill>
-                <a:latin typeface="Calibri" panose="020F0502020204030204" pitchFamily="34" charset="0"/>
-                <a:ea typeface="Calibri" panose="020F0502020204030204" pitchFamily="34" charset="0"/>
-                <a:cs typeface="Times New Roman" panose="02020603050405020304" pitchFamily="18" charset="0"/>
-              </a:rPr>
-              <a:t>PROJECT</a:t>
-            </a:r>
-            <a:endParaRPr lang="tr-TR" sz="2000" dirty="0" smtClean="0">
+              <a:t>CSE 305 SOFTWARE ENGINEERING MIDTERM PROJECT</a:t>
+            </a:r>
+            <a:endParaRPr lang="tr-TR" sz="2000" dirty="0">
               <a:latin typeface="Calibri" panose="020F0502020204030204" pitchFamily="34" charset="0"/>
               <a:ea typeface="Calibri" panose="020F0502020204030204" pitchFamily="34" charset="0"/>
               <a:cs typeface="Times New Roman" panose="02020603050405020304" pitchFamily="18" charset="0"/>
@@ -3714,7 +6183,7 @@
               </a:spcAft>
             </a:pPr>
             <a:r>
-              <a:rPr lang="tr-TR" sz="2000" smtClean="0">
+              <a:rPr lang="tr-TR" sz="2000">
                 <a:solidFill>
                   <a:srgbClr val="FF0000"/>
                 </a:solidFill>
@@ -3724,7 +6193,7 @@
               </a:rPr>
               <a:t>PROJECT PRESENTATİON</a:t>
             </a:r>
-            <a:endParaRPr lang="tr-TR" sz="2000" dirty="0" smtClean="0">
+            <a:endParaRPr lang="tr-TR" sz="2000" dirty="0">
               <a:latin typeface="Calibri" panose="020F0502020204030204" pitchFamily="34" charset="0"/>
               <a:ea typeface="Calibri" panose="020F0502020204030204" pitchFamily="34" charset="0"/>
               <a:cs typeface="Times New Roman" panose="02020603050405020304" pitchFamily="18" charset="0"/>
@@ -3740,7 +6209,7 @@
               </a:spcAft>
             </a:pPr>
             <a:r>
-              <a:rPr lang="tr-TR" sz="2000" smtClean="0">
+              <a:rPr lang="tr-TR" sz="2000">
                 <a:solidFill>
                   <a:srgbClr val="FF0000"/>
                 </a:solidFill>
@@ -3759,29 +6228,7 @@
                 <a:ea typeface="Calibri" panose="020F0502020204030204" pitchFamily="34" charset="0"/>
                 <a:cs typeface="Times New Roman" panose="02020603050405020304" pitchFamily="18" charset="0"/>
               </a:rPr>
-              <a:t>DATE </a:t>
-            </a:r>
-            <a:r>
-              <a:rPr lang="tr-TR" sz="2000" dirty="0" smtClean="0">
-                <a:solidFill>
-                  <a:srgbClr val="FF0000"/>
-                </a:solidFill>
-                <a:latin typeface="Calibri" panose="020F0502020204030204" pitchFamily="34" charset="0"/>
-                <a:ea typeface="Calibri" panose="020F0502020204030204" pitchFamily="34" charset="0"/>
-                <a:cs typeface="Times New Roman" panose="02020603050405020304" pitchFamily="18" charset="0"/>
-              </a:rPr>
-              <a:t>(24/11/2020</a:t>
-            </a:r>
-            <a:r>
-              <a:rPr lang="tr-TR" sz="2000" dirty="0">
-                <a:solidFill>
-                  <a:srgbClr val="FF0000"/>
-                </a:solidFill>
-                <a:latin typeface="Calibri" panose="020F0502020204030204" pitchFamily="34" charset="0"/>
-                <a:ea typeface="Calibri" panose="020F0502020204030204" pitchFamily="34" charset="0"/>
-                <a:cs typeface="Times New Roman" panose="02020603050405020304" pitchFamily="18" charset="0"/>
-              </a:rPr>
-              <a:t>)</a:t>
+              <a:t>DATE (24/11/2020)</a:t>
             </a:r>
             <a:endParaRPr lang="tr-TR" sz="2000" dirty="0">
               <a:latin typeface="Calibri" panose="020F0502020204030204" pitchFamily="34" charset="0"/>
@@ -3804,23 +6251,7 @@
                 <a:ea typeface="Calibri" panose="020F0502020204030204" pitchFamily="34" charset="0"/>
                 <a:cs typeface="Times New Roman" panose="02020603050405020304" pitchFamily="18" charset="0"/>
               </a:rPr>
-              <a:t>                       </a:t>
-            </a:r>
-            <a:r>
-              <a:rPr lang="tr-TR" sz="2000" dirty="0" smtClean="0">
-                <a:latin typeface="Calibri" panose="020F0502020204030204" pitchFamily="34" charset="0"/>
-                <a:ea typeface="Calibri" panose="020F0502020204030204" pitchFamily="34" charset="0"/>
-                <a:cs typeface="Times New Roman" panose="02020603050405020304" pitchFamily="18" charset="0"/>
-              </a:rPr>
-              <a:t>181805080 </a:t>
-            </a:r>
-            <a:r>
-              <a:rPr lang="tr-TR" sz="2000" dirty="0">
-                <a:latin typeface="Calibri" panose="020F0502020204030204" pitchFamily="34" charset="0"/>
-                <a:ea typeface="Calibri" panose="020F0502020204030204" pitchFamily="34" charset="0"/>
-                <a:cs typeface="Times New Roman" panose="02020603050405020304" pitchFamily="18" charset="0"/>
-              </a:rPr>
-              <a:t>ANIL DURMAZ</a:t>
+              <a:t>                       181805080 ANIL DURMAZ</a:t>
             </a:r>
             <a:endParaRPr lang="tr-TR" sz="2000" dirty="0">
               <a:effectLst/>
@@ -3872,10 +6303,9 @@
           <a:lstStyle/>
           <a:p>
             <a:r>
-              <a:rPr lang="tr-TR" dirty="0" smtClean="0"/>
+              <a:rPr lang="tr-TR" dirty="0"/>
               <a:t>Highlights of Sprint Planning Strategies</a:t>
             </a:r>
-            <a:endParaRPr lang="tr-TR" dirty="0"/>
           </a:p>
         </p:txBody>
       </p:sp>
@@ -3897,16 +6327,12 @@
           <a:lstStyle/>
           <a:p>
             <a:r>
-              <a:rPr lang="tr-TR" dirty="0" err="1" smtClean="0"/>
+              <a:rPr lang="tr-TR" dirty="0" err="1"/>
               <a:t>Seting</a:t>
             </a:r>
             <a:r>
-              <a:rPr lang="tr-TR" dirty="0" smtClean="0"/>
-              <a:t> </a:t>
-            </a:r>
-            <a:r>
               <a:rPr lang="tr-TR" dirty="0"/>
-              <a:t>the sprint </a:t>
+              <a:t> the sprint </a:t>
             </a:r>
             <a:r>
               <a:rPr lang="tr-TR" dirty="0" err="1"/>
@@ -3916,24 +6342,20 @@
           </a:p>
           <a:p>
             <a:r>
-              <a:rPr lang="en-US" dirty="0" err="1" smtClean="0"/>
+              <a:rPr lang="en-US" dirty="0" err="1"/>
               <a:t>Prioritiz</a:t>
             </a:r>
             <a:r>
-              <a:rPr lang="tr-TR" dirty="0" err="1" smtClean="0"/>
+              <a:rPr lang="tr-TR" dirty="0" err="1"/>
               <a:t>ing</a:t>
             </a:r>
             <a:r>
-              <a:rPr lang="tr-TR" dirty="0" smtClean="0"/>
+              <a:rPr lang="tr-TR" dirty="0"/>
               <a:t> </a:t>
             </a:r>
             <a:r>
-              <a:rPr lang="en-US" dirty="0" smtClean="0"/>
-              <a:t>the </a:t>
-            </a:r>
-            <a:r>
               <a:rPr lang="en-US" dirty="0"/>
-              <a:t>stories that fulfill the sprint goal</a:t>
+              <a:t>the stories that fulfill the sprint goal</a:t>
             </a:r>
           </a:p>
           <a:p>
@@ -3949,12 +6371,8 @@
           </a:p>
           <a:p>
             <a:r>
-              <a:rPr lang="en-US" dirty="0" smtClean="0"/>
-              <a:t>Introduction </a:t>
-            </a:r>
-            <a:r>
               <a:rPr lang="en-US" dirty="0"/>
-              <a:t>of the candidate stories</a:t>
+              <a:t>Introduction of the candidate stories</a:t>
             </a:r>
           </a:p>
           <a:p>
@@ -4028,36 +6446,28 @@
           </a:p>
           <a:p>
             <a:r>
-              <a:rPr lang="en-US" dirty="0" smtClean="0"/>
+              <a:rPr lang="en-US" dirty="0"/>
               <a:t>Walk</a:t>
             </a:r>
             <a:r>
-              <a:rPr lang="tr-TR" dirty="0" err="1" smtClean="0"/>
+              <a:rPr lang="tr-TR" dirty="0" err="1"/>
               <a:t>ing</a:t>
             </a:r>
             <a:r>
-              <a:rPr lang="en-US" dirty="0" smtClean="0"/>
-              <a:t> </a:t>
-            </a:r>
-            <a:r>
               <a:rPr lang="en-US" dirty="0"/>
-              <a:t>through each user story and </a:t>
-            </a:r>
-            <a:r>
-              <a:rPr lang="en-US" dirty="0" err="1" smtClean="0"/>
+              <a:t> through each user story and </a:t>
+            </a:r>
+            <a:r>
+              <a:rPr lang="en-US" dirty="0" err="1"/>
               <a:t>describ</a:t>
             </a:r>
             <a:r>
-              <a:rPr lang="tr-TR" dirty="0" err="1" smtClean="0"/>
+              <a:rPr lang="tr-TR" dirty="0" err="1"/>
               <a:t>ing</a:t>
             </a:r>
             <a:r>
-              <a:rPr lang="en-US" dirty="0" smtClean="0"/>
-              <a:t> </a:t>
-            </a:r>
-            <a:r>
               <a:rPr lang="en-US" dirty="0"/>
-              <a:t>what tasks need to be done</a:t>
+              <a:t> what tasks need to be done</a:t>
             </a:r>
           </a:p>
         </p:txBody>
@@ -4103,10 +6513,9 @@
           <a:lstStyle/>
           <a:p>
             <a:r>
-              <a:rPr lang="tr-TR" dirty="0" smtClean="0"/>
+              <a:rPr lang="tr-TR" dirty="0"/>
               <a:t>Interacting with the customer </a:t>
             </a:r>
-            <a:endParaRPr lang="tr-TR" dirty="0"/>
           </a:p>
         </p:txBody>
       </p:sp>
@@ -4194,10 +6603,9 @@
           <a:lstStyle/>
           <a:p>
             <a:r>
-              <a:rPr lang="tr-TR" dirty="0" smtClean="0"/>
+              <a:rPr lang="tr-TR" dirty="0"/>
               <a:t>Interacting with the teamwork</a:t>
             </a:r>
-            <a:endParaRPr lang="tr-TR" dirty="0"/>
           </a:p>
         </p:txBody>
       </p:sp>
@@ -4285,10 +6693,9 @@
           <a:lstStyle/>
           <a:p>
             <a:r>
-              <a:rPr lang="tr-TR" dirty="0" smtClean="0"/>
+              <a:rPr lang="tr-TR" dirty="0"/>
               <a:t>The Project</a:t>
             </a:r>
-            <a:endParaRPr lang="tr-TR" dirty="0"/>
           </a:p>
         </p:txBody>
       </p:sp>
@@ -4316,17 +6723,16 @@
             <a:pPr marL="0" indent="0">
               <a:buNone/>
             </a:pPr>
-            <a:endParaRPr lang="tr-TR" dirty="0" smtClean="0"/>
+            <a:endParaRPr lang="tr-TR" dirty="0"/>
           </a:p>
           <a:p>
             <a:pPr marL="0" indent="0" algn="ctr">
               <a:buNone/>
             </a:pPr>
             <a:r>
-              <a:rPr lang="tr-TR" dirty="0" smtClean="0"/>
+              <a:rPr lang="tr-TR" dirty="0"/>
               <a:t>www.karaokenight.com</a:t>
             </a:r>
-            <a:endParaRPr lang="tr-TR" dirty="0"/>
           </a:p>
         </p:txBody>
       </p:sp>
@@ -4371,10 +6777,9 @@
           <a:lstStyle/>
           <a:p>
             <a:r>
-              <a:rPr lang="tr-TR" dirty="0" smtClean="0"/>
+              <a:rPr lang="tr-TR" dirty="0"/>
               <a:t>Objectives</a:t>
             </a:r>
-            <a:endParaRPr lang="tr-TR" dirty="0"/>
           </a:p>
         </p:txBody>
       </p:sp>
@@ -4395,16 +6800,8 @@
           <a:p>
             <a:pPr lvl="0"/>
             <a:r>
-              <a:rPr lang="tr-TR" dirty="0" smtClean="0"/>
-              <a:t>To </a:t>
-            </a:r>
-            <a:r>
               <a:rPr lang="tr-TR" dirty="0"/>
-              <a:t>provide users to access location and contact information about the </a:t>
-            </a:r>
-            <a:r>
-              <a:rPr lang="tr-TR" dirty="0" smtClean="0"/>
-              <a:t>place</a:t>
+              <a:t>To provide users to access location and contact information about the place</a:t>
             </a:r>
           </a:p>
           <a:p>
@@ -4415,11 +6812,7 @@
             <a:pPr lvl="0"/>
             <a:r>
               <a:rPr lang="tr-TR" dirty="0"/>
-              <a:t>To enable users to see the options in the karaoke </a:t>
-            </a:r>
-            <a:r>
-              <a:rPr lang="tr-TR" dirty="0" smtClean="0"/>
-              <a:t>bar</a:t>
+              <a:t>To enable users to see the options in the karaoke bar</a:t>
             </a:r>
           </a:p>
           <a:p>
@@ -4430,11 +6823,7 @@
             <a:pPr lvl="0"/>
             <a:r>
               <a:rPr lang="tr-TR" dirty="0"/>
-              <a:t>Provide a web interface for </a:t>
-            </a:r>
-            <a:r>
-              <a:rPr lang="tr-TR" dirty="0" smtClean="0"/>
-              <a:t>users</a:t>
+              <a:t>Provide a web interface for users</a:t>
             </a:r>
           </a:p>
           <a:p>
@@ -4497,44 +6886,39 @@
           <a:lstStyle/>
           <a:p>
             <a:r>
-              <a:rPr lang="tr-TR" dirty="0" smtClean="0"/>
+              <a:rPr lang="tr-TR" dirty="0"/>
               <a:t>Target Customers</a:t>
             </a:r>
+          </a:p>
+        </p:txBody>
+      </p:sp>
+      <p:sp>
+        <p:nvSpPr>
+          <p:cNvPr id="1048598" name="Content Placeholder 2"/>
+          <p:cNvSpPr>
+            <a:spLocks noGrp="1"/>
+          </p:cNvSpPr>
+          <p:nvPr>
+            <p:ph idx="1"/>
+          </p:nvPr>
+        </p:nvSpPr>
+        <p:spPr/>
+        <p:txBody>
+          <a:bodyPr/>
+          <a:lstStyle/>
+          <a:p>
+            <a:r>
+              <a:rPr lang="tr-TR" dirty="0"/>
+              <a:t>We prepared this website for a client with a karaoke bar.</a:t>
+            </a:r>
+          </a:p>
+          <a:p>
             <a:endParaRPr lang="tr-TR" dirty="0"/>
           </a:p>
-        </p:txBody>
-      </p:sp>
-      <p:sp>
-        <p:nvSpPr>
-          <p:cNvPr id="1048598" name="Content Placeholder 2"/>
-          <p:cNvSpPr>
-            <a:spLocks noGrp="1"/>
-          </p:cNvSpPr>
-          <p:nvPr>
-            <p:ph idx="1"/>
-          </p:nvPr>
-        </p:nvSpPr>
-        <p:spPr/>
-        <p:txBody>
-          <a:bodyPr/>
-          <a:lstStyle/>
-          <a:p>
-            <a:r>
-              <a:rPr lang="tr-TR" dirty="0" smtClean="0"/>
-              <a:t>We prepared this website for a client with a karaoke bar.</a:t>
-            </a:r>
-          </a:p>
-          <a:p>
-            <a:endParaRPr lang="tr-TR" dirty="0"/>
-          </a:p>
-          <a:p>
-            <a:r>
-              <a:rPr lang="tr-TR" dirty="0" smtClean="0"/>
-              <a:t>Students </a:t>
-            </a:r>
+          <a:p>
             <a:r>
               <a:rPr lang="tr-TR" dirty="0"/>
-              <a:t>and also people in that area who love to have fun.</a:t>
+              <a:t>Students and also people in that area who love to have fun.</a:t>
             </a:r>
           </a:p>
           <a:p>
@@ -4583,10 +6967,9 @@
           <a:lstStyle/>
           <a:p>
             <a:r>
-              <a:rPr lang="tr-TR" dirty="0" smtClean="0"/>
+              <a:rPr lang="tr-TR" dirty="0"/>
               <a:t>Main Functional Requirements</a:t>
             </a:r>
-            <a:endParaRPr lang="tr-TR" dirty="0"/>
           </a:p>
         </p:txBody>
       </p:sp>
@@ -4608,11 +6991,7 @@
             <a:pPr lvl="0"/>
             <a:r>
               <a:rPr lang="tr-TR" dirty="0"/>
-              <a:t>Internet connection is sufficient</a:t>
-            </a:r>
-            <a:r>
-              <a:rPr lang="tr-TR" dirty="0" smtClean="0"/>
-              <a:t>.</a:t>
+              <a:t>Internet connection is sufficient.</a:t>
             </a:r>
           </a:p>
           <a:p>
@@ -4623,11 +7002,7 @@
             <a:pPr lvl="0"/>
             <a:r>
               <a:rPr lang="tr-TR" dirty="0"/>
-              <a:t>A site visitor should be able to view the homepage ,menu , drinks, photo gallery, rooms, events</a:t>
-            </a:r>
-            <a:r>
-              <a:rPr lang="tr-TR" dirty="0" smtClean="0"/>
-              <a:t>.</a:t>
+              <a:t>A site visitor should be able to view the homepage ,menu , drinks, photo gallery, rooms, events.</a:t>
             </a:r>
           </a:p>
           <a:p>
@@ -4640,13 +7015,8 @@
             <a:pPr lvl="0"/>
             <a:r>
               <a:rPr lang="tr-TR" dirty="0"/>
-              <a:t>A site visitor should be able to add comment to the menu, drinks, photo gallery, rooms, events</a:t>
-            </a:r>
-            <a:r>
-              <a:rPr lang="tr-TR" dirty="0" smtClean="0"/>
-              <a:t>.</a:t>
-            </a:r>
-            <a:endParaRPr lang="tr-TR" dirty="0"/>
+              <a:t>A site visitor should be able to add comment to the menu, drinks, photo gallery, rooms, events.</a:t>
+            </a:r>
           </a:p>
         </p:txBody>
       </p:sp>
@@ -4691,10 +7061,9 @@
           <a:lstStyle/>
           <a:p>
             <a:r>
-              <a:rPr lang="tr-TR" dirty="0" smtClean="0"/>
+              <a:rPr lang="tr-TR" dirty="0"/>
               <a:t>Main Functional Requirements</a:t>
             </a:r>
-            <a:endParaRPr lang="tr-TR" dirty="0"/>
           </a:p>
         </p:txBody>
       </p:sp>
@@ -4720,12 +7089,12 @@
           </a:p>
           <a:p>
             <a:pPr lvl="0"/>
-            <a:endParaRPr lang="tr-TR" dirty="0" smtClean="0"/>
+            <a:endParaRPr lang="tr-TR" dirty="0"/>
           </a:p>
           <a:p>
             <a:pPr lvl="0"/>
             <a:r>
-              <a:rPr lang="tr-TR" dirty="0" smtClean="0"/>
+              <a:rPr lang="tr-TR" dirty="0"/>
               <a:t>The admin should be able to organize the site.</a:t>
             </a:r>
           </a:p>
@@ -4733,15 +7102,14 @@
             <a:pPr marL="0" lvl="0" indent="0">
               <a:buNone/>
             </a:pPr>
-            <a:endParaRPr lang="tr-TR" dirty="0" smtClean="0"/>
+            <a:endParaRPr lang="tr-TR" dirty="0"/>
           </a:p>
           <a:p>
             <a:pPr lvl="0"/>
             <a:r>
-              <a:rPr lang="tr-TR" dirty="0" smtClean="0"/>
+              <a:rPr lang="tr-TR" dirty="0"/>
               <a:t>The admin should be able to access the users comments.</a:t>
             </a:r>
-            <a:endParaRPr lang="tr-TR" dirty="0"/>
           </a:p>
         </p:txBody>
       </p:sp>
@@ -4811,10 +7179,9 @@
               <a:buNone/>
             </a:pPr>
             <a:r>
-              <a:rPr lang="tr-TR" dirty="0" smtClean="0"/>
+              <a:rPr lang="tr-TR" dirty="0"/>
               <a:t>1. Performance</a:t>
             </a:r>
-            <a:endParaRPr lang="tr-TR" dirty="0"/>
           </a:p>
           <a:p>
             <a:pPr marL="0" indent="0">
@@ -4882,10 +7249,9 @@
           <a:lstStyle/>
           <a:p>
             <a:r>
-              <a:rPr lang="tr-TR" dirty="0" smtClean="0"/>
+              <a:rPr lang="tr-TR" dirty="0"/>
               <a:t>Nonfunctional Requirements</a:t>
             </a:r>
-            <a:endParaRPr lang="tr-TR" dirty="0"/>
           </a:p>
         </p:txBody>
       </p:sp>
@@ -4901,17 +7267,18 @@
         </p:nvSpPr>
         <p:spPr/>
         <p:txBody>
-          <a:bodyPr/>
+          <a:bodyPr>
+            <a:normAutofit/>
+          </a:bodyPr>
           <a:lstStyle/>
           <a:p>
             <a:pPr marL="0" lvl="0" indent="0">
               <a:buNone/>
             </a:pPr>
             <a:r>
-              <a:rPr lang="tr-TR" dirty="0" smtClean="0"/>
+              <a:rPr lang="tr-TR" dirty="0"/>
               <a:t>2. Usability </a:t>
             </a:r>
-            <a:endParaRPr lang="tr-TR" dirty="0"/>
           </a:p>
           <a:p>
             <a:pPr marL="0" indent="0">
@@ -4923,11 +7290,7 @@
             <a:pPr lvl="0"/>
             <a:r>
               <a:rPr lang="tr-TR" dirty="0"/>
-              <a:t>The website’s interface has to be user-friendly and easy to use</a:t>
-            </a:r>
-            <a:r>
-              <a:rPr lang="tr-TR" dirty="0" smtClean="0"/>
-              <a:t>.</a:t>
+              <a:t>The website’s interface has to be user-friendly and easy to use.</a:t>
             </a:r>
           </a:p>
           <a:p>
@@ -4939,7 +7302,7 @@
               <a:buNone/>
             </a:pPr>
             <a:r>
-              <a:rPr lang="tr-TR" dirty="0" smtClean="0"/>
+              <a:rPr lang="tr-TR" dirty="0"/>
               <a:t>3. Data Integrity</a:t>
             </a:r>
           </a:p>
@@ -4997,10 +7360,9 @@
           <a:lstStyle/>
           <a:p>
             <a:r>
-              <a:rPr lang="tr-TR" dirty="0" smtClean="0"/>
+              <a:rPr lang="tr-TR" dirty="0"/>
               <a:t>Highlights of Product Backlog</a:t>
             </a:r>
-            <a:endParaRPr lang="tr-TR" dirty="0"/>
           </a:p>
         </p:txBody>
       </p:sp>
@@ -5017,55 +7379,13 @@
         <p:spPr/>
         <p:txBody>
           <a:bodyPr>
-            <a:normAutofit fontScale="86071" lnSpcReduction="20000"/>
+            <a:normAutofit fontScale="86071" lnSpcReduction="10000"/>
           </a:bodyPr>
           <a:lstStyle/>
           <a:p>
             <a:r>
-              <a:rPr lang="en-US" dirty="0" smtClean="0"/>
+              <a:rPr lang="en-US" dirty="0"/>
               <a:t>Do</a:t>
-            </a:r>
-            <a:r>
-              <a:rPr lang="tr-TR" dirty="0" err="1" smtClean="0"/>
-              <a:t>ing</a:t>
-            </a:r>
-            <a:r>
-              <a:rPr lang="en-US" dirty="0" smtClean="0"/>
-              <a:t> the prep work</a:t>
-            </a:r>
-            <a:r>
-              <a:rPr lang="tr-TR" dirty="0" smtClean="0"/>
-              <a:t> (</a:t>
-            </a:r>
-            <a:r>
-              <a:rPr lang="tr-TR" dirty="0" err="1" smtClean="0"/>
-              <a:t>make</a:t>
-            </a:r>
-            <a:r>
-              <a:rPr lang="tr-TR" dirty="0" smtClean="0"/>
-              <a:t> </a:t>
-            </a:r>
-            <a:r>
-              <a:rPr lang="tr-TR" dirty="0" err="1" smtClean="0"/>
-              <a:t>product</a:t>
-            </a:r>
-            <a:r>
-              <a:rPr lang="tr-TR" dirty="0" smtClean="0"/>
-              <a:t> </a:t>
-            </a:r>
-            <a:r>
-              <a:rPr lang="tr-TR" dirty="0" err="1" smtClean="0"/>
-              <a:t>strategy</a:t>
-            </a:r>
-            <a:r>
-              <a:rPr lang="tr-TR" dirty="0" smtClean="0"/>
-              <a:t>)</a:t>
-            </a:r>
-          </a:p>
-          <a:p>
-            <a:r>
-              <a:rPr lang="en-US" dirty="0" smtClean="0"/>
-              <a:t>Focus</a:t>
             </a:r>
             <a:r>
               <a:rPr lang="tr-TR" dirty="0" err="1"/>
@@ -5073,6 +7393,48 @@
             </a:r>
             <a:r>
               <a:rPr lang="en-US" dirty="0"/>
+              <a:t> the prep work</a:t>
+            </a:r>
+            <a:r>
+              <a:rPr lang="tr-TR" dirty="0"/>
+              <a:t> (</a:t>
+            </a:r>
+            <a:r>
+              <a:rPr lang="tr-TR" dirty="0" err="1"/>
+              <a:t>make</a:t>
+            </a:r>
+            <a:r>
+              <a:rPr lang="tr-TR" dirty="0"/>
+              <a:t> </a:t>
+            </a:r>
+            <a:r>
+              <a:rPr lang="tr-TR" dirty="0" err="1"/>
+              <a:t>product</a:t>
+            </a:r>
+            <a:r>
+              <a:rPr lang="tr-TR" dirty="0"/>
+              <a:t> </a:t>
+            </a:r>
+            <a:r>
+              <a:rPr lang="tr-TR" dirty="0" err="1"/>
+              <a:t>strategy</a:t>
+            </a:r>
+            <a:r>
+              <a:rPr lang="tr-TR" dirty="0"/>
+              <a:t>)</a:t>
+            </a:r>
+          </a:p>
+          <a:p>
+            <a:r>
+              <a:rPr lang="en-US" dirty="0"/>
+              <a:t>Focus</a:t>
+            </a:r>
+            <a:r>
+              <a:rPr lang="tr-TR" dirty="0" err="1"/>
+              <a:t>ing</a:t>
+            </a:r>
+            <a:r>
+              <a:rPr lang="en-US" dirty="0"/>
               <a:t> in a right way</a:t>
             </a:r>
           </a:p>
@@ -5176,20 +7538,16 @@
               <a:t>P</a:t>
             </a:r>
             <a:r>
-              <a:rPr lang="en-US" dirty="0" err="1" smtClean="0"/>
+              <a:rPr lang="en-US" dirty="0" err="1"/>
               <a:t>rioritiz</a:t>
             </a:r>
             <a:r>
-              <a:rPr lang="tr-TR" dirty="0" err="1" smtClean="0"/>
+              <a:rPr lang="tr-TR" dirty="0" err="1"/>
               <a:t>ing</a:t>
             </a:r>
             <a:r>
-              <a:rPr lang="en-US" dirty="0" smtClean="0"/>
-              <a:t> </a:t>
-            </a:r>
-            <a:r>
               <a:rPr lang="en-US" dirty="0"/>
-              <a:t>product backlog</a:t>
+              <a:t> product backlog</a:t>
             </a:r>
           </a:p>
           <a:p>
@@ -5258,7 +7616,7 @@
               <a:t>a</a:t>
             </a:r>
             <a:r>
-              <a:rPr lang="en-US" dirty="0" err="1" smtClean="0"/>
+              <a:rPr lang="en-US" dirty="0" err="1"/>
               <a:t>ccessible</a:t>
             </a:r>
             <a:endParaRPr lang="en-US" dirty="0"/>
@@ -5274,9 +7632,9 @@
 </file>
 
 <file path=ppt/theme/theme1.xml><?xml version="1.0" encoding="utf-8"?>
-<a:theme xmlns:a="http://schemas.openxmlformats.org/drawingml/2006/main" name="Office Theme">
+<a:theme xmlns:a="http://schemas.openxmlformats.org/drawingml/2006/main" name="Quotable">
   <a:themeElements>
-    <a:clrScheme name="Office">
+    <a:clrScheme name="Quotable">
       <a:dk1>
         <a:sysClr val="windowText" lastClr="000000"/>
       </a:dk1>
@@ -5284,83 +7642,48 @@
         <a:sysClr val="window" lastClr="FFFFFF"/>
       </a:lt1>
       <a:dk2>
-        <a:srgbClr val="44546A"/>
+        <a:srgbClr val="212121"/>
       </a:dk2>
       <a:lt2>
-        <a:srgbClr val="E7E6E6"/>
+        <a:srgbClr val="636363"/>
       </a:lt2>
       <a:accent1>
-        <a:srgbClr val="5B9BD5"/>
+        <a:srgbClr val="00C6BB"/>
       </a:accent1>
       <a:accent2>
-        <a:srgbClr val="ED7D31"/>
+        <a:srgbClr val="6FEBA0"/>
       </a:accent2>
       <a:accent3>
-        <a:srgbClr val="A5A5A5"/>
+        <a:srgbClr val="B6DF5E"/>
       </a:accent3>
       <a:accent4>
-        <a:srgbClr val="FFC000"/>
+        <a:srgbClr val="EFB251"/>
       </a:accent4>
       <a:accent5>
-        <a:srgbClr val="4472C4"/>
+        <a:srgbClr val="EF755F"/>
       </a:accent5>
       <a:accent6>
-        <a:srgbClr val="70AD47"/>
+        <a:srgbClr val="ED515C"/>
       </a:accent6>
       <a:hlink>
-        <a:srgbClr val="0563C1"/>
+        <a:srgbClr val="8F8F8F"/>
       </a:hlink>
       <a:folHlink>
-        <a:srgbClr val="954F72"/>
+        <a:srgbClr val="A5A5A5"/>
       </a:folHlink>
     </a:clrScheme>
-    <a:fontScheme name="Office">
+    <a:fontScheme name="Quotable">
       <a:majorFont>
-        <a:latin typeface="Calibri Light" panose="020F0302020204030204"/>
+        <a:latin typeface="Century Gothic" panose="020B0502020202020204"/>
         <a:ea typeface=""/>
         <a:cs typeface=""/>
-        <a:font script="Jpan" typeface="游ゴシック Light"/>
+        <a:font script="Jpan" typeface="ＭＳ ゴシック"/>
         <a:font script="Hang" typeface="맑은 고딕"/>
-        <a:font script="Hans" typeface="等线 Light"/>
+        <a:font script="Hans" typeface="宋体"/>
         <a:font script="Hant" typeface="新細明體"/>
-        <a:font script="Arab" typeface="Times New Roman"/>
-        <a:font script="Hebr" typeface="Times New Roman"/>
-        <a:font script="Thai" typeface="Angsana New"/>
-        <a:font script="Ethi" typeface="Nyala"/>
-        <a:font script="Beng" typeface="Vrinda"/>
-        <a:font script="Gujr" typeface="Shruti"/>
-        <a:font script="Khmr" typeface="MoolBoran"/>
-        <a:font script="Knda" typeface="Tunga"/>
-        <a:font script="Guru" typeface="Raavi"/>
-        <a:font script="Cans" typeface="Euphemia"/>
-        <a:font script="Cher" typeface="Plantagenet Cherokee"/>
-        <a:font script="Yiii" typeface="Microsoft Yi Baiti"/>
-        <a:font script="Tibt" typeface="Microsoft Himalaya"/>
-        <a:font script="Thaa" typeface="MV Boli"/>
-        <a:font script="Deva" typeface="Mangal"/>
-        <a:font script="Telu" typeface="Gautami"/>
-        <a:font script="Taml" typeface="Latha"/>
-        <a:font script="Syrc" typeface="Estrangelo Edessa"/>
-        <a:font script="Orya" typeface="Kalinga"/>
-        <a:font script="Mlym" typeface="Kartika"/>
-        <a:font script="Laoo" typeface="DokChampa"/>
-        <a:font script="Sinh" typeface="Iskoola Pota"/>
-        <a:font script="Mong" typeface="Mongolian Baiti"/>
-        <a:font script="Viet" typeface="Times New Roman"/>
-        <a:font script="Uigh" typeface="Microsoft Uighur"/>
-        <a:font script="Geor" typeface="Sylfaen"/>
-      </a:majorFont>
-      <a:minorFont>
-        <a:latin typeface="Calibri" panose="020F0502020204030204"/>
-        <a:ea typeface=""/>
-        <a:cs typeface=""/>
-        <a:font script="Jpan" typeface="游ゴシック"/>
-        <a:font script="Hang" typeface="맑은 고딕"/>
-        <a:font script="Hans" typeface="等线"/>
-        <a:font script="Hant" typeface="新細明體"/>
-        <a:font script="Arab" typeface="Arial"/>
-        <a:font script="Hebr" typeface="Arial"/>
-        <a:font script="Thai" typeface="Cordia New"/>
+        <a:font script="Arab" typeface="Tahoma"/>
+        <a:font script="Hebr" typeface="Gisha"/>
+        <a:font script="Thai" typeface="DilleniaUPC"/>
         <a:font script="Ethi" typeface="Nyala"/>
         <a:font script="Beng" typeface="Vrinda"/>
         <a:font script="Gujr" typeface="Shruti"/>
@@ -5381,12 +7704,47 @@
         <a:font script="Laoo" typeface="DokChampa"/>
         <a:font script="Sinh" typeface="Iskoola Pota"/>
         <a:font script="Mong" typeface="Mongolian Baiti"/>
-        <a:font script="Viet" typeface="Arial"/>
+        <a:font script="Viet" typeface="Tahoma"/>
+        <a:font script="Uigh" typeface="Microsoft Uighur"/>
+        <a:font script="Geor" typeface="Sylfaen"/>
+      </a:majorFont>
+      <a:minorFont>
+        <a:latin typeface="Century Gothic" panose="020B0502020202020204"/>
+        <a:ea typeface=""/>
+        <a:cs typeface=""/>
+        <a:font script="Jpan" typeface="ＭＳ ゴシック"/>
+        <a:font script="Hang" typeface="맑은 고딕"/>
+        <a:font script="Hans" typeface="宋体"/>
+        <a:font script="Hant" typeface="新細明體"/>
+        <a:font script="Arab" typeface="Tahoma"/>
+        <a:font script="Hebr" typeface="Gisha"/>
+        <a:font script="Thai" typeface="DilleniaUPC"/>
+        <a:font script="Ethi" typeface="Nyala"/>
+        <a:font script="Beng" typeface="Vrinda"/>
+        <a:font script="Gujr" typeface="Shruti"/>
+        <a:font script="Khmr" typeface="DaunPenh"/>
+        <a:font script="Knda" typeface="Tunga"/>
+        <a:font script="Guru" typeface="Raavi"/>
+        <a:font script="Cans" typeface="Euphemia"/>
+        <a:font script="Cher" typeface="Plantagenet Cherokee"/>
+        <a:font script="Yiii" typeface="Microsoft Yi Baiti"/>
+        <a:font script="Tibt" typeface="Microsoft Himalaya"/>
+        <a:font script="Thaa" typeface="MV Boli"/>
+        <a:font script="Deva" typeface="Mangal"/>
+        <a:font script="Telu" typeface="Gautami"/>
+        <a:font script="Taml" typeface="Latha"/>
+        <a:font script="Syrc" typeface="Estrangelo Edessa"/>
+        <a:font script="Orya" typeface="Kalinga"/>
+        <a:font script="Mlym" typeface="Kartika"/>
+        <a:font script="Laoo" typeface="DokChampa"/>
+        <a:font script="Sinh" typeface="Iskoola Pota"/>
+        <a:font script="Mong" typeface="Mongolian Baiti"/>
+        <a:font script="Viet" typeface="Verdana"/>
         <a:font script="Uigh" typeface="Microsoft Uighur"/>
         <a:font script="Geor" typeface="Sylfaen"/>
       </a:minorFont>
     </a:fontScheme>
-    <a:fmtScheme name="Office">
+    <a:fmtScheme name="Quotable">
       <a:fillStyleLst>
         <a:solidFill>
           <a:schemeClr val="phClr"/>
@@ -5395,76 +7753,52 @@
           <a:gsLst>
             <a:gs pos="0">
               <a:schemeClr val="phClr">
-                <a:lumMod val="110000"/>
-                <a:satMod val="105000"/>
-                <a:tint val="67000"/>
-              </a:schemeClr>
-            </a:gs>
-            <a:gs pos="50000">
-              <a:schemeClr val="phClr">
+                <a:tint val="80000"/>
                 <a:lumMod val="105000"/>
-                <a:satMod val="103000"/>
-                <a:tint val="73000"/>
               </a:schemeClr>
             </a:gs>
             <a:gs pos="100000">
               <a:schemeClr val="phClr">
-                <a:lumMod val="105000"/>
-                <a:satMod val="109000"/>
-                <a:tint val="81000"/>
+                <a:tint val="90000"/>
               </a:schemeClr>
             </a:gs>
           </a:gsLst>
           <a:lin ang="5400000" scaled="0"/>
         </a:gradFill>
-        <a:gradFill rotWithShape="1">
-          <a:gsLst>
-            <a:gs pos="0">
+        <a:blipFill rotWithShape="1">
+          <a:blip xmlns:r="http://schemas.openxmlformats.org/officeDocument/2006/relationships" r:embed="rId1">
+            <a:duotone>
               <a:schemeClr val="phClr">
-                <a:satMod val="103000"/>
+                <a:tint val="98000"/>
                 <a:lumMod val="102000"/>
-                <a:tint val="94000"/>
               </a:schemeClr>
-            </a:gs>
-            <a:gs pos="50000">
               <a:schemeClr val="phClr">
-                <a:satMod val="110000"/>
-                <a:lumMod val="100000"/>
-                <a:shade val="100000"/>
+                <a:shade val="98000"/>
+                <a:lumMod val="98000"/>
               </a:schemeClr>
-            </a:gs>
-            <a:gs pos="100000">
-              <a:schemeClr val="phClr">
-                <a:lumMod val="99000"/>
-                <a:satMod val="120000"/>
-                <a:shade val="78000"/>
-              </a:schemeClr>
-            </a:gs>
-          </a:gsLst>
-          <a:lin ang="5400000" scaled="0"/>
-        </a:gradFill>
+            </a:duotone>
+          </a:blip>
+          <a:tile tx="0" ty="0" sx="100000" sy="100000" flip="none" algn="tl"/>
+        </a:blipFill>
       </a:fillStyleLst>
       <a:lnStyleLst>
-        <a:ln w="6350" cap="flat" cmpd="sng" algn="ctr">
+        <a:ln w="9525" cap="rnd" cmpd="sng" algn="ctr">
           <a:solidFill>
             <a:schemeClr val="phClr"/>
           </a:solidFill>
           <a:prstDash val="solid"/>
-          <a:miter lim="800000"/>
         </a:ln>
-        <a:ln w="12700" cap="flat" cmpd="sng" algn="ctr">
+        <a:ln w="15875" cap="rnd" cmpd="sng" algn="ctr">
           <a:solidFill>
             <a:schemeClr val="phClr"/>
           </a:solidFill>
           <a:prstDash val="solid"/>
-          <a:miter lim="800000"/>
         </a:ln>
-        <a:ln w="19050" cap="flat" cmpd="sng" algn="ctr">
+        <a:ln w="25400" cap="rnd" cmpd="sng" algn="ctr">
           <a:solidFill>
             <a:schemeClr val="phClr"/>
           </a:solidFill>
           <a:prstDash val="solid"/>
-          <a:miter lim="800000"/>
         </a:ln>
       </a:lnStyleLst>
       <a:effectStyleLst>
@@ -5476,11 +7810,11 @@
         </a:effectStyle>
         <a:effectStyle>
           <a:effectLst>
-            <a:outerShdw blurRad="57150" dist="19050" dir="5400000" algn="ctr" rotWithShape="0">
+            <a:innerShdw blurRad="63500" dist="25400" dir="13500000">
               <a:srgbClr val="000000">
-                <a:alpha val="63000"/>
+                <a:alpha val="75000"/>
               </a:srgbClr>
-            </a:outerShdw>
+            </a:innerShdw>
           </a:effectLst>
         </a:effectStyle>
       </a:effectStyleLst>
@@ -5488,35 +7822,35 @@
         <a:solidFill>
           <a:schemeClr val="phClr"/>
         </a:solidFill>
-        <a:solidFill>
-          <a:schemeClr val="phClr">
-            <a:tint val="95000"/>
-            <a:satMod val="170000"/>
-          </a:schemeClr>
-        </a:solidFill>
         <a:gradFill rotWithShape="1">
           <a:gsLst>
             <a:gs pos="0">
               <a:schemeClr val="phClr">
-                <a:tint val="93000"/>
-                <a:satMod val="150000"/>
-                <a:shade val="98000"/>
-                <a:lumMod val="102000"/>
-              </a:schemeClr>
-            </a:gs>
-            <a:gs pos="50000">
-              <a:schemeClr val="phClr">
-                <a:tint val="98000"/>
-                <a:satMod val="130000"/>
-                <a:shade val="90000"/>
-                <a:lumMod val="103000"/>
+                <a:tint val="100000"/>
               </a:schemeClr>
             </a:gs>
             <a:gs pos="100000">
               <a:schemeClr val="phClr">
-                <a:shade val="63000"/>
+                <a:tint val="84000"/>
+                <a:shade val="84000"/>
+                <a:lumMod val="90000"/>
+              </a:schemeClr>
+            </a:gs>
+          </a:gsLst>
+          <a:lin ang="5400000" scaled="0"/>
+        </a:gradFill>
+        <a:gradFill rotWithShape="1">
+          <a:gsLst>
+            <a:gs pos="0">
+              <a:schemeClr val="phClr">
+                <a:tint val="84000"/>
+                <a:shade val="90000"/>
                 <a:satMod val="120000"/>
+                <a:lumMod val="90000"/>
               </a:schemeClr>
+            </a:gs>
+            <a:gs pos="100000">
+              <a:schemeClr val="phClr"/>
             </a:gs>
           </a:gsLst>
           <a:lin ang="5400000" scaled="0"/>
@@ -5526,6 +7860,11 @@
   </a:themeElements>
   <a:objectDefaults/>
   <a:extraClrSchemeLst/>
+  <a:extLst>
+    <a:ext uri="{05A4C25C-085E-4340-85A3-A5531E510DB2}">
+      <thm15:themeFamily xmlns:thm15="http://schemas.microsoft.com/office/thememl/2012/main" name="Quotable" id="{39EC5628-30ED-4578-ACD8-9820EDB8E15A}" vid="{6F3559E9-1A4C-49D8-94D4-F41003531C49}"/>
+    </a:ext>
+  </a:extLst>
 </a:theme>
 </file>
 
